--- a/Overiew-Presentation.pptx
+++ b/Overiew-Presentation.pptx
@@ -142,6 +142,96 @@
 
 <file path=ppt/changesInfos/changesInfo1.xml><?xml version="1.0" encoding="utf-8"?>
 <pc:chgInfo xmlns:a="http://schemas.openxmlformats.org/drawingml/2006/main" xmlns:r="http://schemas.openxmlformats.org/officeDocument/2006/relationships" xmlns:ac="http://schemas.microsoft.com/office/drawing/2013/main/command" xmlns:pc="http://schemas.microsoft.com/office/powerpoint/2013/main/command">
+  <pc:docChgLst>
+    <pc:chgData name="Andrew Forrest" userId="fa6346fad9b88101" providerId="LiveId" clId="{4D3BFEEB-B8A8-485F-B41B-389A60E99085}"/>
+    <pc:docChg chg="custSel modSld">
+      <pc:chgData name="Andrew Forrest" userId="fa6346fad9b88101" providerId="LiveId" clId="{4D3BFEEB-B8A8-485F-B41B-389A60E99085}" dt="2021-01-07T03:48:34.492" v="1967" actId="20577"/>
+      <pc:docMkLst>
+        <pc:docMk/>
+      </pc:docMkLst>
+      <pc:sldChg chg="modSp mod modNotesTx">
+        <pc:chgData name="Andrew Forrest" userId="fa6346fad9b88101" providerId="LiveId" clId="{4D3BFEEB-B8A8-485F-B41B-389A60E99085}" dt="2021-01-07T03:43:11.974" v="1695" actId="114"/>
+        <pc:sldMkLst>
+          <pc:docMk/>
+          <pc:sldMk cId="1058339889" sldId="308"/>
+        </pc:sldMkLst>
+        <pc:graphicFrameChg chg="modGraphic">
+          <ac:chgData name="Andrew Forrest" userId="fa6346fad9b88101" providerId="LiveId" clId="{4D3BFEEB-B8A8-485F-B41B-389A60E99085}" dt="2021-01-07T03:43:11.974" v="1695" actId="114"/>
+          <ac:graphicFrameMkLst>
+            <pc:docMk/>
+            <pc:sldMk cId="1058339889" sldId="308"/>
+            <ac:graphicFrameMk id="6" creationId="{DC1028B8-7E67-422E-922C-0ED734B90AC8}"/>
+          </ac:graphicFrameMkLst>
+        </pc:graphicFrameChg>
+      </pc:sldChg>
+      <pc:sldChg chg="modNotesTx">
+        <pc:chgData name="Andrew Forrest" userId="fa6346fad9b88101" providerId="LiveId" clId="{4D3BFEEB-B8A8-485F-B41B-389A60E99085}" dt="2021-01-07T03:43:23.548" v="1697" actId="20577"/>
+        <pc:sldMkLst>
+          <pc:docMk/>
+          <pc:sldMk cId="3569181265" sldId="309"/>
+        </pc:sldMkLst>
+      </pc:sldChg>
+      <pc:sldChg chg="modNotesTx">
+        <pc:chgData name="Andrew Forrest" userId="fa6346fad9b88101" providerId="LiveId" clId="{4D3BFEEB-B8A8-485F-B41B-389A60E99085}" dt="2021-01-07T03:43:58.348" v="1705" actId="20577"/>
+        <pc:sldMkLst>
+          <pc:docMk/>
+          <pc:sldMk cId="1580089886" sldId="311"/>
+        </pc:sldMkLst>
+      </pc:sldChg>
+      <pc:sldChg chg="modSp mod modNotesTx">
+        <pc:chgData name="Andrew Forrest" userId="fa6346fad9b88101" providerId="LiveId" clId="{4D3BFEEB-B8A8-485F-B41B-389A60E99085}" dt="2021-01-07T03:36:45.789" v="1557" actId="20577"/>
+        <pc:sldMkLst>
+          <pc:docMk/>
+          <pc:sldMk cId="1712458297" sldId="312"/>
+        </pc:sldMkLst>
+        <pc:spChg chg="mod">
+          <ac:chgData name="Andrew Forrest" userId="fa6346fad9b88101" providerId="LiveId" clId="{4D3BFEEB-B8A8-485F-B41B-389A60E99085}" dt="2021-01-07T03:35:16.473" v="1511" actId="14100"/>
+          <ac:spMkLst>
+            <pc:docMk/>
+            <pc:sldMk cId="1712458297" sldId="312"/>
+            <ac:spMk id="2" creationId="{B0C5B3B2-BBBD-44A7-8D3D-80682CF87E6B}"/>
+          </ac:spMkLst>
+        </pc:spChg>
+        <pc:spChg chg="mod">
+          <ac:chgData name="Andrew Forrest" userId="fa6346fad9b88101" providerId="LiveId" clId="{4D3BFEEB-B8A8-485F-B41B-389A60E99085}" dt="2021-01-07T03:34:57.837" v="1507" actId="5793"/>
+          <ac:spMkLst>
+            <pc:docMk/>
+            <pc:sldMk cId="1712458297" sldId="312"/>
+            <ac:spMk id="3" creationId="{D6DDD3C4-6F76-40B5-AFF1-F0557BC03777}"/>
+          </ac:spMkLst>
+        </pc:spChg>
+      </pc:sldChg>
+      <pc:sldChg chg="modNotesTx">
+        <pc:chgData name="Andrew Forrest" userId="fa6346fad9b88101" providerId="LiveId" clId="{4D3BFEEB-B8A8-485F-B41B-389A60E99085}" dt="2021-01-07T03:37:22.124" v="1578" actId="20577"/>
+        <pc:sldMkLst>
+          <pc:docMk/>
+          <pc:sldMk cId="2162107554" sldId="313"/>
+        </pc:sldMkLst>
+      </pc:sldChg>
+      <pc:sldChg chg="modSp mod modNotesTx">
+        <pc:chgData name="Andrew Forrest" userId="fa6346fad9b88101" providerId="LiveId" clId="{4D3BFEEB-B8A8-485F-B41B-389A60E99085}" dt="2021-01-07T03:47:13.468" v="1864" actId="20577"/>
+        <pc:sldMkLst>
+          <pc:docMk/>
+          <pc:sldMk cId="1423418208" sldId="314"/>
+        </pc:sldMkLst>
+        <pc:spChg chg="mod">
+          <ac:chgData name="Andrew Forrest" userId="fa6346fad9b88101" providerId="LiveId" clId="{4D3BFEEB-B8A8-485F-B41B-389A60E99085}" dt="2021-01-07T03:38:00.524" v="1588" actId="20577"/>
+          <ac:spMkLst>
+            <pc:docMk/>
+            <pc:sldMk cId="1423418208" sldId="314"/>
+            <ac:spMk id="2" creationId="{B0C5B3B2-BBBD-44A7-8D3D-80682CF87E6B}"/>
+          </ac:spMkLst>
+        </pc:spChg>
+      </pc:sldChg>
+      <pc:sldChg chg="modNotesTx">
+        <pc:chgData name="Andrew Forrest" userId="fa6346fad9b88101" providerId="LiveId" clId="{4D3BFEEB-B8A8-485F-B41B-389A60E99085}" dt="2021-01-07T03:48:34.492" v="1967" actId="20577"/>
+        <pc:sldMkLst>
+          <pc:docMk/>
+          <pc:sldMk cId="904935145" sldId="319"/>
+        </pc:sldMkLst>
+      </pc:sldChg>
+    </pc:docChg>
+  </pc:docChgLst>
   <pc:docChgLst>
     <pc:chgData name="Andrew Forrest" userId="fa6346fad9b88101" providerId="LiveId" clId="{FF890E05-E887-4996-8673-0766C1ED6826}"/>
     <pc:docChg chg="undo custSel addSld delSld modSld sldOrd">
@@ -1234,13 +1324,7 @@
           <a:p>
             <a:r>
               <a:rPr lang="en-US" dirty="0"/>
-              <a:t>There was malicious activity documented being a trojan upload and remote code execution.</a:t>
-            </a:r>
-          </a:p>
-          <a:p>
-            <a:r>
-              <a:rPr lang="en-US" dirty="0"/>
-              <a:t>Network resource was used for a bit torrent download</a:t>
+              <a:t>I identified a single standout IP that was using many times more bandwidth than other devices.  A clandestine internal network streaming videos was detected.</a:t>
             </a:r>
             <a:endParaRPr lang="en-AU" dirty="0"/>
           </a:p>
@@ -1263,7 +1347,7 @@
           <a:p>
             <a:fld id="{BDDD5C32-8544-4121-8685-66BD3FD663E2}" type="slidenum">
               <a:rPr lang="en-AU" smtClean="0"/>
-              <a:t>12</a:t>
+              <a:t>11</a:t>
             </a:fld>
             <a:endParaRPr lang="en-AU"/>
           </a:p>
@@ -1272,7 +1356,7 @@
     </p:spTree>
     <p:extLst>
       <p:ext uri="{BB962C8B-B14F-4D97-AF65-F5344CB8AC3E}">
-        <p14:creationId xmlns:p14="http://schemas.microsoft.com/office/powerpoint/2010/main" val="3530110642"/>
+        <p14:creationId xmlns:p14="http://schemas.microsoft.com/office/powerpoint/2010/main" val="985169732"/>
       </p:ext>
     </p:extLst>
   </p:cSld>
@@ -1328,6 +1412,100 @@
           <a:p>
             <a:r>
               <a:rPr lang="en-US" dirty="0"/>
+              <a:t>There was malicious activity documented being a trojan upload and remote code execution.</a:t>
+            </a:r>
+          </a:p>
+          <a:p>
+            <a:r>
+              <a:rPr lang="en-US" dirty="0"/>
+              <a:t>Network resource was used for a bit torrent download</a:t>
+            </a:r>
+            <a:endParaRPr lang="en-AU" dirty="0"/>
+          </a:p>
+        </p:txBody>
+      </p:sp>
+      <p:sp>
+        <p:nvSpPr>
+          <p:cNvPr id="4" name="Slide Number Placeholder 3"/>
+          <p:cNvSpPr>
+            <a:spLocks noGrp="1"/>
+          </p:cNvSpPr>
+          <p:nvPr>
+            <p:ph type="sldNum" sz="quarter" idx="5"/>
+          </p:nvPr>
+        </p:nvSpPr>
+        <p:spPr/>
+        <p:txBody>
+          <a:bodyPr/>
+          <a:lstStyle/>
+          <a:p>
+            <a:fld id="{BDDD5C32-8544-4121-8685-66BD3FD663E2}" type="slidenum">
+              <a:rPr lang="en-AU" smtClean="0"/>
+              <a:t>12</a:t>
+            </a:fld>
+            <a:endParaRPr lang="en-AU"/>
+          </a:p>
+        </p:txBody>
+      </p:sp>
+    </p:spTree>
+    <p:extLst>
+      <p:ext uri="{BB962C8B-B14F-4D97-AF65-F5344CB8AC3E}">
+        <p14:creationId xmlns:p14="http://schemas.microsoft.com/office/powerpoint/2010/main" val="3530110642"/>
+      </p:ext>
+    </p:extLst>
+  </p:cSld>
+  <p:clrMapOvr>
+    <a:masterClrMapping/>
+  </p:clrMapOvr>
+</p:notes>
+</file>
+
+<file path=ppt/notesSlides/notesSlide12.xml><?xml version="1.0" encoding="utf-8"?>
+<p:notes xmlns:a="http://schemas.openxmlformats.org/drawingml/2006/main" xmlns:r="http://schemas.openxmlformats.org/officeDocument/2006/relationships" xmlns:p="http://schemas.openxmlformats.org/presentationml/2006/main">
+  <p:cSld>
+    <p:spTree>
+      <p:nvGrpSpPr>
+        <p:cNvPr id="1" name=""/>
+        <p:cNvGrpSpPr/>
+        <p:nvPr/>
+      </p:nvGrpSpPr>
+      <p:grpSpPr>
+        <a:xfrm>
+          <a:off x="0" y="0"/>
+          <a:ext cx="0" cy="0"/>
+          <a:chOff x="0" y="0"/>
+          <a:chExt cx="0" cy="0"/>
+        </a:xfrm>
+      </p:grpSpPr>
+      <p:sp>
+        <p:nvSpPr>
+          <p:cNvPr id="2" name="Slide Image Placeholder 1"/>
+          <p:cNvSpPr>
+            <a:spLocks noGrp="1" noRot="1" noChangeAspect="1"/>
+          </p:cNvSpPr>
+          <p:nvPr>
+            <p:ph type="sldImg"/>
+          </p:nvPr>
+        </p:nvSpPr>
+        <p:spPr/>
+      </p:sp>
+      <p:sp>
+        <p:nvSpPr>
+          <p:cNvPr id="3" name="Notes Placeholder 2"/>
+          <p:cNvSpPr>
+            <a:spLocks noGrp="1"/>
+          </p:cNvSpPr>
+          <p:nvPr>
+            <p:ph type="body" idx="1"/>
+          </p:nvPr>
+        </p:nvSpPr>
+        <p:spPr/>
+        <p:txBody>
+          <a:bodyPr/>
+          <a:lstStyle/>
+          <a:p>
+            <a:r>
+              <a:rPr lang="en-US" dirty="0"/>
               <a:t>The project required me to work on multiple concurrent activities and produce accurate results in a relatively short time period. </a:t>
             </a:r>
           </a:p>
@@ -1379,6 +1557,100 @@
     <p:extLst>
       <p:ext uri="{BB962C8B-B14F-4D97-AF65-F5344CB8AC3E}">
         <p14:creationId xmlns:p14="http://schemas.microsoft.com/office/powerpoint/2010/main" val="3597307295"/>
+      </p:ext>
+    </p:extLst>
+  </p:cSld>
+  <p:clrMapOvr>
+    <a:masterClrMapping/>
+  </p:clrMapOvr>
+</p:notes>
+</file>
+
+<file path=ppt/notesSlides/notesSlide13.xml><?xml version="1.0" encoding="utf-8"?>
+<p:notes xmlns:a="http://schemas.openxmlformats.org/drawingml/2006/main" xmlns:r="http://schemas.openxmlformats.org/officeDocument/2006/relationships" xmlns:p="http://schemas.openxmlformats.org/presentationml/2006/main">
+  <p:cSld>
+    <p:spTree>
+      <p:nvGrpSpPr>
+        <p:cNvPr id="1" name=""/>
+        <p:cNvGrpSpPr/>
+        <p:nvPr/>
+      </p:nvGrpSpPr>
+      <p:grpSpPr>
+        <a:xfrm>
+          <a:off x="0" y="0"/>
+          <a:ext cx="0" cy="0"/>
+          <a:chOff x="0" y="0"/>
+          <a:chExt cx="0" cy="0"/>
+        </a:xfrm>
+      </p:grpSpPr>
+      <p:sp>
+        <p:nvSpPr>
+          <p:cNvPr id="2" name="Slide Image Placeholder 1"/>
+          <p:cNvSpPr>
+            <a:spLocks noGrp="1" noRot="1" noChangeAspect="1"/>
+          </p:cNvSpPr>
+          <p:nvPr>
+            <p:ph type="sldImg"/>
+          </p:nvPr>
+        </p:nvSpPr>
+        <p:spPr/>
+      </p:sp>
+      <p:sp>
+        <p:nvSpPr>
+          <p:cNvPr id="3" name="Notes Placeholder 2"/>
+          <p:cNvSpPr>
+            <a:spLocks noGrp="1"/>
+          </p:cNvSpPr>
+          <p:nvPr>
+            <p:ph type="body" idx="1"/>
+          </p:nvPr>
+        </p:nvSpPr>
+        <p:spPr/>
+        <p:txBody>
+          <a:bodyPr/>
+          <a:lstStyle/>
+          <a:p>
+            <a:r>
+              <a:rPr lang="en-US" dirty="0"/>
+              <a:t>Thank you for watching my presentation.</a:t>
+            </a:r>
+          </a:p>
+          <a:p>
+            <a:r>
+              <a:rPr lang="en-US" dirty="0"/>
+              <a:t>I am happy to answer any questions if there is time ?</a:t>
+            </a:r>
+            <a:endParaRPr lang="en-AU" dirty="0"/>
+          </a:p>
+        </p:txBody>
+      </p:sp>
+      <p:sp>
+        <p:nvSpPr>
+          <p:cNvPr id="4" name="Slide Number Placeholder 3"/>
+          <p:cNvSpPr>
+            <a:spLocks noGrp="1"/>
+          </p:cNvSpPr>
+          <p:nvPr>
+            <p:ph type="sldNum" sz="quarter" idx="5"/>
+          </p:nvPr>
+        </p:nvSpPr>
+        <p:spPr/>
+        <p:txBody>
+          <a:bodyPr/>
+          <a:lstStyle/>
+          <a:p>
+            <a:fld id="{BDDD5C32-8544-4121-8685-66BD3FD663E2}" type="slidenum">
+              <a:rPr lang="en-AU" smtClean="0"/>
+              <a:t>14</a:t>
+            </a:fld>
+            <a:endParaRPr lang="en-AU"/>
+          </a:p>
+        </p:txBody>
+      </p:sp>
+    </p:spTree>
+    <p:extLst>
+      <p:ext uri="{BB962C8B-B14F-4D97-AF65-F5344CB8AC3E}">
+        <p14:creationId xmlns:p14="http://schemas.microsoft.com/office/powerpoint/2010/main" val="3231166987"/>
       </p:ext>
     </p:extLst>
   </p:cSld>
@@ -1576,14 +1848,45 @@
           <a:p>
             <a:r>
               <a:rPr lang="en-US" dirty="0"/>
-              <a:t>Critical vulnerabilities were exploited to; acquire sensitive information, gain server login, backend DB root login, gain root shell on server, and upload a persistent backdoor.</a:t>
-            </a:r>
-          </a:p>
-          <a:p>
-            <a:r>
-              <a:rPr lang="en-US" dirty="0"/>
-              <a:t> A common weakness was referenced for each exploit.  The CWE provides extensive details such as observed examples, potential mitigations and detection methods.</a:t>
-            </a:r>
+              <a:t>Understanding vulnerabilities properly may require a deep technical knowledge of a specific component.</a:t>
+            </a:r>
+          </a:p>
+          <a:p>
+            <a:r>
+              <a:rPr lang="en-US" dirty="0"/>
+              <a:t>A common weakness was referenced for each exploit. </a:t>
+            </a:r>
+          </a:p>
+          <a:p>
+            <a:r>
+              <a:rPr lang="en-US" dirty="0"/>
+              <a:t>The CWE provides extensive details such as observed examples, CVE links, potential mitigations and detection methods.</a:t>
+            </a:r>
+          </a:p>
+          <a:p>
+            <a:pPr marL="0" marR="0" lvl="0" indent="0" algn="l" defTabSz="914400" rtl="0" eaLnBrk="1" fontAlgn="auto" latinLnBrk="0" hangingPunct="1">
+              <a:lnSpc>
+                <a:spcPct val="100000"/>
+              </a:lnSpc>
+              <a:spcBef>
+                <a:spcPts val="0"/>
+              </a:spcBef>
+              <a:spcAft>
+                <a:spcPts val="0"/>
+              </a:spcAft>
+              <a:buClrTx/>
+              <a:buSzTx/>
+              <a:buFontTx/>
+              <a:buNone/>
+              <a:tabLst/>
+              <a:defRPr/>
+            </a:pPr>
+            <a:r>
+              <a:rPr lang="en-US" dirty="0"/>
+              <a:t>I consider critical vulnerabilities are those that can be readily exploited and have a significant impact.  I evidence the impact in coming slides.</a:t>
+            </a:r>
+          </a:p>
+          <a:p>
             <a:endParaRPr lang="en-AU" dirty="0"/>
           </a:p>
         </p:txBody>
@@ -1670,7 +1973,7 @@
           <a:p>
             <a:r>
               <a:rPr lang="en-US" dirty="0"/>
-              <a:t>For target 2, critical vulnerabilities were exploited to acquire information on resources, execute remote commands, and disclose sensitive information.</a:t>
+              <a:t>For Target 2, critical vulnerabilities were exploited to acquire information on resources, execute remote commands, and disclose sensitive information.</a:t>
             </a:r>
             <a:endParaRPr lang="en-AU" dirty="0"/>
           </a:p>
@@ -1868,7 +2171,7 @@
           <a:p>
             <a:r>
               <a:rPr lang="en-US" dirty="0"/>
-              <a:t>directory listing, path traversal, running remote shell commands, local file inclusion were the methods I used here</a:t>
+              <a:t>directory listing, path traversal, running remote shell commands, local file inclusion were the exploit methods I used here</a:t>
             </a:r>
             <a:r>
               <a:rPr lang="en-US" sz="1200" dirty="0">
@@ -1967,56 +2270,22 @@
           <a:bodyPr/>
           <a:lstStyle/>
           <a:p>
-            <a:pPr marL="228600" marR="0" lvl="0" indent="-228600" algn="l" defTabSz="914400" rtl="0" eaLnBrk="1" fontAlgn="auto" latinLnBrk="0" hangingPunct="1">
-              <a:lnSpc>
-                <a:spcPct val="100000"/>
-              </a:lnSpc>
-              <a:spcBef>
-                <a:spcPts val="0"/>
-              </a:spcBef>
-              <a:spcAft>
-                <a:spcPts val="0"/>
-              </a:spcAft>
-              <a:buClrTx/>
-              <a:buSzTx/>
-              <a:buFontTx/>
-              <a:buAutoNum type="arabicPeriod"/>
-              <a:tabLst/>
-              <a:defRPr/>
-            </a:pPr>
-            <a:r>
-              <a:rPr lang="en-US" dirty="0"/>
-              <a:t>Kibana Watcher screen, monitoring http requests, threshold 3500 / minute </a:t>
-            </a:r>
-          </a:p>
-          <a:p>
-            <a:pPr marL="228600" marR="0" lvl="0" indent="-228600" algn="l" defTabSz="914400" rtl="0" eaLnBrk="1" fontAlgn="auto" latinLnBrk="0" hangingPunct="1">
-              <a:lnSpc>
-                <a:spcPct val="100000"/>
-              </a:lnSpc>
-              <a:spcBef>
-                <a:spcPts val="0"/>
-              </a:spcBef>
-              <a:spcAft>
-                <a:spcPts val="0"/>
-              </a:spcAft>
-              <a:buClrTx/>
-              <a:buSzTx/>
-              <a:buFontTx/>
-              <a:buAutoNum type="arabicPeriod"/>
-              <a:tabLst/>
-              <a:defRPr/>
-            </a:pPr>
-            <a:r>
-              <a:rPr lang="en-US" dirty="0"/>
-              <a:t>Kibana Watcher Alert screen, SSH logins exceeding 5 or more in one minute will alert, configure to email or text out to support team and/or to raise an incident ticket.</a:t>
-            </a:r>
-          </a:p>
-          <a:p>
-            <a:pPr marL="228600" indent="-228600">
-              <a:buAutoNum type="arabicPeriod"/>
-            </a:pPr>
-            <a:endParaRPr lang="en-AU" dirty="0"/>
+            <a:r>
+              <a:rPr lang="en-US" dirty="0"/>
+              <a:t>High volume intensive network scans and brute force attacks on logins will likely raise alarms.</a:t>
+            </a:r>
+          </a:p>
+          <a:p>
+            <a:r>
+              <a:rPr lang="en-US" dirty="0"/>
+              <a:t>Attackers that have secured access may make numerous low volume reconnaissance passes to avoid detection.</a:t>
+            </a:r>
+          </a:p>
+          <a:p>
+            <a:r>
+              <a:rPr lang="en-US" dirty="0"/>
+              <a:t>They will gather pieces of the puzzle to create a picture of the network, then make incremental gains towards their target.</a:t>
+            </a:r>
           </a:p>
         </p:txBody>
       </p:sp>
@@ -2037,7 +2306,7 @@
           <a:p>
             <a:fld id="{BDDD5C32-8544-4121-8685-66BD3FD663E2}" type="slidenum">
               <a:rPr lang="en-AU" smtClean="0"/>
-              <a:t>9</a:t>
+              <a:t>8</a:t>
             </a:fld>
             <a:endParaRPr lang="en-AU"/>
           </a:p>
@@ -2046,7 +2315,7 @@
     </p:spTree>
     <p:extLst>
       <p:ext uri="{BB962C8B-B14F-4D97-AF65-F5344CB8AC3E}">
-        <p14:creationId xmlns:p14="http://schemas.microsoft.com/office/powerpoint/2010/main" val="2842704319"/>
+        <p14:creationId xmlns:p14="http://schemas.microsoft.com/office/powerpoint/2010/main" val="243128598"/>
       </p:ext>
     </p:extLst>
   </p:cSld>
@@ -2100,7 +2369,7 @@
           <a:bodyPr/>
           <a:lstStyle/>
           <a:p>
-            <a:pPr marL="0" marR="0" lvl="0" indent="0" algn="l" defTabSz="914400" rtl="0" eaLnBrk="1" fontAlgn="auto" latinLnBrk="0" hangingPunct="1">
+            <a:pPr marL="228600" marR="0" lvl="0" indent="-228600" algn="l" defTabSz="914400" rtl="0" eaLnBrk="1" fontAlgn="auto" latinLnBrk="0" hangingPunct="1">
               <a:lnSpc>
                 <a:spcPct val="100000"/>
               </a:lnSpc>
@@ -2113,17 +2382,17 @@
               <a:buClrTx/>
               <a:buSzTx/>
               <a:buFontTx/>
-              <a:buNone/>
+              <a:buAutoNum type="arabicPeriod"/>
               <a:tabLst/>
               <a:defRPr/>
             </a:pPr>
             <a:r>
               <a:rPr lang="en-US" dirty="0"/>
-              <a:t>System hardening reduces the surface area for an attack to occur.  This is a highly effective preventative technical control and should be considered with every change.</a:t>
-            </a:r>
-          </a:p>
-          <a:p>
-            <a:pPr marL="0" marR="0" lvl="0" indent="0" algn="l" defTabSz="914400" rtl="0" eaLnBrk="1" fontAlgn="auto" latinLnBrk="0" hangingPunct="1">
+              <a:t>Kibana Watcher screen, monitoring http requests, threshold 3500 / minute </a:t>
+            </a:r>
+          </a:p>
+          <a:p>
+            <a:pPr marL="228600" marR="0" lvl="0" indent="-228600" algn="l" defTabSz="914400" rtl="0" eaLnBrk="1" fontAlgn="auto" latinLnBrk="0" hangingPunct="1">
               <a:lnSpc>
                 <a:spcPct val="100000"/>
               </a:lnSpc>
@@ -2136,14 +2405,19 @@
               <a:buClrTx/>
               <a:buSzTx/>
               <a:buFontTx/>
-              <a:buNone/>
+              <a:buAutoNum type="arabicPeriod"/>
               <a:tabLst/>
               <a:defRPr/>
             </a:pPr>
             <a:r>
               <a:rPr lang="en-US" dirty="0"/>
-              <a:t>Maintaining platforms to be current in terms of security patching is necessary to protect against vulnerabilities that are documented in the public domain. Non-compliance is a tangible risk.</a:t>
-            </a:r>
+              <a:t>Kibana Watcher Alert configuration, SSH logins exceeding 5 or more in one minute will alert, configure to email or text out to support team and/or to raise an incident ticket.</a:t>
+            </a:r>
+          </a:p>
+          <a:p>
+            <a:pPr marL="228600" indent="-228600">
+              <a:buAutoNum type="arabicPeriod"/>
+            </a:pPr>
             <a:endParaRPr lang="en-AU" dirty="0"/>
           </a:p>
         </p:txBody>
@@ -2165,7 +2439,7 @@
           <a:p>
             <a:fld id="{BDDD5C32-8544-4121-8685-66BD3FD663E2}" type="slidenum">
               <a:rPr lang="en-AU" smtClean="0"/>
-              <a:t>10</a:t>
+              <a:t>9</a:t>
             </a:fld>
             <a:endParaRPr lang="en-AU"/>
           </a:p>
@@ -2174,7 +2448,7 @@
     </p:spTree>
     <p:extLst>
       <p:ext uri="{BB962C8B-B14F-4D97-AF65-F5344CB8AC3E}">
-        <p14:creationId xmlns:p14="http://schemas.microsoft.com/office/powerpoint/2010/main" val="1507460214"/>
+        <p14:creationId xmlns:p14="http://schemas.microsoft.com/office/powerpoint/2010/main" val="2842704319"/>
       </p:ext>
     </p:extLst>
   </p:cSld>
@@ -2228,9 +2502,95 @@
           <a:bodyPr/>
           <a:lstStyle/>
           <a:p>
-            <a:r>
-              <a:rPr lang="en-US" dirty="0"/>
-              <a:t>I identified a single standout IP that was using many times more bandwidth than other devices.  A clandestine internal network streaming videos was detected.</a:t>
+            <a:pPr marL="0" marR="0" lvl="0" indent="0" algn="l" defTabSz="914400" rtl="0" eaLnBrk="1" fontAlgn="auto" latinLnBrk="0" hangingPunct="1">
+              <a:lnSpc>
+                <a:spcPct val="100000"/>
+              </a:lnSpc>
+              <a:spcBef>
+                <a:spcPts val="0"/>
+              </a:spcBef>
+              <a:spcAft>
+                <a:spcPts val="0"/>
+              </a:spcAft>
+              <a:buClrTx/>
+              <a:buSzTx/>
+              <a:buFontTx/>
+              <a:buNone/>
+              <a:tabLst/>
+              <a:defRPr/>
+            </a:pPr>
+            <a:r>
+              <a:rPr lang="en-US" dirty="0"/>
+              <a:t>System hardening reduces the surface area for an attack to occur.  This is a highly effective preventative technical control and should be considered with every Change.</a:t>
+            </a:r>
+          </a:p>
+          <a:p>
+            <a:pPr marL="0" marR="0" lvl="0" indent="0" algn="l" defTabSz="914400" rtl="0" eaLnBrk="1" fontAlgn="auto" latinLnBrk="0" hangingPunct="1">
+              <a:lnSpc>
+                <a:spcPct val="100000"/>
+              </a:lnSpc>
+              <a:spcBef>
+                <a:spcPts val="0"/>
+              </a:spcBef>
+              <a:spcAft>
+                <a:spcPts val="0"/>
+              </a:spcAft>
+              <a:buClrTx/>
+              <a:buSzTx/>
+              <a:buFontTx/>
+              <a:buNone/>
+              <a:tabLst/>
+              <a:defRPr/>
+            </a:pPr>
+            <a:r>
+              <a:rPr lang="en-US" dirty="0"/>
+              <a:t>Maintaining platforms to be current in terms of security patching is necessary to protect against vulnerabilities that are documented in the public domain.</a:t>
+            </a:r>
+          </a:p>
+          <a:p>
+            <a:pPr marL="0" marR="0" lvl="0" indent="0" algn="l" defTabSz="914400" rtl="0" eaLnBrk="1" fontAlgn="auto" latinLnBrk="0" hangingPunct="1">
+              <a:lnSpc>
+                <a:spcPct val="100000"/>
+              </a:lnSpc>
+              <a:spcBef>
+                <a:spcPts val="0"/>
+              </a:spcBef>
+              <a:spcAft>
+                <a:spcPts val="0"/>
+              </a:spcAft>
+              <a:buClrTx/>
+              <a:buSzTx/>
+              <a:buFontTx/>
+              <a:buNone/>
+              <a:tabLst/>
+              <a:defRPr/>
+            </a:pPr>
+            <a:r>
+              <a:rPr lang="en-US" dirty="0"/>
+              <a:t>Patching non-compliance presents a tangible and avoidable risk.  </a:t>
+            </a:r>
+          </a:p>
+          <a:p>
+            <a:pPr marL="0" marR="0" lvl="0" indent="0" algn="l" defTabSz="914400" rtl="0" eaLnBrk="1" fontAlgn="auto" latinLnBrk="0" hangingPunct="1">
+              <a:lnSpc>
+                <a:spcPct val="100000"/>
+              </a:lnSpc>
+              <a:spcBef>
+                <a:spcPts val="0"/>
+              </a:spcBef>
+              <a:spcAft>
+                <a:spcPts val="0"/>
+              </a:spcAft>
+              <a:buClrTx/>
+              <a:buSzTx/>
+              <a:buFontTx/>
+              <a:buNone/>
+              <a:tabLst/>
+              <a:defRPr/>
+            </a:pPr>
+            <a:r>
+              <a:rPr lang="en-US" dirty="0"/>
+              <a:t>Security experts say that, “It is no longer a question of IF you will be hacked, - but WHEN !</a:t>
             </a:r>
             <a:endParaRPr lang="en-AU" dirty="0"/>
           </a:p>
@@ -2253,7 +2613,7 @@
           <a:p>
             <a:fld id="{BDDD5C32-8544-4121-8685-66BD3FD663E2}" type="slidenum">
               <a:rPr lang="en-AU" smtClean="0"/>
-              <a:t>11</a:t>
+              <a:t>10</a:t>
             </a:fld>
             <a:endParaRPr lang="en-AU"/>
           </a:p>
@@ -2262,7 +2622,7 @@
     </p:spTree>
     <p:extLst>
       <p:ext uri="{BB962C8B-B14F-4D97-AF65-F5344CB8AC3E}">
-        <p14:creationId xmlns:p14="http://schemas.microsoft.com/office/powerpoint/2010/main" val="985169732"/>
+        <p14:creationId xmlns:p14="http://schemas.microsoft.com/office/powerpoint/2010/main" val="1507460214"/>
       </p:ext>
     </p:extLst>
   </p:cSld>
@@ -5717,7 +6077,7 @@
         <p:spPr>
           <a:xfrm>
             <a:off x="125128" y="100669"/>
-            <a:ext cx="8450981" cy="5029596"/>
+            <a:ext cx="8450981" cy="5398794"/>
           </a:xfrm>
         </p:spPr>
         <p:txBody>
@@ -5740,47 +6100,47 @@
               <a:rPr lang="en-US" dirty="0"/>
             </a:br>
             <a:r>
-              <a:rPr lang="en-US" sz="2400" dirty="0"/>
+              <a:rPr lang="en-US" sz="2700" dirty="0"/>
               <a:t>Sound processes and</a:t>
             </a:r>
             <a:br>
-              <a:rPr lang="en-US" sz="2400" dirty="0"/>
-            </a:br>
-            <a:br>
-              <a:rPr lang="en-US" sz="2400" dirty="0"/>
-            </a:br>
-            <a:br>
-              <a:rPr lang="en-US" sz="2400" dirty="0"/>
-            </a:br>
-            <a:r>
-              <a:rPr lang="en-US" sz="2400" dirty="0"/>
+              <a:rPr lang="en-US" sz="2700" dirty="0"/>
+            </a:br>
+            <a:br>
+              <a:rPr lang="en-US" sz="2700" dirty="0"/>
+            </a:br>
+            <a:br>
+              <a:rPr lang="en-US" sz="2700" dirty="0"/>
+            </a:br>
+            <a:r>
+              <a:rPr lang="en-US" sz="2700" dirty="0"/>
               <a:t>efficient procedures </a:t>
             </a:r>
             <a:br>
-              <a:rPr lang="en-US" sz="2400" dirty="0"/>
-            </a:br>
-            <a:br>
-              <a:rPr lang="en-US" sz="2400" dirty="0"/>
-            </a:br>
-            <a:br>
-              <a:rPr lang="en-US" sz="2400" dirty="0"/>
-            </a:br>
-            <a:r>
-              <a:rPr lang="en-US" sz="2400" dirty="0"/>
+              <a:rPr lang="en-US" sz="2700" dirty="0"/>
+            </a:br>
+            <a:br>
+              <a:rPr lang="en-US" sz="2700" dirty="0"/>
+            </a:br>
+            <a:br>
+              <a:rPr lang="en-US" sz="2700" dirty="0"/>
+            </a:br>
+            <a:r>
+              <a:rPr lang="en-US" sz="2700" dirty="0"/>
               <a:t>should be in place.</a:t>
             </a:r>
             <a:br>
-              <a:rPr lang="en-US" sz="2400" dirty="0"/>
-            </a:br>
-            <a:br>
-              <a:rPr lang="en-US" sz="2400" dirty="0"/>
-            </a:br>
-            <a:br>
-              <a:rPr lang="en-US" sz="2400" dirty="0"/>
-            </a:br>
-            <a:r>
-              <a:rPr lang="en-US" sz="2400" dirty="0"/>
-              <a:t>Compliance is a must.</a:t>
+              <a:rPr lang="en-US" sz="2700" dirty="0"/>
+            </a:br>
+            <a:br>
+              <a:rPr lang="en-US" sz="2700" dirty="0"/>
+            </a:br>
+            <a:br>
+              <a:rPr lang="en-US" sz="2700" dirty="0"/>
+            </a:br>
+            <a:r>
+              <a:rPr lang="en-US" sz="2700" dirty="0"/>
+              <a:t>Compliance is a MUST.</a:t>
             </a:r>
             <a:br>
               <a:rPr lang="en-US" sz="2400" dirty="0"/>
@@ -8191,7 +8551,7 @@
             <p:ph idx="1"/>
             <p:extLst>
               <p:ext uri="{D42A27DB-BD31-4B8C-83A1-F6EECF244321}">
-                <p14:modId xmlns:p14="http://schemas.microsoft.com/office/powerpoint/2010/main" val="2852611008"/>
+                <p14:modId xmlns:p14="http://schemas.microsoft.com/office/powerpoint/2010/main" val="1608717063"/>
               </p:ext>
             </p:extLst>
           </p:nvPr>
@@ -8861,7 +9221,7 @@
                     </a:p>
                     <a:p>
                       <a:r>
-                        <a:rPr lang="en-AU" sz="1600" i="1" kern="1200" dirty="0">
+                        <a:rPr lang="en-AU" sz="1600" i="0" kern="1200" dirty="0">
                           <a:solidFill>
                             <a:schemeClr val="dk1"/>
                           </a:solidFill>
@@ -8873,7 +9233,7 @@
                         </a:rPr>
                         <a:t>https://cwe.mitre.org/data/definitions/434.html</a:t>
                       </a:r>
-                      <a:endParaRPr lang="en-AU" sz="1600" kern="1200" dirty="0">
+                      <a:endParaRPr lang="en-AU" sz="1600" i="0" kern="1200" dirty="0">
                         <a:solidFill>
                           <a:schemeClr val="dk1"/>
                         </a:solidFill>
@@ -10272,7 +10632,7 @@
         <p:spPr>
           <a:xfrm>
             <a:off x="154004" y="100667"/>
-            <a:ext cx="7315201" cy="5260605"/>
+            <a:ext cx="7315201" cy="6639767"/>
           </a:xfrm>
         </p:spPr>
         <p:txBody>
@@ -10304,6 +10664,9 @@
             <a:br>
               <a:rPr lang="en-US" sz="2800" dirty="0"/>
             </a:br>
+            <a:br>
+              <a:rPr lang="en-US" sz="2800" dirty="0"/>
+            </a:br>
             <a:r>
               <a:rPr lang="en-US" sz="2800" dirty="0"/>
               <a:t>Persistent  backdoor</a:t>
@@ -10314,6 +10677,9 @@
             <a:br>
               <a:rPr lang="en-US" sz="2800" dirty="0"/>
             </a:br>
+            <a:br>
+              <a:rPr lang="en-US" sz="2800" dirty="0"/>
+            </a:br>
             <a:r>
               <a:rPr lang="en-US" sz="2800" dirty="0"/>
               <a:t>Remote command</a:t>
@@ -10325,6 +10691,12 @@
               <a:rPr lang="en-US" sz="2800" dirty="0"/>
               <a:t> execution</a:t>
             </a:r>
+            <a:br>
+              <a:rPr lang="en-US" sz="2800" dirty="0"/>
+            </a:br>
+            <a:br>
+              <a:rPr lang="en-US" sz="2800" dirty="0"/>
+            </a:br>
             <a:br>
               <a:rPr lang="en-US" sz="2800" dirty="0"/>
             </a:br>
@@ -10424,36 +10796,6 @@
                 <a:latin typeface="Slack-Lato"/>
               </a:rPr>
               <a:t>sing a custom exploit, a backdoor was uploaded to the target</a:t>
-            </a:r>
-          </a:p>
-          <a:p>
-            <a:endParaRPr lang="en-AU" dirty="0">
-              <a:solidFill>
-                <a:schemeClr val="tx1"/>
-              </a:solidFill>
-              <a:effectLst/>
-              <a:latin typeface="Slack-Lato"/>
-            </a:endParaRPr>
-          </a:p>
-          <a:p>
-            <a:r>
-              <a:rPr lang="en-AU" dirty="0">
-                <a:solidFill>
-                  <a:schemeClr val="tx1"/>
-                </a:solidFill>
-                <a:latin typeface="Slack-Lato"/>
-              </a:rPr>
-              <a:t>R</a:t>
-            </a:r>
-            <a:r>
-              <a:rPr lang="en-AU" dirty="0">
-                <a:solidFill>
-                  <a:schemeClr val="tx1"/>
-                </a:solidFill>
-                <a:effectLst/>
-                <a:latin typeface="Slack-Lato"/>
-              </a:rPr>
-              <a:t>emote command execution available</a:t>
             </a:r>
           </a:p>
           <a:p>
@@ -10478,10 +10820,45 @@
               </a:rPr>
               <a:t>The backdoor will persist after system reboot</a:t>
             </a:r>
+          </a:p>
+          <a:p>
             <a:endParaRPr lang="en-AU" dirty="0">
               <a:solidFill>
                 <a:schemeClr val="tx1"/>
               </a:solidFill>
+              <a:latin typeface="Slack-Lato"/>
+            </a:endParaRPr>
+          </a:p>
+          <a:p>
+            <a:r>
+              <a:rPr lang="en-AU" dirty="0">
+                <a:solidFill>
+                  <a:schemeClr val="tx1"/>
+                </a:solidFill>
+                <a:latin typeface="Slack-Lato"/>
+              </a:rPr>
+              <a:t>R</a:t>
+            </a:r>
+            <a:r>
+              <a:rPr lang="en-AU" dirty="0">
+                <a:solidFill>
+                  <a:schemeClr val="tx1"/>
+                </a:solidFill>
+                <a:effectLst/>
+                <a:latin typeface="Slack-Lato"/>
+              </a:rPr>
+              <a:t>emote command execution available</a:t>
+            </a:r>
+          </a:p>
+          <a:p>
+            <a:pPr marL="0" indent="0">
+              <a:buNone/>
+            </a:pPr>
+            <a:endParaRPr lang="en-AU" dirty="0">
+              <a:solidFill>
+                <a:schemeClr val="tx1"/>
+              </a:solidFill>
+              <a:latin typeface="Slack-Lato"/>
             </a:endParaRPr>
           </a:p>
         </p:txBody>

--- a/Overiew-Presentation.pptx
+++ b/Overiew-Presentation.pptx
@@ -145,10 +145,25 @@
   <pc:docChgLst>
     <pc:chgData name="Andrew Forrest" userId="fa6346fad9b88101" providerId="LiveId" clId="{4D3BFEEB-B8A8-485F-B41B-389A60E99085}"/>
     <pc:docChg chg="custSel modSld">
-      <pc:chgData name="Andrew Forrest" userId="fa6346fad9b88101" providerId="LiveId" clId="{4D3BFEEB-B8A8-485F-B41B-389A60E99085}" dt="2021-01-07T03:48:34.492" v="1967" actId="20577"/>
+      <pc:chgData name="Andrew Forrest" userId="fa6346fad9b88101" providerId="LiveId" clId="{4D3BFEEB-B8A8-485F-B41B-389A60E99085}" dt="2021-01-07T04:22:37.836" v="1994" actId="20577"/>
       <pc:docMkLst>
         <pc:docMk/>
       </pc:docMkLst>
+      <pc:sldChg chg="modSp mod">
+        <pc:chgData name="Andrew Forrest" userId="fa6346fad9b88101" providerId="LiveId" clId="{4D3BFEEB-B8A8-485F-B41B-389A60E99085}" dt="2021-01-07T04:22:37.836" v="1994" actId="20577"/>
+        <pc:sldMkLst>
+          <pc:docMk/>
+          <pc:sldMk cId="476485258" sldId="259"/>
+        </pc:sldMkLst>
+        <pc:graphicFrameChg chg="modGraphic">
+          <ac:chgData name="Andrew Forrest" userId="fa6346fad9b88101" providerId="LiveId" clId="{4D3BFEEB-B8A8-485F-B41B-389A60E99085}" dt="2021-01-07T04:22:37.836" v="1994" actId="20577"/>
+          <ac:graphicFrameMkLst>
+            <pc:docMk/>
+            <pc:sldMk cId="476485258" sldId="259"/>
+            <ac:graphicFrameMk id="8" creationId="{940E181F-D36C-45BB-96A6-0294B3424955}"/>
+          </ac:graphicFrameMkLst>
+        </pc:graphicFrameChg>
+      </pc:sldChg>
       <pc:sldChg chg="modSp mod modNotesTx">
         <pc:chgData name="Andrew Forrest" userId="fa6346fad9b88101" providerId="LiveId" clId="{4D3BFEEB-B8A8-485F-B41B-389A60E99085}" dt="2021-01-07T03:43:11.974" v="1695" actId="114"/>
         <pc:sldMkLst>
@@ -7851,7 +7866,7 @@
           <p:nvPr>
             <p:extLst>
               <p:ext uri="{D42A27DB-BD31-4B8C-83A1-F6EECF244321}">
-                <p14:modId xmlns:p14="http://schemas.microsoft.com/office/powerpoint/2010/main" val="1366528823"/>
+                <p14:modId xmlns:p14="http://schemas.microsoft.com/office/powerpoint/2010/main" val="1924421891"/>
               </p:ext>
             </p:extLst>
           </p:nvPr>
@@ -8064,7 +8079,7 @@
                           <a:latin typeface="Roboto" panose="020B0604020202020204" charset="0"/>
                           <a:ea typeface="Roboto" panose="020B0604020202020204" charset="0"/>
                         </a:rPr>
-                        <a:t>Linux 4.6</a:t>
+                        <a:t>Linux 4.15</a:t>
                       </a:r>
                       <a:endParaRPr lang="en-AU" sz="1600" dirty="0">
                         <a:solidFill>
@@ -8149,7 +8164,7 @@
                           <a:latin typeface="Roboto" panose="020B0604020202020204" charset="0"/>
                           <a:ea typeface="Roboto" panose="020B0604020202020204" charset="0"/>
                         </a:rPr>
-                        <a:t>Linux 3.2 - 4.9 </a:t>
+                        <a:t>Linux 3.16 </a:t>
                       </a:r>
                       <a:endParaRPr lang="en-AU" sz="1600" dirty="0">
                         <a:solidFill>
@@ -8234,7 +8249,7 @@
                           <a:latin typeface="Roboto" panose="020B0604020202020204" charset="0"/>
                           <a:ea typeface="Roboto" panose="020B0604020202020204" charset="0"/>
                         </a:rPr>
-                        <a:t>Linux 3.2 - 4.9 </a:t>
+                        <a:t>Linux 3.16</a:t>
                       </a:r>
                       <a:endParaRPr lang="en-AU" sz="1600" dirty="0">
                         <a:solidFill>
@@ -8319,7 +8334,7 @@
                           <a:latin typeface="Roboto" panose="020B0604020202020204" charset="0"/>
                           <a:ea typeface="Roboto" panose="020B0604020202020204" charset="0"/>
                         </a:rPr>
-                        <a:t>Linux 4.6</a:t>
+                        <a:t>Linux 4.15</a:t>
                       </a:r>
                       <a:endParaRPr lang="en-AU" sz="1600" dirty="0">
                         <a:solidFill>

--- a/Overiew-Presentation.pptx
+++ b/Overiew-Presentation.pptx
@@ -5,23 +5,25 @@
     <p:sldMasterId id="2147483840" r:id="rId1"/>
   </p:sldMasterIdLst>
   <p:notesMasterIdLst>
-    <p:notesMasterId r:id="rId16"/>
+    <p:notesMasterId r:id="rId18"/>
   </p:notesMasterIdLst>
   <p:sldIdLst>
     <p:sldId id="256" r:id="rId2"/>
-    <p:sldId id="257" r:id="rId3"/>
-    <p:sldId id="259" r:id="rId4"/>
-    <p:sldId id="308" r:id="rId5"/>
-    <p:sldId id="309" r:id="rId6"/>
-    <p:sldId id="310" r:id="rId7"/>
-    <p:sldId id="311" r:id="rId8"/>
-    <p:sldId id="312" r:id="rId9"/>
-    <p:sldId id="313" r:id="rId10"/>
-    <p:sldId id="314" r:id="rId11"/>
-    <p:sldId id="317" r:id="rId12"/>
-    <p:sldId id="318" r:id="rId13"/>
-    <p:sldId id="320" r:id="rId14"/>
-    <p:sldId id="319" r:id="rId15"/>
+    <p:sldId id="321" r:id="rId3"/>
+    <p:sldId id="322" r:id="rId4"/>
+    <p:sldId id="323" r:id="rId5"/>
+    <p:sldId id="324" r:id="rId6"/>
+    <p:sldId id="308" r:id="rId7"/>
+    <p:sldId id="309" r:id="rId8"/>
+    <p:sldId id="310" r:id="rId9"/>
+    <p:sldId id="311" r:id="rId10"/>
+    <p:sldId id="312" r:id="rId11"/>
+    <p:sldId id="313" r:id="rId12"/>
+    <p:sldId id="314" r:id="rId13"/>
+    <p:sldId id="317" r:id="rId14"/>
+    <p:sldId id="318" r:id="rId15"/>
+    <p:sldId id="320" r:id="rId16"/>
+    <p:sldId id="319" r:id="rId17"/>
   </p:sldIdLst>
   <p:sldSz cx="12192000" cy="6858000"/>
   <p:notesSz cx="6858000" cy="9144000"/>
@@ -144,19 +146,57 @@
 <pc:chgInfo xmlns:a="http://schemas.openxmlformats.org/drawingml/2006/main" xmlns:r="http://schemas.openxmlformats.org/officeDocument/2006/relationships" xmlns:ac="http://schemas.microsoft.com/office/drawing/2013/main/command" xmlns:pc="http://schemas.microsoft.com/office/powerpoint/2013/main/command">
   <pc:docChgLst>
     <pc:chgData name="Andrew Forrest" userId="fa6346fad9b88101" providerId="LiveId" clId="{4D3BFEEB-B8A8-485F-B41B-389A60E99085}"/>
-    <pc:docChg chg="custSel modSld">
-      <pc:chgData name="Andrew Forrest" userId="fa6346fad9b88101" providerId="LiveId" clId="{4D3BFEEB-B8A8-485F-B41B-389A60E99085}" dt="2021-01-07T04:22:37.836" v="1994" actId="20577"/>
+    <pc:docChg chg="undo custSel addSld delSld modSld">
+      <pc:chgData name="Andrew Forrest" userId="fa6346fad9b88101" providerId="LiveId" clId="{4D3BFEEB-B8A8-485F-B41B-389A60E99085}" dt="2021-01-07T06:58:10.960" v="5345" actId="20577"/>
       <pc:docMkLst>
         <pc:docMk/>
       </pc:docMkLst>
-      <pc:sldChg chg="modSp mod">
-        <pc:chgData name="Andrew Forrest" userId="fa6346fad9b88101" providerId="LiveId" clId="{4D3BFEEB-B8A8-485F-B41B-389A60E99085}" dt="2021-01-07T04:22:37.836" v="1994" actId="20577"/>
+      <pc:sldChg chg="modNotesTx">
+        <pc:chgData name="Andrew Forrest" userId="fa6346fad9b88101" providerId="LiveId" clId="{4D3BFEEB-B8A8-485F-B41B-389A60E99085}" dt="2021-01-07T05:59:49.534" v="3324" actId="20577"/>
+        <pc:sldMkLst>
+          <pc:docMk/>
+          <pc:sldMk cId="2481079122" sldId="256"/>
+        </pc:sldMkLst>
+      </pc:sldChg>
+      <pc:sldChg chg="modSp del mod">
+        <pc:chgData name="Andrew Forrest" userId="fa6346fad9b88101" providerId="LiveId" clId="{4D3BFEEB-B8A8-485F-B41B-389A60E99085}" dt="2021-01-07T05:47:04.764" v="2677" actId="47"/>
+        <pc:sldMkLst>
+          <pc:docMk/>
+          <pc:sldMk cId="955967466" sldId="257"/>
+        </pc:sldMkLst>
+        <pc:spChg chg="mod">
+          <ac:chgData name="Andrew Forrest" userId="fa6346fad9b88101" providerId="LiveId" clId="{4D3BFEEB-B8A8-485F-B41B-389A60E99085}" dt="2021-01-07T05:16:11.022" v="2023" actId="20577"/>
+          <ac:spMkLst>
+            <pc:docMk/>
+            <pc:sldMk cId="955967466" sldId="257"/>
+            <ac:spMk id="2" creationId="{7CD1BAD3-7CE6-4C5B-BE72-36219B2AAD12}"/>
+          </ac:spMkLst>
+        </pc:spChg>
+        <pc:spChg chg="mod">
+          <ac:chgData name="Andrew Forrest" userId="fa6346fad9b88101" providerId="LiveId" clId="{4D3BFEEB-B8A8-485F-B41B-389A60E99085}" dt="2021-01-07T05:15:01.830" v="2001" actId="27636"/>
+          <ac:spMkLst>
+            <pc:docMk/>
+            <pc:sldMk cId="955967466" sldId="257"/>
+            <ac:spMk id="3" creationId="{BD8D47B0-C6FF-425B-9ACD-3734B6384B6F}"/>
+          </ac:spMkLst>
+        </pc:spChg>
+        <pc:spChg chg="mod">
+          <ac:chgData name="Andrew Forrest" userId="fa6346fad9b88101" providerId="LiveId" clId="{4D3BFEEB-B8A8-485F-B41B-389A60E99085}" dt="2021-01-07T05:15:20.109" v="2004" actId="20577"/>
+          <ac:spMkLst>
+            <pc:docMk/>
+            <pc:sldMk cId="955967466" sldId="257"/>
+            <ac:spMk id="4" creationId="{F47EA967-42F5-46AB-B462-9DF6A105306A}"/>
+          </ac:spMkLst>
+        </pc:spChg>
+      </pc:sldChg>
+      <pc:sldChg chg="modSp del mod">
+        <pc:chgData name="Andrew Forrest" userId="fa6346fad9b88101" providerId="LiveId" clId="{4D3BFEEB-B8A8-485F-B41B-389A60E99085}" dt="2021-01-07T05:42:44.726" v="2502" actId="47"/>
         <pc:sldMkLst>
           <pc:docMk/>
           <pc:sldMk cId="476485258" sldId="259"/>
         </pc:sldMkLst>
         <pc:graphicFrameChg chg="modGraphic">
-          <ac:chgData name="Andrew Forrest" userId="fa6346fad9b88101" providerId="LiveId" clId="{4D3BFEEB-B8A8-485F-B41B-389A60E99085}" dt="2021-01-07T04:22:37.836" v="1994" actId="20577"/>
+          <ac:chgData name="Andrew Forrest" userId="fa6346fad9b88101" providerId="LiveId" clId="{4D3BFEEB-B8A8-485F-B41B-389A60E99085}" dt="2021-01-07T05:42:42.228" v="2501" actId="6549"/>
           <ac:graphicFrameMkLst>
             <pc:docMk/>
             <pc:sldMk cId="476485258" sldId="259"/>
@@ -165,7 +205,7 @@
         </pc:graphicFrameChg>
       </pc:sldChg>
       <pc:sldChg chg="modSp mod modNotesTx">
-        <pc:chgData name="Andrew Forrest" userId="fa6346fad9b88101" providerId="LiveId" clId="{4D3BFEEB-B8A8-485F-B41B-389A60E99085}" dt="2021-01-07T03:43:11.974" v="1695" actId="114"/>
+        <pc:chgData name="Andrew Forrest" userId="fa6346fad9b88101" providerId="LiveId" clId="{4D3BFEEB-B8A8-485F-B41B-389A60E99085}" dt="2021-01-07T06:12:57.487" v="4058" actId="20577"/>
         <pc:sldMkLst>
           <pc:docMk/>
           <pc:sldMk cId="1058339889" sldId="308"/>
@@ -180,27 +220,74 @@
         </pc:graphicFrameChg>
       </pc:sldChg>
       <pc:sldChg chg="modNotesTx">
-        <pc:chgData name="Andrew Forrest" userId="fa6346fad9b88101" providerId="LiveId" clId="{4D3BFEEB-B8A8-485F-B41B-389A60E99085}" dt="2021-01-07T03:43:23.548" v="1697" actId="20577"/>
+        <pc:chgData name="Andrew Forrest" userId="fa6346fad9b88101" providerId="LiveId" clId="{4D3BFEEB-B8A8-485F-B41B-389A60E99085}" dt="2021-01-07T06:14:31.150" v="4160" actId="20577"/>
         <pc:sldMkLst>
           <pc:docMk/>
           <pc:sldMk cId="3569181265" sldId="309"/>
         </pc:sldMkLst>
       </pc:sldChg>
-      <pc:sldChg chg="modNotesTx">
-        <pc:chgData name="Andrew Forrest" userId="fa6346fad9b88101" providerId="LiveId" clId="{4D3BFEEB-B8A8-485F-B41B-389A60E99085}" dt="2021-01-07T03:43:58.348" v="1705" actId="20577"/>
+      <pc:sldChg chg="modSp mod modNotesTx">
+        <pc:chgData name="Andrew Forrest" userId="fa6346fad9b88101" providerId="LiveId" clId="{4D3BFEEB-B8A8-485F-B41B-389A60E99085}" dt="2021-01-07T06:41:24.509" v="4895" actId="255"/>
+        <pc:sldMkLst>
+          <pc:docMk/>
+          <pc:sldMk cId="63067111" sldId="310"/>
+        </pc:sldMkLst>
+        <pc:spChg chg="mod">
+          <ac:chgData name="Andrew Forrest" userId="fa6346fad9b88101" providerId="LiveId" clId="{4D3BFEEB-B8A8-485F-B41B-389A60E99085}" dt="2021-01-07T06:41:24.509" v="4895" actId="255"/>
+          <ac:spMkLst>
+            <pc:docMk/>
+            <pc:sldMk cId="63067111" sldId="310"/>
+            <ac:spMk id="2" creationId="{B0C5B3B2-BBBD-44A7-8D3D-80682CF87E6B}"/>
+          </ac:spMkLst>
+        </pc:spChg>
+        <pc:picChg chg="mod">
+          <ac:chgData name="Andrew Forrest" userId="fa6346fad9b88101" providerId="LiveId" clId="{4D3BFEEB-B8A8-485F-B41B-389A60E99085}" dt="2021-01-07T06:36:51.102" v="4844" actId="1076"/>
+          <ac:picMkLst>
+            <pc:docMk/>
+            <pc:sldMk cId="63067111" sldId="310"/>
+            <ac:picMk id="7" creationId="{83FC51F5-7E3F-419A-9F95-AF12FEC6DC18}"/>
+          </ac:picMkLst>
+        </pc:picChg>
+        <pc:picChg chg="mod">
+          <ac:chgData name="Andrew Forrest" userId="fa6346fad9b88101" providerId="LiveId" clId="{4D3BFEEB-B8A8-485F-B41B-389A60E99085}" dt="2021-01-07T06:15:44.224" v="4163" actId="1076"/>
+          <ac:picMkLst>
+            <pc:docMk/>
+            <pc:sldMk cId="63067111" sldId="310"/>
+            <ac:picMk id="8" creationId="{D32B349E-C9B1-4062-A1E1-185A472285A8}"/>
+          </ac:picMkLst>
+        </pc:picChg>
+        <pc:picChg chg="mod">
+          <ac:chgData name="Andrew Forrest" userId="fa6346fad9b88101" providerId="LiveId" clId="{4D3BFEEB-B8A8-485F-B41B-389A60E99085}" dt="2021-01-07T06:15:49.431" v="4164" actId="1076"/>
+          <ac:picMkLst>
+            <pc:docMk/>
+            <pc:sldMk cId="63067111" sldId="310"/>
+            <ac:picMk id="11" creationId="{1A2B1DD2-9B78-4DD2-A06B-372913D4BDA4}"/>
+          </ac:picMkLst>
+        </pc:picChg>
+      </pc:sldChg>
+      <pc:sldChg chg="modSp mod modNotesTx">
+        <pc:chgData name="Andrew Forrest" userId="fa6346fad9b88101" providerId="LiveId" clId="{4D3BFEEB-B8A8-485F-B41B-389A60E99085}" dt="2021-01-07T06:33:34.096" v="4820" actId="14100"/>
         <pc:sldMkLst>
           <pc:docMk/>
           <pc:sldMk cId="1580089886" sldId="311"/>
         </pc:sldMkLst>
+        <pc:spChg chg="mod">
+          <ac:chgData name="Andrew Forrest" userId="fa6346fad9b88101" providerId="LiveId" clId="{4D3BFEEB-B8A8-485F-B41B-389A60E99085}" dt="2021-01-07T06:33:34.096" v="4820" actId="14100"/>
+          <ac:spMkLst>
+            <pc:docMk/>
+            <pc:sldMk cId="1580089886" sldId="311"/>
+            <ac:spMk id="2" creationId="{B0C5B3B2-BBBD-44A7-8D3D-80682CF87E6B}"/>
+          </ac:spMkLst>
+        </pc:spChg>
       </pc:sldChg>
       <pc:sldChg chg="modSp mod modNotesTx">
-        <pc:chgData name="Andrew Forrest" userId="fa6346fad9b88101" providerId="LiveId" clId="{4D3BFEEB-B8A8-485F-B41B-389A60E99085}" dt="2021-01-07T03:36:45.789" v="1557" actId="20577"/>
+        <pc:chgData name="Andrew Forrest" userId="fa6346fad9b88101" providerId="LiveId" clId="{4D3BFEEB-B8A8-485F-B41B-389A60E99085}" dt="2021-01-07T06:33:15.531" v="4816" actId="255"/>
         <pc:sldMkLst>
           <pc:docMk/>
           <pc:sldMk cId="1712458297" sldId="312"/>
         </pc:sldMkLst>
         <pc:spChg chg="mod">
-          <ac:chgData name="Andrew Forrest" userId="fa6346fad9b88101" providerId="LiveId" clId="{4D3BFEEB-B8A8-485F-B41B-389A60E99085}" dt="2021-01-07T03:35:16.473" v="1511" actId="14100"/>
+          <ac:chgData name="Andrew Forrest" userId="fa6346fad9b88101" providerId="LiveId" clId="{4D3BFEEB-B8A8-485F-B41B-389A60E99085}" dt="2021-01-07T06:33:15.531" v="4816" actId="255"/>
           <ac:spMkLst>
             <pc:docMk/>
             <pc:sldMk cId="1712458297" sldId="312"/>
@@ -216,21 +303,45 @@
           </ac:spMkLst>
         </pc:spChg>
       </pc:sldChg>
-      <pc:sldChg chg="modNotesTx">
-        <pc:chgData name="Andrew Forrest" userId="fa6346fad9b88101" providerId="LiveId" clId="{4D3BFEEB-B8A8-485F-B41B-389A60E99085}" dt="2021-01-07T03:37:22.124" v="1578" actId="20577"/>
+      <pc:sldChg chg="modSp mod modNotesTx">
+        <pc:chgData name="Andrew Forrest" userId="fa6346fad9b88101" providerId="LiveId" clId="{4D3BFEEB-B8A8-485F-B41B-389A60E99085}" dt="2021-01-07T06:41:36.200" v="4896" actId="113"/>
         <pc:sldMkLst>
           <pc:docMk/>
           <pc:sldMk cId="2162107554" sldId="313"/>
         </pc:sldMkLst>
+        <pc:spChg chg="mod">
+          <ac:chgData name="Andrew Forrest" userId="fa6346fad9b88101" providerId="LiveId" clId="{4D3BFEEB-B8A8-485F-B41B-389A60E99085}" dt="2021-01-07T06:41:36.200" v="4896" actId="113"/>
+          <ac:spMkLst>
+            <pc:docMk/>
+            <pc:sldMk cId="2162107554" sldId="313"/>
+            <ac:spMk id="2" creationId="{B0C5B3B2-BBBD-44A7-8D3D-80682CF87E6B}"/>
+          </ac:spMkLst>
+        </pc:spChg>
+        <pc:picChg chg="mod">
+          <ac:chgData name="Andrew Forrest" userId="fa6346fad9b88101" providerId="LiveId" clId="{4D3BFEEB-B8A8-485F-B41B-389A60E99085}" dt="2021-01-07T06:40:42.127" v="4878" actId="1076"/>
+          <ac:picMkLst>
+            <pc:docMk/>
+            <pc:sldMk cId="2162107554" sldId="313"/>
+            <ac:picMk id="4" creationId="{5BF79180-432E-411A-84EE-2BF66FCA1769}"/>
+          </ac:picMkLst>
+        </pc:picChg>
+        <pc:picChg chg="mod">
+          <ac:chgData name="Andrew Forrest" userId="fa6346fad9b88101" providerId="LiveId" clId="{4D3BFEEB-B8A8-485F-B41B-389A60E99085}" dt="2021-01-07T06:40:45.584" v="4879" actId="1076"/>
+          <ac:picMkLst>
+            <pc:docMk/>
+            <pc:sldMk cId="2162107554" sldId="313"/>
+            <ac:picMk id="6" creationId="{E7679167-4854-448D-B4E9-C4F85EB31C03}"/>
+          </ac:picMkLst>
+        </pc:picChg>
       </pc:sldChg>
       <pc:sldChg chg="modSp mod modNotesTx">
-        <pc:chgData name="Andrew Forrest" userId="fa6346fad9b88101" providerId="LiveId" clId="{4D3BFEEB-B8A8-485F-B41B-389A60E99085}" dt="2021-01-07T03:47:13.468" v="1864" actId="20577"/>
+        <pc:chgData name="Andrew Forrest" userId="fa6346fad9b88101" providerId="LiveId" clId="{4D3BFEEB-B8A8-485F-B41B-389A60E99085}" dt="2021-01-07T06:32:50.117" v="4813" actId="14100"/>
         <pc:sldMkLst>
           <pc:docMk/>
           <pc:sldMk cId="1423418208" sldId="314"/>
         </pc:sldMkLst>
         <pc:spChg chg="mod">
-          <ac:chgData name="Andrew Forrest" userId="fa6346fad9b88101" providerId="LiveId" clId="{4D3BFEEB-B8A8-485F-B41B-389A60E99085}" dt="2021-01-07T03:38:00.524" v="1588" actId="20577"/>
+          <ac:chgData name="Andrew Forrest" userId="fa6346fad9b88101" providerId="LiveId" clId="{4D3BFEEB-B8A8-485F-B41B-389A60E99085}" dt="2021-01-07T06:32:50.117" v="4813" actId="14100"/>
           <ac:spMkLst>
             <pc:docMk/>
             <pc:sldMk cId="1423418208" sldId="314"/>
@@ -238,12 +349,205 @@
           </ac:spMkLst>
         </pc:spChg>
       </pc:sldChg>
+      <pc:sldChg chg="modSp mod">
+        <pc:chgData name="Andrew Forrest" userId="fa6346fad9b88101" providerId="LiveId" clId="{4D3BFEEB-B8A8-485F-B41B-389A60E99085}" dt="2021-01-07T06:42:04.821" v="4899" actId="255"/>
+        <pc:sldMkLst>
+          <pc:docMk/>
+          <pc:sldMk cId="4088612770" sldId="317"/>
+        </pc:sldMkLst>
+        <pc:spChg chg="mod">
+          <ac:chgData name="Andrew Forrest" userId="fa6346fad9b88101" providerId="LiveId" clId="{4D3BFEEB-B8A8-485F-B41B-389A60E99085}" dt="2021-01-07T06:42:04.821" v="4899" actId="255"/>
+          <ac:spMkLst>
+            <pc:docMk/>
+            <pc:sldMk cId="4088612770" sldId="317"/>
+            <ac:spMk id="2" creationId="{B0C5B3B2-BBBD-44A7-8D3D-80682CF87E6B}"/>
+          </ac:spMkLst>
+        </pc:spChg>
+      </pc:sldChg>
+      <pc:sldChg chg="modSp mod modNotesTx">
+        <pc:chgData name="Andrew Forrest" userId="fa6346fad9b88101" providerId="LiveId" clId="{4D3BFEEB-B8A8-485F-B41B-389A60E99085}" dt="2021-01-07T06:43:16.814" v="4932" actId="20577"/>
+        <pc:sldMkLst>
+          <pc:docMk/>
+          <pc:sldMk cId="3186061393" sldId="318"/>
+        </pc:sldMkLst>
+        <pc:spChg chg="mod">
+          <ac:chgData name="Andrew Forrest" userId="fa6346fad9b88101" providerId="LiveId" clId="{4D3BFEEB-B8A8-485F-B41B-389A60E99085}" dt="2021-01-07T06:42:32.735" v="4902" actId="6549"/>
+          <ac:spMkLst>
+            <pc:docMk/>
+            <pc:sldMk cId="3186061393" sldId="318"/>
+            <ac:spMk id="2" creationId="{B0C5B3B2-BBBD-44A7-8D3D-80682CF87E6B}"/>
+          </ac:spMkLst>
+        </pc:spChg>
+        <pc:picChg chg="mod">
+          <ac:chgData name="Andrew Forrest" userId="fa6346fad9b88101" providerId="LiveId" clId="{4D3BFEEB-B8A8-485F-B41B-389A60E99085}" dt="2021-01-07T06:42:56.523" v="4903" actId="1076"/>
+          <ac:picMkLst>
+            <pc:docMk/>
+            <pc:sldMk cId="3186061393" sldId="318"/>
+            <ac:picMk id="7" creationId="{4873263E-9B9F-4E90-B65F-101236EF85B5}"/>
+          </ac:picMkLst>
+        </pc:picChg>
+      </pc:sldChg>
       <pc:sldChg chg="modNotesTx">
         <pc:chgData name="Andrew Forrest" userId="fa6346fad9b88101" providerId="LiveId" clId="{4D3BFEEB-B8A8-485F-B41B-389A60E99085}" dt="2021-01-07T03:48:34.492" v="1967" actId="20577"/>
         <pc:sldMkLst>
           <pc:docMk/>
           <pc:sldMk cId="904935145" sldId="319"/>
         </pc:sldMkLst>
+      </pc:sldChg>
+      <pc:sldChg chg="modSp mod modNotesTx">
+        <pc:chgData name="Andrew Forrest" userId="fa6346fad9b88101" providerId="LiveId" clId="{4D3BFEEB-B8A8-485F-B41B-389A60E99085}" dt="2021-01-07T06:58:10.960" v="5345" actId="20577"/>
+        <pc:sldMkLst>
+          <pc:docMk/>
+          <pc:sldMk cId="776255852" sldId="320"/>
+        </pc:sldMkLst>
+        <pc:spChg chg="mod">
+          <ac:chgData name="Andrew Forrest" userId="fa6346fad9b88101" providerId="LiveId" clId="{4D3BFEEB-B8A8-485F-B41B-389A60E99085}" dt="2021-01-07T06:44:58.256" v="5001" actId="6549"/>
+          <ac:spMkLst>
+            <pc:docMk/>
+            <pc:sldMk cId="776255852" sldId="320"/>
+            <ac:spMk id="3" creationId="{D6DDD3C4-6F76-40B5-AFF1-F0557BC03777}"/>
+          </ac:spMkLst>
+        </pc:spChg>
+      </pc:sldChg>
+      <pc:sldChg chg="modSp add mod modNotesTx">
+        <pc:chgData name="Andrew Forrest" userId="fa6346fad9b88101" providerId="LiveId" clId="{4D3BFEEB-B8A8-485F-B41B-389A60E99085}" dt="2021-01-07T06:55:19.925" v="5249" actId="20577"/>
+        <pc:sldMkLst>
+          <pc:docMk/>
+          <pc:sldMk cId="4213771676" sldId="321"/>
+        </pc:sldMkLst>
+        <pc:spChg chg="mod">
+          <ac:chgData name="Andrew Forrest" userId="fa6346fad9b88101" providerId="LiveId" clId="{4D3BFEEB-B8A8-485F-B41B-389A60E99085}" dt="2021-01-07T05:31:47.141" v="2423" actId="14100"/>
+          <ac:spMkLst>
+            <pc:docMk/>
+            <pc:sldMk cId="4213771676" sldId="321"/>
+            <ac:spMk id="2" creationId="{7CD1BAD3-7CE6-4C5B-BE72-36219B2AAD12}"/>
+          </ac:spMkLst>
+        </pc:spChg>
+        <pc:spChg chg="mod">
+          <ac:chgData name="Andrew Forrest" userId="fa6346fad9b88101" providerId="LiveId" clId="{4D3BFEEB-B8A8-485F-B41B-389A60E99085}" dt="2021-01-07T05:18:23.517" v="2061" actId="20577"/>
+          <ac:spMkLst>
+            <pc:docMk/>
+            <pc:sldMk cId="4213771676" sldId="321"/>
+            <ac:spMk id="3" creationId="{BD8D47B0-C6FF-425B-9ACD-3734B6384B6F}"/>
+          </ac:spMkLst>
+        </pc:spChg>
+        <pc:spChg chg="mod">
+          <ac:chgData name="Andrew Forrest" userId="fa6346fad9b88101" providerId="LiveId" clId="{4D3BFEEB-B8A8-485F-B41B-389A60E99085}" dt="2021-01-07T05:17:19.846" v="2029" actId="27636"/>
+          <ac:spMkLst>
+            <pc:docMk/>
+            <pc:sldMk cId="4213771676" sldId="321"/>
+            <ac:spMk id="4" creationId="{F47EA967-42F5-46AB-B462-9DF6A105306A}"/>
+          </ac:spMkLst>
+        </pc:spChg>
+      </pc:sldChg>
+      <pc:sldChg chg="modSp add mod modNotesTx">
+        <pc:chgData name="Andrew Forrest" userId="fa6346fad9b88101" providerId="LiveId" clId="{4D3BFEEB-B8A8-485F-B41B-389A60E99085}" dt="2021-01-07T06:04:20.782" v="3583" actId="6549"/>
+        <pc:sldMkLst>
+          <pc:docMk/>
+          <pc:sldMk cId="3353167461" sldId="322"/>
+        </pc:sldMkLst>
+        <pc:spChg chg="mod">
+          <ac:chgData name="Andrew Forrest" userId="fa6346fad9b88101" providerId="LiveId" clId="{4D3BFEEB-B8A8-485F-B41B-389A60E99085}" dt="2021-01-07T05:32:28.716" v="2439" actId="14100"/>
+          <ac:spMkLst>
+            <pc:docMk/>
+            <pc:sldMk cId="3353167461" sldId="322"/>
+            <ac:spMk id="2" creationId="{7CD1BAD3-7CE6-4C5B-BE72-36219B2AAD12}"/>
+          </ac:spMkLst>
+        </pc:spChg>
+        <pc:spChg chg="mod">
+          <ac:chgData name="Andrew Forrest" userId="fa6346fad9b88101" providerId="LiveId" clId="{4D3BFEEB-B8A8-485F-B41B-389A60E99085}" dt="2021-01-07T05:21:39.665" v="2167" actId="27636"/>
+          <ac:spMkLst>
+            <pc:docMk/>
+            <pc:sldMk cId="3353167461" sldId="322"/>
+            <ac:spMk id="3" creationId="{BD8D47B0-C6FF-425B-9ACD-3734B6384B6F}"/>
+          </ac:spMkLst>
+        </pc:spChg>
+        <pc:spChg chg="mod">
+          <ac:chgData name="Andrew Forrest" userId="fa6346fad9b88101" providerId="LiveId" clId="{4D3BFEEB-B8A8-485F-B41B-389A60E99085}" dt="2021-01-07T05:22:08.126" v="2178" actId="5793"/>
+          <ac:spMkLst>
+            <pc:docMk/>
+            <pc:sldMk cId="3353167461" sldId="322"/>
+            <ac:spMk id="4" creationId="{F47EA967-42F5-46AB-B462-9DF6A105306A}"/>
+          </ac:spMkLst>
+        </pc:spChg>
+      </pc:sldChg>
+      <pc:sldChg chg="modSp add mod modNotesTx">
+        <pc:chgData name="Andrew Forrest" userId="fa6346fad9b88101" providerId="LiveId" clId="{4D3BFEEB-B8A8-485F-B41B-389A60E99085}" dt="2021-01-07T06:04:46.093" v="3598" actId="20577"/>
+        <pc:sldMkLst>
+          <pc:docMk/>
+          <pc:sldMk cId="2954622010" sldId="323"/>
+        </pc:sldMkLst>
+        <pc:spChg chg="mod">
+          <ac:chgData name="Andrew Forrest" userId="fa6346fad9b88101" providerId="LiveId" clId="{4D3BFEEB-B8A8-485F-B41B-389A60E99085}" dt="2021-01-07T05:33:29.974" v="2471" actId="14100"/>
+          <ac:spMkLst>
+            <pc:docMk/>
+            <pc:sldMk cId="2954622010" sldId="323"/>
+            <ac:spMk id="2" creationId="{7CD1BAD3-7CE6-4C5B-BE72-36219B2AAD12}"/>
+          </ac:spMkLst>
+        </pc:spChg>
+        <pc:spChg chg="mod">
+          <ac:chgData name="Andrew Forrest" userId="fa6346fad9b88101" providerId="LiveId" clId="{4D3BFEEB-B8A8-485F-B41B-389A60E99085}" dt="2021-01-07T05:29:18.190" v="2402" actId="27636"/>
+          <ac:spMkLst>
+            <pc:docMk/>
+            <pc:sldMk cId="2954622010" sldId="323"/>
+            <ac:spMk id="3" creationId="{BD8D47B0-C6FF-425B-9ACD-3734B6384B6F}"/>
+          </ac:spMkLst>
+        </pc:spChg>
+        <pc:spChg chg="mod">
+          <ac:chgData name="Andrew Forrest" userId="fa6346fad9b88101" providerId="LiveId" clId="{4D3BFEEB-B8A8-485F-B41B-389A60E99085}" dt="2021-01-07T05:29:18.190" v="2403" actId="27636"/>
+          <ac:spMkLst>
+            <pc:docMk/>
+            <pc:sldMk cId="2954622010" sldId="323"/>
+            <ac:spMk id="4" creationId="{F47EA967-42F5-46AB-B462-9DF6A105306A}"/>
+          </ac:spMkLst>
+        </pc:spChg>
+      </pc:sldChg>
+      <pc:sldChg chg="addSp delSp modSp new mod modClrScheme chgLayout modNotesTx">
+        <pc:chgData name="Andrew Forrest" userId="fa6346fad9b88101" providerId="LiveId" clId="{4D3BFEEB-B8A8-485F-B41B-389A60E99085}" dt="2021-01-07T05:48:09.939" v="2701" actId="14100"/>
+        <pc:sldMkLst>
+          <pc:docMk/>
+          <pc:sldMk cId="219052793" sldId="324"/>
+        </pc:sldMkLst>
+        <pc:spChg chg="del">
+          <ac:chgData name="Andrew Forrest" userId="fa6346fad9b88101" providerId="LiveId" clId="{4D3BFEEB-B8A8-485F-B41B-389A60E99085}" dt="2021-01-07T05:35:33.251" v="2473" actId="700"/>
+          <ac:spMkLst>
+            <pc:docMk/>
+            <pc:sldMk cId="219052793" sldId="324"/>
+            <ac:spMk id="2" creationId="{2CC65292-C49A-4661-9F25-C982A6309F3D}"/>
+          </ac:spMkLst>
+        </pc:spChg>
+        <pc:spChg chg="del">
+          <ac:chgData name="Andrew Forrest" userId="fa6346fad9b88101" providerId="LiveId" clId="{4D3BFEEB-B8A8-485F-B41B-389A60E99085}" dt="2021-01-07T05:35:33.251" v="2473" actId="700"/>
+          <ac:spMkLst>
+            <pc:docMk/>
+            <pc:sldMk cId="219052793" sldId="324"/>
+            <ac:spMk id="3" creationId="{8A8EB813-C94C-4834-99D2-CB752614089A}"/>
+          </ac:spMkLst>
+        </pc:spChg>
+        <pc:spChg chg="del">
+          <ac:chgData name="Andrew Forrest" userId="fa6346fad9b88101" providerId="LiveId" clId="{4D3BFEEB-B8A8-485F-B41B-389A60E99085}" dt="2021-01-07T05:35:33.251" v="2473" actId="700"/>
+          <ac:spMkLst>
+            <pc:docMk/>
+            <pc:sldMk cId="219052793" sldId="324"/>
+            <ac:spMk id="4" creationId="{7B8607D7-7262-4605-A9CB-7FBCEC3DD708}"/>
+          </ac:spMkLst>
+        </pc:spChg>
+        <pc:spChg chg="add mod">
+          <ac:chgData name="Andrew Forrest" userId="fa6346fad9b88101" providerId="LiveId" clId="{4D3BFEEB-B8A8-485F-B41B-389A60E99085}" dt="2021-01-07T05:48:09.939" v="2701" actId="14100"/>
+          <ac:spMkLst>
+            <pc:docMk/>
+            <pc:sldMk cId="219052793" sldId="324"/>
+            <ac:spMk id="5" creationId="{88635A1E-921C-4F7E-82C0-0F586460ADDC}"/>
+          </ac:spMkLst>
+        </pc:spChg>
+        <pc:picChg chg="add mod">
+          <ac:chgData name="Andrew Forrest" userId="fa6346fad9b88101" providerId="LiveId" clId="{4D3BFEEB-B8A8-485F-B41B-389A60E99085}" dt="2021-01-07T05:41:02.270" v="2496" actId="1076"/>
+          <ac:picMkLst>
+            <pc:docMk/>
+            <pc:sldMk cId="219052793" sldId="324"/>
+            <ac:picMk id="7" creationId="{F8158D23-D654-4DC4-87BD-FCAF8DBE3B59}"/>
+          </ac:picMkLst>
+        </pc:picChg>
       </pc:sldChg>
     </pc:docChg>
   </pc:docChgLst>
@@ -1243,15 +1547,7 @@
           <a:p>
             <a:r>
               <a:rPr lang="en-US" dirty="0"/>
-              <a:t>For the Final Project we needed to adopt different roles, firstly an Attacker – Red Teamer, capture the flag activity.  Then a Defender – Blue Teamer, used my skills to configure the infrastructure to be more resilient and to alert us of a probable attack. The third section was being a Network Analyst, capturing and </a:t>
-            </a:r>
-            <a:r>
-              <a:rPr lang="en-US" dirty="0" err="1"/>
-              <a:t>analysing</a:t>
-            </a:r>
-            <a:r>
-              <a:rPr lang="en-US" dirty="0"/>
-              <a:t> traffic to identify norms and abnormalities.</a:t>
+              <a:t>For the final project we used a Lab environment that simulates a feasible real-world scenario.</a:t>
             </a:r>
             <a:endParaRPr lang="en-AU" dirty="0"/>
           </a:p>
@@ -1274,7 +1570,7 @@
           <a:p>
             <a:fld id="{BDDD5C32-8544-4121-8685-66BD3FD663E2}" type="slidenum">
               <a:rPr lang="en-AU" smtClean="0"/>
-              <a:t>2</a:t>
+              <a:t>1</a:t>
             </a:fld>
             <a:endParaRPr lang="en-AU"/>
           </a:p>
@@ -1283,7 +1579,7 @@
     </p:spTree>
     <p:extLst>
       <p:ext uri="{BB962C8B-B14F-4D97-AF65-F5344CB8AC3E}">
-        <p14:creationId xmlns:p14="http://schemas.microsoft.com/office/powerpoint/2010/main" val="1233604340"/>
+        <p14:creationId xmlns:p14="http://schemas.microsoft.com/office/powerpoint/2010/main" val="2788254481"/>
       </p:ext>
     </p:extLst>
   </p:cSld>
@@ -1339,9 +1635,20 @@
           <a:p>
             <a:r>
               <a:rPr lang="en-US" dirty="0"/>
-              <a:t>I identified a single standout IP that was using many times more bandwidth than other devices.  A clandestine internal network streaming videos was detected.</a:t>
-            </a:r>
-            <a:endParaRPr lang="en-AU" dirty="0"/>
+              <a:t>High volume intensive network scans and brute force attacks on logins will likely raise alarms.</a:t>
+            </a:r>
+          </a:p>
+          <a:p>
+            <a:r>
+              <a:rPr lang="en-US" dirty="0"/>
+              <a:t>Attackers that have secured access may make numerous low volume reconnaissance passes to avoid detection.</a:t>
+            </a:r>
+          </a:p>
+          <a:p>
+            <a:r>
+              <a:rPr lang="en-US" dirty="0"/>
+              <a:t>They will gather pieces of the puzzle to create a picture of the network, then make incremental gains towards their target.</a:t>
+            </a:r>
           </a:p>
         </p:txBody>
       </p:sp>
@@ -1362,7 +1669,7 @@
           <a:p>
             <a:fld id="{BDDD5C32-8544-4121-8685-66BD3FD663E2}" type="slidenum">
               <a:rPr lang="en-AU" smtClean="0"/>
-              <a:t>11</a:t>
+              <a:t>10</a:t>
             </a:fld>
             <a:endParaRPr lang="en-AU"/>
           </a:p>
@@ -1371,7 +1678,7 @@
     </p:spTree>
     <p:extLst>
       <p:ext uri="{BB962C8B-B14F-4D97-AF65-F5344CB8AC3E}">
-        <p14:creationId xmlns:p14="http://schemas.microsoft.com/office/powerpoint/2010/main" val="985169732"/>
+        <p14:creationId xmlns:p14="http://schemas.microsoft.com/office/powerpoint/2010/main" val="243128598"/>
       </p:ext>
     </p:extLst>
   </p:cSld>
@@ -1425,16 +1732,132 @@
           <a:bodyPr/>
           <a:lstStyle/>
           <a:p>
-            <a:r>
-              <a:rPr lang="en-US" dirty="0"/>
-              <a:t>There was malicious activity documented being a trojan upload and remote code execution.</a:t>
-            </a:r>
-          </a:p>
-          <a:p>
-            <a:r>
-              <a:rPr lang="en-US" dirty="0"/>
-              <a:t>Network resource was used for a bit torrent download</a:t>
-            </a:r>
+            <a:pPr marL="228600" marR="0" lvl="0" indent="-228600" algn="l" defTabSz="914400" rtl="0" eaLnBrk="1" fontAlgn="auto" latinLnBrk="0" hangingPunct="1">
+              <a:lnSpc>
+                <a:spcPct val="100000"/>
+              </a:lnSpc>
+              <a:spcBef>
+                <a:spcPts val="0"/>
+              </a:spcBef>
+              <a:spcAft>
+                <a:spcPts val="0"/>
+              </a:spcAft>
+              <a:buClrTx/>
+              <a:buSzTx/>
+              <a:buFontTx/>
+              <a:buAutoNum type="arabicPeriod"/>
+              <a:tabLst/>
+              <a:defRPr/>
+            </a:pPr>
+            <a:r>
+              <a:rPr lang="en-US" dirty="0"/>
+              <a:t>Kibana Watcher screen, monitoring http requests, threshold set at 3500 requests  / minute </a:t>
+            </a:r>
+          </a:p>
+          <a:p>
+            <a:pPr marL="0" marR="0" lvl="0" indent="0" algn="l" defTabSz="914400" rtl="0" eaLnBrk="1" fontAlgn="auto" latinLnBrk="0" hangingPunct="1">
+              <a:lnSpc>
+                <a:spcPct val="100000"/>
+              </a:lnSpc>
+              <a:spcBef>
+                <a:spcPts val="0"/>
+              </a:spcBef>
+              <a:spcAft>
+                <a:spcPts val="0"/>
+              </a:spcAft>
+              <a:buClrTx/>
+              <a:buSzTx/>
+              <a:buFontTx/>
+              <a:buNone/>
+              <a:tabLst/>
+              <a:defRPr/>
+            </a:pPr>
+            <a:r>
+              <a:rPr lang="en-US" dirty="0"/>
+              <a:t>This would be triggered by an attacker using </a:t>
+            </a:r>
+            <a:r>
+              <a:rPr lang="en-US" dirty="0" err="1"/>
+              <a:t>wpscan</a:t>
+            </a:r>
+            <a:r>
+              <a:rPr lang="en-US" dirty="0"/>
+              <a:t>.</a:t>
+            </a:r>
+          </a:p>
+          <a:p>
+            <a:pPr marL="228600" marR="0" lvl="0" indent="-228600" algn="l" defTabSz="914400" rtl="0" eaLnBrk="1" fontAlgn="auto" latinLnBrk="0" hangingPunct="1">
+              <a:lnSpc>
+                <a:spcPct val="100000"/>
+              </a:lnSpc>
+              <a:spcBef>
+                <a:spcPts val="0"/>
+              </a:spcBef>
+              <a:spcAft>
+                <a:spcPts val="0"/>
+              </a:spcAft>
+              <a:buClrTx/>
+              <a:buSzTx/>
+              <a:buFontTx/>
+              <a:buAutoNum type="arabicPeriod" startAt="2"/>
+              <a:tabLst/>
+              <a:defRPr/>
+            </a:pPr>
+            <a:r>
+              <a:rPr lang="en-US" dirty="0"/>
+              <a:t>Kibana Watcher Alert configuration, 5 or more SSH logins within one minute will alert,</a:t>
+            </a:r>
+          </a:p>
+          <a:p>
+            <a:pPr marL="0" marR="0" lvl="0" indent="0" algn="l" defTabSz="914400" rtl="0" eaLnBrk="1" fontAlgn="auto" latinLnBrk="0" hangingPunct="1">
+              <a:lnSpc>
+                <a:spcPct val="100000"/>
+              </a:lnSpc>
+              <a:spcBef>
+                <a:spcPts val="0"/>
+              </a:spcBef>
+              <a:spcAft>
+                <a:spcPts val="0"/>
+              </a:spcAft>
+              <a:buClrTx/>
+              <a:buSzTx/>
+              <a:buFontTx/>
+              <a:buNone/>
+              <a:tabLst/>
+              <a:defRPr/>
+            </a:pPr>
+            <a:r>
+              <a:rPr lang="en-US" dirty="0"/>
+              <a:t>configure to email or text out to support team and/or to raise an incident ticket.</a:t>
+            </a:r>
+          </a:p>
+          <a:p>
+            <a:pPr marL="0" marR="0" lvl="0" indent="0" algn="l" defTabSz="914400" rtl="0" eaLnBrk="1" fontAlgn="auto" latinLnBrk="0" hangingPunct="1">
+              <a:lnSpc>
+                <a:spcPct val="100000"/>
+              </a:lnSpc>
+              <a:spcBef>
+                <a:spcPts val="0"/>
+              </a:spcBef>
+              <a:spcAft>
+                <a:spcPts val="0"/>
+              </a:spcAft>
+              <a:buClrTx/>
+              <a:buSzTx/>
+              <a:buFontTx/>
+              <a:buNone/>
+              <a:tabLst/>
+              <a:defRPr/>
+            </a:pPr>
+            <a:r>
+              <a:rPr lang="en-US" dirty="0"/>
+              <a:t>This would be triggered by an attacker using hydra to execute a brute force login attack.</a:t>
+            </a:r>
+          </a:p>
+          <a:p>
+            <a:pPr marL="228600" indent="-228600">
+              <a:buAutoNum type="arabicPeriod"/>
+            </a:pPr>
             <a:endParaRPr lang="en-AU" dirty="0"/>
           </a:p>
         </p:txBody>
@@ -1456,7 +1879,7 @@
           <a:p>
             <a:fld id="{BDDD5C32-8544-4121-8685-66BD3FD663E2}" type="slidenum">
               <a:rPr lang="en-AU" smtClean="0"/>
-              <a:t>12</a:t>
+              <a:t>11</a:t>
             </a:fld>
             <a:endParaRPr lang="en-AU"/>
           </a:p>
@@ -1465,7 +1888,7 @@
     </p:spTree>
     <p:extLst>
       <p:ext uri="{BB962C8B-B14F-4D97-AF65-F5344CB8AC3E}">
-        <p14:creationId xmlns:p14="http://schemas.microsoft.com/office/powerpoint/2010/main" val="3530110642"/>
+        <p14:creationId xmlns:p14="http://schemas.microsoft.com/office/powerpoint/2010/main" val="2842704319"/>
       </p:ext>
     </p:extLst>
   </p:cSld>
@@ -1519,27 +1942,95 @@
           <a:bodyPr/>
           <a:lstStyle/>
           <a:p>
-            <a:r>
-              <a:rPr lang="en-US" dirty="0"/>
-              <a:t>The project required me to work on multiple concurrent activities and produce accurate results in a relatively short time period. </a:t>
-            </a:r>
-          </a:p>
-          <a:p>
-            <a:r>
-              <a:rPr lang="en-US" dirty="0"/>
-              <a:t>Capturing the flags and drilling into network activity is gratifying as the results are visible immediately.</a:t>
-            </a:r>
-          </a:p>
-          <a:p>
-            <a:r>
-              <a:rPr lang="en-US" dirty="0"/>
-              <a:t>Detailing the vulnerabilities and remediations requires thoroughness, cross referencing multiple sources and accuracy in documentation.</a:t>
-            </a:r>
-          </a:p>
-          <a:p>
-            <a:r>
-              <a:rPr lang="en-US" dirty="0"/>
-              <a:t>Using a new feature or tool and obtaining beneficial outcomes was most pleasing to me.</a:t>
+            <a:pPr marL="0" marR="0" lvl="0" indent="0" algn="l" defTabSz="914400" rtl="0" eaLnBrk="1" fontAlgn="auto" latinLnBrk="0" hangingPunct="1">
+              <a:lnSpc>
+                <a:spcPct val="100000"/>
+              </a:lnSpc>
+              <a:spcBef>
+                <a:spcPts val="0"/>
+              </a:spcBef>
+              <a:spcAft>
+                <a:spcPts val="0"/>
+              </a:spcAft>
+              <a:buClrTx/>
+              <a:buSzTx/>
+              <a:buFontTx/>
+              <a:buNone/>
+              <a:tabLst/>
+              <a:defRPr/>
+            </a:pPr>
+            <a:r>
+              <a:rPr lang="en-US" dirty="0"/>
+              <a:t>System hardening reduces the surface area available to an attacker.  This is a highly effective preventative technical control and should be considered with every Change.</a:t>
+            </a:r>
+          </a:p>
+          <a:p>
+            <a:pPr marL="0" marR="0" lvl="0" indent="0" algn="l" defTabSz="914400" rtl="0" eaLnBrk="1" fontAlgn="auto" latinLnBrk="0" hangingPunct="1">
+              <a:lnSpc>
+                <a:spcPct val="100000"/>
+              </a:lnSpc>
+              <a:spcBef>
+                <a:spcPts val="0"/>
+              </a:spcBef>
+              <a:spcAft>
+                <a:spcPts val="0"/>
+              </a:spcAft>
+              <a:buClrTx/>
+              <a:buSzTx/>
+              <a:buFontTx/>
+              <a:buNone/>
+              <a:tabLst/>
+              <a:defRPr/>
+            </a:pPr>
+            <a:r>
+              <a:rPr lang="en-US" dirty="0"/>
+              <a:t>Maintaining platforms to be current in terms of security patching is necessary to protect against vulnerabilities that have been documented in the public domain.</a:t>
+            </a:r>
+          </a:p>
+          <a:p>
+            <a:pPr marL="0" marR="0" lvl="0" indent="0" algn="l" defTabSz="914400" rtl="0" eaLnBrk="1" fontAlgn="auto" latinLnBrk="0" hangingPunct="1">
+              <a:lnSpc>
+                <a:spcPct val="100000"/>
+              </a:lnSpc>
+              <a:spcBef>
+                <a:spcPts val="0"/>
+              </a:spcBef>
+              <a:spcAft>
+                <a:spcPts val="0"/>
+              </a:spcAft>
+              <a:buClrTx/>
+              <a:buSzTx/>
+              <a:buFontTx/>
+              <a:buNone/>
+              <a:tabLst/>
+              <a:defRPr/>
+            </a:pPr>
+            <a:r>
+              <a:rPr lang="en-US" dirty="0"/>
+              <a:t>Patching non-compliance is a tangible and avoidable risk.  </a:t>
+            </a:r>
+          </a:p>
+          <a:p>
+            <a:pPr marL="0" marR="0" lvl="0" indent="0" algn="l" defTabSz="914400" rtl="0" eaLnBrk="1" fontAlgn="auto" latinLnBrk="0" hangingPunct="1">
+              <a:lnSpc>
+                <a:spcPct val="100000"/>
+              </a:lnSpc>
+              <a:spcBef>
+                <a:spcPts val="0"/>
+              </a:spcBef>
+              <a:spcAft>
+                <a:spcPts val="0"/>
+              </a:spcAft>
+              <a:buClrTx/>
+              <a:buSzTx/>
+              <a:buFontTx/>
+              <a:buNone/>
+              <a:tabLst/>
+              <a:defRPr/>
+            </a:pPr>
+            <a:r>
+              <a:rPr lang="en-US" dirty="0"/>
+              <a:t>Security experts say that, “It is no longer a question of IF you will be hacked, - but WHEN !</a:t>
             </a:r>
             <a:endParaRPr lang="en-AU" dirty="0"/>
           </a:p>
@@ -1562,7 +2053,7 @@
           <a:p>
             <a:fld id="{BDDD5C32-8544-4121-8685-66BD3FD663E2}" type="slidenum">
               <a:rPr lang="en-AU" smtClean="0"/>
-              <a:t>13</a:t>
+              <a:t>12</a:t>
             </a:fld>
             <a:endParaRPr lang="en-AU"/>
           </a:p>
@@ -1571,7 +2062,7 @@
     </p:spTree>
     <p:extLst>
       <p:ext uri="{BB962C8B-B14F-4D97-AF65-F5344CB8AC3E}">
-        <p14:creationId xmlns:p14="http://schemas.microsoft.com/office/powerpoint/2010/main" val="3597307295"/>
+        <p14:creationId xmlns:p14="http://schemas.microsoft.com/office/powerpoint/2010/main" val="1507460214"/>
       </p:ext>
     </p:extLst>
   </p:cSld>
@@ -1627,13 +2118,101 @@
           <a:p>
             <a:r>
               <a:rPr lang="en-US" dirty="0"/>
-              <a:t>Thank you for watching my presentation.</a:t>
-            </a:r>
-          </a:p>
-          <a:p>
-            <a:r>
-              <a:rPr lang="en-US" dirty="0"/>
-              <a:t>I am happy to answer any questions if there is time ?</a:t>
+              <a:t>I identified a single standout IP that was using many times more bandwidth than other devices.  A clandestine internal network streaming videos was detected.</a:t>
+            </a:r>
+            <a:endParaRPr lang="en-AU" dirty="0"/>
+          </a:p>
+        </p:txBody>
+      </p:sp>
+      <p:sp>
+        <p:nvSpPr>
+          <p:cNvPr id="4" name="Slide Number Placeholder 3"/>
+          <p:cNvSpPr>
+            <a:spLocks noGrp="1"/>
+          </p:cNvSpPr>
+          <p:nvPr>
+            <p:ph type="sldNum" sz="quarter" idx="5"/>
+          </p:nvPr>
+        </p:nvSpPr>
+        <p:spPr/>
+        <p:txBody>
+          <a:bodyPr/>
+          <a:lstStyle/>
+          <a:p>
+            <a:fld id="{BDDD5C32-8544-4121-8685-66BD3FD663E2}" type="slidenum">
+              <a:rPr lang="en-AU" smtClean="0"/>
+              <a:t>13</a:t>
+            </a:fld>
+            <a:endParaRPr lang="en-AU"/>
+          </a:p>
+        </p:txBody>
+      </p:sp>
+    </p:spTree>
+    <p:extLst>
+      <p:ext uri="{BB962C8B-B14F-4D97-AF65-F5344CB8AC3E}">
+        <p14:creationId xmlns:p14="http://schemas.microsoft.com/office/powerpoint/2010/main" val="985169732"/>
+      </p:ext>
+    </p:extLst>
+  </p:cSld>
+  <p:clrMapOvr>
+    <a:masterClrMapping/>
+  </p:clrMapOvr>
+</p:notes>
+</file>
+
+<file path=ppt/notesSlides/notesSlide14.xml><?xml version="1.0" encoding="utf-8"?>
+<p:notes xmlns:a="http://schemas.openxmlformats.org/drawingml/2006/main" xmlns:r="http://schemas.openxmlformats.org/officeDocument/2006/relationships" xmlns:p="http://schemas.openxmlformats.org/presentationml/2006/main">
+  <p:cSld>
+    <p:spTree>
+      <p:nvGrpSpPr>
+        <p:cNvPr id="1" name=""/>
+        <p:cNvGrpSpPr/>
+        <p:nvPr/>
+      </p:nvGrpSpPr>
+      <p:grpSpPr>
+        <a:xfrm>
+          <a:off x="0" y="0"/>
+          <a:ext cx="0" cy="0"/>
+          <a:chOff x="0" y="0"/>
+          <a:chExt cx="0" cy="0"/>
+        </a:xfrm>
+      </p:grpSpPr>
+      <p:sp>
+        <p:nvSpPr>
+          <p:cNvPr id="2" name="Slide Image Placeholder 1"/>
+          <p:cNvSpPr>
+            <a:spLocks noGrp="1" noRot="1" noChangeAspect="1"/>
+          </p:cNvSpPr>
+          <p:nvPr>
+            <p:ph type="sldImg"/>
+          </p:nvPr>
+        </p:nvSpPr>
+        <p:spPr/>
+      </p:sp>
+      <p:sp>
+        <p:nvSpPr>
+          <p:cNvPr id="3" name="Notes Placeholder 2"/>
+          <p:cNvSpPr>
+            <a:spLocks noGrp="1"/>
+          </p:cNvSpPr>
+          <p:nvPr>
+            <p:ph type="body" idx="1"/>
+          </p:nvPr>
+        </p:nvSpPr>
+        <p:spPr/>
+        <p:txBody>
+          <a:bodyPr/>
+          <a:lstStyle/>
+          <a:p>
+            <a:r>
+              <a:rPr lang="en-US" dirty="0"/>
+              <a:t>There was malicious activity documented being a trojan upload and remote code execution attack on an external server.</a:t>
+            </a:r>
+          </a:p>
+          <a:p>
+            <a:r>
+              <a:rPr lang="en-US" dirty="0"/>
+              <a:t>Network resource was used for a bit torrent download</a:t>
             </a:r>
             <a:endParaRPr lang="en-AU" dirty="0"/>
           </a:p>
@@ -1657,6 +2236,212 @@
             <a:fld id="{BDDD5C32-8544-4121-8685-66BD3FD663E2}" type="slidenum">
               <a:rPr lang="en-AU" smtClean="0"/>
               <a:t>14</a:t>
+            </a:fld>
+            <a:endParaRPr lang="en-AU"/>
+          </a:p>
+        </p:txBody>
+      </p:sp>
+    </p:spTree>
+    <p:extLst>
+      <p:ext uri="{BB962C8B-B14F-4D97-AF65-F5344CB8AC3E}">
+        <p14:creationId xmlns:p14="http://schemas.microsoft.com/office/powerpoint/2010/main" val="3530110642"/>
+      </p:ext>
+    </p:extLst>
+  </p:cSld>
+  <p:clrMapOvr>
+    <a:masterClrMapping/>
+  </p:clrMapOvr>
+</p:notes>
+</file>
+
+<file path=ppt/notesSlides/notesSlide15.xml><?xml version="1.0" encoding="utf-8"?>
+<p:notes xmlns:a="http://schemas.openxmlformats.org/drawingml/2006/main" xmlns:r="http://schemas.openxmlformats.org/officeDocument/2006/relationships" xmlns:p="http://schemas.openxmlformats.org/presentationml/2006/main">
+  <p:cSld>
+    <p:spTree>
+      <p:nvGrpSpPr>
+        <p:cNvPr id="1" name=""/>
+        <p:cNvGrpSpPr/>
+        <p:nvPr/>
+      </p:nvGrpSpPr>
+      <p:grpSpPr>
+        <a:xfrm>
+          <a:off x="0" y="0"/>
+          <a:ext cx="0" cy="0"/>
+          <a:chOff x="0" y="0"/>
+          <a:chExt cx="0" cy="0"/>
+        </a:xfrm>
+      </p:grpSpPr>
+      <p:sp>
+        <p:nvSpPr>
+          <p:cNvPr id="2" name="Slide Image Placeholder 1"/>
+          <p:cNvSpPr>
+            <a:spLocks noGrp="1" noRot="1" noChangeAspect="1"/>
+          </p:cNvSpPr>
+          <p:nvPr>
+            <p:ph type="sldImg"/>
+          </p:nvPr>
+        </p:nvSpPr>
+        <p:spPr/>
+      </p:sp>
+      <p:sp>
+        <p:nvSpPr>
+          <p:cNvPr id="3" name="Notes Placeholder 2"/>
+          <p:cNvSpPr>
+            <a:spLocks noGrp="1"/>
+          </p:cNvSpPr>
+          <p:nvPr>
+            <p:ph type="body" idx="1"/>
+          </p:nvPr>
+        </p:nvSpPr>
+        <p:spPr/>
+        <p:txBody>
+          <a:bodyPr/>
+          <a:lstStyle/>
+          <a:p>
+            <a:r>
+              <a:rPr lang="en-US" dirty="0"/>
+              <a:t>The project required me to work on multiple concurrent activities and produce accurate results in a relatively short time period. </a:t>
+            </a:r>
+          </a:p>
+          <a:p>
+            <a:r>
+              <a:rPr lang="en-US" dirty="0"/>
+              <a:t>Numerous different tools were used to complete various tasks.</a:t>
+            </a:r>
+          </a:p>
+          <a:p>
+            <a:r>
+              <a:rPr lang="en-US" dirty="0"/>
+              <a:t>Capturing the flags and drilling into network activity is gratifying as the results are tangible.</a:t>
+            </a:r>
+          </a:p>
+          <a:p>
+            <a:r>
+              <a:rPr lang="en-US" dirty="0"/>
+              <a:t>Detailing the vulnerabilities and remediations requires thoroughness, cross referencing multiple sources and accuracy in documentation.</a:t>
+            </a:r>
+          </a:p>
+          <a:p>
+            <a:r>
+              <a:rPr lang="en-US" dirty="0"/>
+              <a:t>Using a new feature of Kibana and exploring various pen testing tools to obtain beneficial outcomes was most pleasing to me.</a:t>
+            </a:r>
+            <a:endParaRPr lang="en-AU" dirty="0"/>
+          </a:p>
+        </p:txBody>
+      </p:sp>
+      <p:sp>
+        <p:nvSpPr>
+          <p:cNvPr id="4" name="Slide Number Placeholder 3"/>
+          <p:cNvSpPr>
+            <a:spLocks noGrp="1"/>
+          </p:cNvSpPr>
+          <p:nvPr>
+            <p:ph type="sldNum" sz="quarter" idx="5"/>
+          </p:nvPr>
+        </p:nvSpPr>
+        <p:spPr/>
+        <p:txBody>
+          <a:bodyPr/>
+          <a:lstStyle/>
+          <a:p>
+            <a:fld id="{BDDD5C32-8544-4121-8685-66BD3FD663E2}" type="slidenum">
+              <a:rPr lang="en-AU" smtClean="0"/>
+              <a:t>15</a:t>
+            </a:fld>
+            <a:endParaRPr lang="en-AU"/>
+          </a:p>
+        </p:txBody>
+      </p:sp>
+    </p:spTree>
+    <p:extLst>
+      <p:ext uri="{BB962C8B-B14F-4D97-AF65-F5344CB8AC3E}">
+        <p14:creationId xmlns:p14="http://schemas.microsoft.com/office/powerpoint/2010/main" val="3597307295"/>
+      </p:ext>
+    </p:extLst>
+  </p:cSld>
+  <p:clrMapOvr>
+    <a:masterClrMapping/>
+  </p:clrMapOvr>
+</p:notes>
+</file>
+
+<file path=ppt/notesSlides/notesSlide16.xml><?xml version="1.0" encoding="utf-8"?>
+<p:notes xmlns:a="http://schemas.openxmlformats.org/drawingml/2006/main" xmlns:r="http://schemas.openxmlformats.org/officeDocument/2006/relationships" xmlns:p="http://schemas.openxmlformats.org/presentationml/2006/main">
+  <p:cSld>
+    <p:spTree>
+      <p:nvGrpSpPr>
+        <p:cNvPr id="1" name=""/>
+        <p:cNvGrpSpPr/>
+        <p:nvPr/>
+      </p:nvGrpSpPr>
+      <p:grpSpPr>
+        <a:xfrm>
+          <a:off x="0" y="0"/>
+          <a:ext cx="0" cy="0"/>
+          <a:chOff x="0" y="0"/>
+          <a:chExt cx="0" cy="0"/>
+        </a:xfrm>
+      </p:grpSpPr>
+      <p:sp>
+        <p:nvSpPr>
+          <p:cNvPr id="2" name="Slide Image Placeholder 1"/>
+          <p:cNvSpPr>
+            <a:spLocks noGrp="1" noRot="1" noChangeAspect="1"/>
+          </p:cNvSpPr>
+          <p:nvPr>
+            <p:ph type="sldImg"/>
+          </p:nvPr>
+        </p:nvSpPr>
+        <p:spPr/>
+      </p:sp>
+      <p:sp>
+        <p:nvSpPr>
+          <p:cNvPr id="3" name="Notes Placeholder 2"/>
+          <p:cNvSpPr>
+            <a:spLocks noGrp="1"/>
+          </p:cNvSpPr>
+          <p:nvPr>
+            <p:ph type="body" idx="1"/>
+          </p:nvPr>
+        </p:nvSpPr>
+        <p:spPr/>
+        <p:txBody>
+          <a:bodyPr/>
+          <a:lstStyle/>
+          <a:p>
+            <a:r>
+              <a:rPr lang="en-US" dirty="0"/>
+              <a:t>Thank you for watching my presentation.</a:t>
+            </a:r>
+          </a:p>
+          <a:p>
+            <a:r>
+              <a:rPr lang="en-US" dirty="0"/>
+              <a:t>I am happy to answer any questions if there is time ?</a:t>
+            </a:r>
+            <a:endParaRPr lang="en-AU" dirty="0"/>
+          </a:p>
+        </p:txBody>
+      </p:sp>
+      <p:sp>
+        <p:nvSpPr>
+          <p:cNvPr id="4" name="Slide Number Placeholder 3"/>
+          <p:cNvSpPr>
+            <a:spLocks noGrp="1"/>
+          </p:cNvSpPr>
+          <p:nvPr>
+            <p:ph type="sldNum" sz="quarter" idx="5"/>
+          </p:nvPr>
+        </p:nvSpPr>
+        <p:spPr/>
+        <p:txBody>
+          <a:bodyPr/>
+          <a:lstStyle/>
+          <a:p>
+            <a:fld id="{BDDD5C32-8544-4121-8685-66BD3FD663E2}" type="slidenum">
+              <a:rPr lang="en-AU" smtClean="0"/>
+              <a:t>16</a:t>
             </a:fld>
             <a:endParaRPr lang="en-AU"/>
           </a:p>
@@ -1721,55 +2506,45 @@
           <a:p>
             <a:r>
               <a:rPr lang="en-US" dirty="0"/>
-              <a:t>My schematic of the environment, initially created from the attack reconnaissance results, then enhanced with features used in the Blue Team activities. </a:t>
-            </a:r>
-          </a:p>
-          <a:p>
-            <a:r>
-              <a:rPr lang="en-US" dirty="0"/>
-              <a:t>Includes traffic flows for the attack, the monitoring and alerting infrastructure, and server administration.</a:t>
-            </a:r>
-          </a:p>
-          <a:p>
-            <a:r>
-              <a:rPr lang="en-US" dirty="0"/>
-              <a:t>Factually, all five machines are VMs that reside on the </a:t>
+              <a:t>I needed to adopt three different roles, firstly an Attacker – a Red Teamer, performing a capture the flag activity.</a:t>
+            </a:r>
+          </a:p>
+          <a:p>
+            <a:r>
+              <a:rPr lang="en-US" dirty="0"/>
+              <a:t>Tools / skills used in pen test included: </a:t>
             </a:r>
             <a:r>
               <a:rPr lang="en-US" dirty="0" err="1"/>
-              <a:t>HyperV</a:t>
-            </a:r>
-            <a:r>
-              <a:rPr lang="en-US" dirty="0"/>
-              <a:t> Host within an Azure Lab environment.</a:t>
-            </a:r>
-          </a:p>
-          <a:p>
-            <a:r>
-              <a:rPr lang="en-US" dirty="0"/>
-              <a:t>The </a:t>
+              <a:t>nmap</a:t>
+            </a:r>
+            <a:r>
+              <a:rPr lang="en-US" dirty="0"/>
+              <a:t>, </a:t>
             </a:r>
             <a:r>
               <a:rPr lang="en-US" dirty="0" err="1"/>
-              <a:t>pentest</a:t>
-            </a:r>
-            <a:r>
-              <a:rPr lang="en-US" dirty="0"/>
-              <a:t> station shown in the </a:t>
+              <a:t>nikto</a:t>
+            </a:r>
+            <a:r>
+              <a:rPr lang="en-US" dirty="0"/>
+              <a:t>, legion, </a:t>
             </a:r>
             <a:r>
               <a:rPr lang="en-US" dirty="0" err="1"/>
-              <a:t>centre</a:t>
-            </a:r>
-            <a:r>
-              <a:rPr lang="en-US" dirty="0"/>
-              <a:t> was used to attack both target machines.</a:t>
-            </a:r>
-          </a:p>
-          <a:p>
-            <a:r>
-              <a:rPr lang="en-US" dirty="0"/>
-              <a:t>There is an Elastic Stack installation having beats installed on the target machines, Elastic Search and Logstash on the ELK server and Kibana Web on the Capstone server.</a:t>
+              <a:t>wpscan</a:t>
+            </a:r>
+            <a:r>
+              <a:rPr lang="en-US" dirty="0"/>
+              <a:t>, hydra, john, a python script, a php script and querying </a:t>
+            </a:r>
+            <a:r>
+              <a:rPr lang="en-US" dirty="0" err="1"/>
+              <a:t>mySQL</a:t>
+            </a:r>
+            <a:r>
+              <a:rPr lang="en-US" dirty="0"/>
+              <a:t>.</a:t>
             </a:r>
             <a:endParaRPr lang="en-AU" dirty="0"/>
           </a:p>
@@ -1792,7 +2567,7 @@
           <a:p>
             <a:fld id="{BDDD5C32-8544-4121-8685-66BD3FD663E2}" type="slidenum">
               <a:rPr lang="en-AU" smtClean="0"/>
-              <a:t>3</a:t>
+              <a:t>2</a:t>
             </a:fld>
             <a:endParaRPr lang="en-AU"/>
           </a:p>
@@ -1801,7 +2576,7 @@
     </p:spTree>
     <p:extLst>
       <p:ext uri="{BB962C8B-B14F-4D97-AF65-F5344CB8AC3E}">
-        <p14:creationId xmlns:p14="http://schemas.microsoft.com/office/powerpoint/2010/main" val="2753570528"/>
+        <p14:creationId xmlns:p14="http://schemas.microsoft.com/office/powerpoint/2010/main" val="1222163525"/>
       </p:ext>
     </p:extLst>
   </p:cSld>
@@ -1857,51 +2632,14 @@
           <a:p>
             <a:r>
               <a:rPr lang="en-US" dirty="0"/>
-              <a:t>A total of 56 CVEs with rating above zero were detected, these were common to both targets.</a:t>
-            </a:r>
-          </a:p>
-          <a:p>
-            <a:r>
-              <a:rPr lang="en-US" dirty="0"/>
-              <a:t>Understanding vulnerabilities properly may require a deep technical knowledge of a specific component.</a:t>
-            </a:r>
-          </a:p>
-          <a:p>
-            <a:r>
-              <a:rPr lang="en-US" dirty="0"/>
-              <a:t>A common weakness was referenced for each exploit. </a:t>
-            </a:r>
-          </a:p>
-          <a:p>
-            <a:r>
-              <a:rPr lang="en-US" dirty="0"/>
-              <a:t>The CWE provides extensive details such as observed examples, CVE links, potential mitigations and detection methods.</a:t>
-            </a:r>
-          </a:p>
-          <a:p>
-            <a:pPr marL="0" marR="0" lvl="0" indent="0" algn="l" defTabSz="914400" rtl="0" eaLnBrk="1" fontAlgn="auto" latinLnBrk="0" hangingPunct="1">
-              <a:lnSpc>
-                <a:spcPct val="100000"/>
-              </a:lnSpc>
-              <a:spcBef>
-                <a:spcPts val="0"/>
-              </a:spcBef>
-              <a:spcAft>
-                <a:spcPts val="0"/>
-              </a:spcAft>
-              <a:buClrTx/>
-              <a:buSzTx/>
-              <a:buFontTx/>
-              <a:buNone/>
-              <a:tabLst/>
-              <a:defRPr/>
-            </a:pPr>
-            <a:r>
-              <a:rPr lang="en-US" dirty="0"/>
-              <a:t>I consider critical vulnerabilities are those that can be readily exploited and have a significant impact.  I evidence the impact in coming slides.</a:t>
-            </a:r>
-          </a:p>
-          <a:p>
+              <a:t>Secondly a Defender – a Blue Teamer, part Security Ops, detailing effective Remediations for the vulnerabilities I found.</a:t>
+            </a:r>
+          </a:p>
+          <a:p>
+            <a:r>
+              <a:rPr lang="en-US" dirty="0"/>
+              <a:t>I recommended actions to make the Targets more resilient to attack and I used my skills to configure monitors and alerting to detect and warn us of a probable attack. </a:t>
+            </a:r>
             <a:endParaRPr lang="en-AU" dirty="0"/>
           </a:p>
         </p:txBody>
@@ -1921,9 +2659,9 @@
           <a:bodyPr/>
           <a:lstStyle/>
           <a:p>
-            <a:fld id="{A8BB4981-5C75-4CE4-B9FF-E10252DACB19}" type="slidenum">
+            <a:fld id="{BDDD5C32-8544-4121-8685-66BD3FD663E2}" type="slidenum">
               <a:rPr lang="en-AU" smtClean="0"/>
-              <a:t>4</a:t>
+              <a:t>3</a:t>
             </a:fld>
             <a:endParaRPr lang="en-AU"/>
           </a:p>
@@ -1932,7 +2670,7 @@
     </p:spTree>
     <p:extLst>
       <p:ext uri="{BB962C8B-B14F-4D97-AF65-F5344CB8AC3E}">
-        <p14:creationId xmlns:p14="http://schemas.microsoft.com/office/powerpoint/2010/main" val="1148427856"/>
+        <p14:creationId xmlns:p14="http://schemas.microsoft.com/office/powerpoint/2010/main" val="322178984"/>
       </p:ext>
     </p:extLst>
   </p:cSld>
@@ -1988,7 +2726,35 @@
           <a:p>
             <a:r>
               <a:rPr lang="en-US" dirty="0"/>
-              <a:t>For Target 2, critical vulnerabilities were exploited to acquire information on resources, execute remote commands, and disclose sensitive information.</a:t>
+              <a:t>The third Role is being a Network Analyst, capturing and </a:t>
+            </a:r>
+            <a:r>
+              <a:rPr lang="en-US" dirty="0" err="1"/>
+              <a:t>analysing</a:t>
+            </a:r>
+            <a:r>
+              <a:rPr lang="en-US" dirty="0"/>
+              <a:t> traffic with </a:t>
+            </a:r>
+            <a:r>
+              <a:rPr lang="en-US" dirty="0" err="1"/>
+              <a:t>wireshark</a:t>
+            </a:r>
+            <a:r>
+              <a:rPr lang="en-US" dirty="0"/>
+              <a:t>.</a:t>
+            </a:r>
+          </a:p>
+          <a:p>
+            <a:r>
+              <a:rPr lang="en-US" dirty="0"/>
+              <a:t>Profiling traffic, determining activity norms and abnormalities.</a:t>
+            </a:r>
+          </a:p>
+          <a:p>
+            <a:r>
+              <a:rPr lang="en-US" dirty="0"/>
+              <a:t>Searching for malicious or illegal activity.</a:t>
             </a:r>
             <a:endParaRPr lang="en-AU" dirty="0"/>
           </a:p>
@@ -2009,9 +2775,9 @@
           <a:bodyPr/>
           <a:lstStyle/>
           <a:p>
-            <a:fld id="{A8BB4981-5C75-4CE4-B9FF-E10252DACB19}" type="slidenum">
+            <a:fld id="{BDDD5C32-8544-4121-8685-66BD3FD663E2}" type="slidenum">
               <a:rPr lang="en-AU" smtClean="0"/>
-              <a:t>5</a:t>
+              <a:t>4</a:t>
             </a:fld>
             <a:endParaRPr lang="en-AU"/>
           </a:p>
@@ -2020,7 +2786,7 @@
     </p:spTree>
     <p:extLst>
       <p:ext uri="{BB962C8B-B14F-4D97-AF65-F5344CB8AC3E}">
-        <p14:creationId xmlns:p14="http://schemas.microsoft.com/office/powerpoint/2010/main" val="1478117263"/>
+        <p14:creationId xmlns:p14="http://schemas.microsoft.com/office/powerpoint/2010/main" val="4273647295"/>
       </p:ext>
     </p:extLst>
   </p:cSld>
@@ -2076,24 +2842,59 @@
           <a:p>
             <a:r>
               <a:rPr lang="en-US" dirty="0"/>
-              <a:t>Evidence of captured flags that were located using various means;</a:t>
-            </a:r>
-          </a:p>
-          <a:p>
-            <a:r>
-              <a:rPr lang="en-US" dirty="0"/>
-              <a:t>I was able to gain a login, find user password hashes, crack the hashes, </a:t>
-            </a:r>
-            <a:r>
-              <a:rPr lang="en-US" sz="1200" dirty="0">
-                <a:solidFill>
-                  <a:schemeClr val="tx1"/>
-                </a:solidFill>
-                <a:effectLst/>
-                <a:latin typeface="Roboto Medium"/>
-              </a:rPr>
-              <a:t>load a backdoor, elevate privilege and obtain backend DB root access.</a:t>
-            </a:r>
+              <a:t>My schematic of the environment, initially created from the attack reconnaissance results, then enhanced with features used in the Blue Team activities. </a:t>
+            </a:r>
+          </a:p>
+          <a:p>
+            <a:r>
+              <a:rPr lang="en-US" dirty="0"/>
+              <a:t>Includes traffic flows for the attack, the monitoring and alerting infrastructure, and server administration.</a:t>
+            </a:r>
+          </a:p>
+          <a:p>
+            <a:r>
+              <a:rPr lang="en-US" dirty="0"/>
+              <a:t>Factually, all five machines are VMs that reside on the </a:t>
+            </a:r>
+            <a:r>
+              <a:rPr lang="en-US" dirty="0" err="1"/>
+              <a:t>HyperV</a:t>
+            </a:r>
+            <a:r>
+              <a:rPr lang="en-US" dirty="0"/>
+              <a:t> Host within an Azure Lab environment.</a:t>
+            </a:r>
+          </a:p>
+          <a:p>
+            <a:r>
+              <a:rPr lang="en-US" dirty="0"/>
+              <a:t>The </a:t>
+            </a:r>
+            <a:r>
+              <a:rPr lang="en-US" dirty="0" err="1"/>
+              <a:t>pentest</a:t>
+            </a:r>
+            <a:r>
+              <a:rPr lang="en-US" dirty="0"/>
+              <a:t> station shown in the </a:t>
+            </a:r>
+            <a:r>
+              <a:rPr lang="en-US" dirty="0" err="1"/>
+              <a:t>centre</a:t>
+            </a:r>
+            <a:r>
+              <a:rPr lang="en-US" dirty="0"/>
+              <a:t> was used to attack both target machines.</a:t>
+            </a:r>
+          </a:p>
+          <a:p>
+            <a:r>
+              <a:rPr lang="en-US" dirty="0"/>
+              <a:t>There is an Elastic Stack installation having beats installed on the target machines, Elastic Search and Logstash on the ELK server and Kibana Web on the Capstone server.</a:t>
+            </a:r>
+            <a:endParaRPr lang="en-AU" dirty="0"/>
+          </a:p>
+          <a:p>
             <a:endParaRPr lang="en-AU" dirty="0"/>
           </a:p>
         </p:txBody>
@@ -2115,7 +2916,7 @@
           <a:p>
             <a:fld id="{BDDD5C32-8544-4121-8685-66BD3FD663E2}" type="slidenum">
               <a:rPr lang="en-AU" smtClean="0"/>
-              <a:t>6</a:t>
+              <a:t>5</a:t>
             </a:fld>
             <a:endParaRPr lang="en-AU"/>
           </a:p>
@@ -2124,7 +2925,7 @@
     </p:spTree>
     <p:extLst>
       <p:ext uri="{BB962C8B-B14F-4D97-AF65-F5344CB8AC3E}">
-        <p14:creationId xmlns:p14="http://schemas.microsoft.com/office/powerpoint/2010/main" val="1155560799"/>
+        <p14:creationId xmlns:p14="http://schemas.microsoft.com/office/powerpoint/2010/main" val="3574483973"/>
       </p:ext>
     </p:extLst>
   </p:cSld>
@@ -2180,25 +2981,72 @@
           <a:p>
             <a:r>
               <a:rPr lang="en-US" dirty="0"/>
-              <a:t>Evidence of captured flags for Target 2; </a:t>
-            </a:r>
-          </a:p>
-          <a:p>
-            <a:r>
-              <a:rPr lang="en-US" dirty="0"/>
-              <a:t>directory listing, path traversal, running remote shell commands, local file inclusion were the exploit methods I used here</a:t>
-            </a:r>
-            <a:r>
-              <a:rPr lang="en-US" sz="1200" dirty="0">
-                <a:solidFill>
-                  <a:schemeClr val="tx1"/>
-                </a:solidFill>
-                <a:effectLst/>
-                <a:latin typeface="Roboto Medium"/>
-              </a:rPr>
-              <a:t>.</a:t>
-            </a:r>
-            <a:endParaRPr lang="en-AU" dirty="0"/>
+              <a:t>A total of 56 CVEs with rating above zero were detected, these were common to both targets.</a:t>
+            </a:r>
+          </a:p>
+          <a:p>
+            <a:r>
+              <a:rPr lang="en-US" dirty="0"/>
+              <a:t>Understanding specific vulnerabilities properly requires a deep technical knowledge of a specific component.  I have many years experience with this.</a:t>
+            </a:r>
+          </a:p>
+          <a:p>
+            <a:r>
+              <a:rPr lang="en-US" dirty="0"/>
+              <a:t>A common weakness was referenced for each exploit. </a:t>
+            </a:r>
+          </a:p>
+          <a:p>
+            <a:r>
+              <a:rPr lang="en-US" dirty="0"/>
+              <a:t>The CWE provides extensive details such as observed examples, CVE links, potential mitigations and detection methods.</a:t>
+            </a:r>
+          </a:p>
+          <a:p>
+            <a:pPr marL="0" marR="0" lvl="0" indent="0" algn="l" defTabSz="914400" rtl="0" eaLnBrk="1" fontAlgn="auto" latinLnBrk="0" hangingPunct="1">
+              <a:lnSpc>
+                <a:spcPct val="100000"/>
+              </a:lnSpc>
+              <a:spcBef>
+                <a:spcPts val="0"/>
+              </a:spcBef>
+              <a:spcAft>
+                <a:spcPts val="0"/>
+              </a:spcAft>
+              <a:buClrTx/>
+              <a:buSzTx/>
+              <a:buFontTx/>
+              <a:buNone/>
+              <a:tabLst/>
+              <a:defRPr/>
+            </a:pPr>
+            <a:r>
+              <a:rPr lang="en-US" dirty="0"/>
+              <a:t>Comments in source code, weak password requirements, password in configuration file, execution with unnecessary privileges, no restriction of file upload type.</a:t>
+            </a:r>
+          </a:p>
+          <a:p>
+            <a:pPr marL="0" marR="0" lvl="0" indent="0" algn="l" defTabSz="914400" rtl="0" eaLnBrk="1" fontAlgn="auto" latinLnBrk="0" hangingPunct="1">
+              <a:lnSpc>
+                <a:spcPct val="100000"/>
+              </a:lnSpc>
+              <a:spcBef>
+                <a:spcPts val="0"/>
+              </a:spcBef>
+              <a:spcAft>
+                <a:spcPts val="0"/>
+              </a:spcAft>
+              <a:buClrTx/>
+              <a:buSzTx/>
+              <a:buFontTx/>
+              <a:buNone/>
+              <a:tabLst/>
+              <a:defRPr/>
+            </a:pPr>
+            <a:r>
+              <a:rPr lang="en-US" dirty="0"/>
+              <a:t>These items might appear simplistic however security audits find these exact issues all over the place in live systems.</a:t>
+            </a:r>
           </a:p>
           <a:p>
             <a:endParaRPr lang="en-AU" dirty="0"/>
@@ -2220,9 +3068,9 @@
           <a:bodyPr/>
           <a:lstStyle/>
           <a:p>
-            <a:fld id="{BDDD5C32-8544-4121-8685-66BD3FD663E2}" type="slidenum">
+            <a:fld id="{A8BB4981-5C75-4CE4-B9FF-E10252DACB19}" type="slidenum">
               <a:rPr lang="en-AU" smtClean="0"/>
-              <a:t>7</a:t>
+              <a:t>6</a:t>
             </a:fld>
             <a:endParaRPr lang="en-AU"/>
           </a:p>
@@ -2231,7 +3079,7 @@
     </p:spTree>
     <p:extLst>
       <p:ext uri="{BB962C8B-B14F-4D97-AF65-F5344CB8AC3E}">
-        <p14:creationId xmlns:p14="http://schemas.microsoft.com/office/powerpoint/2010/main" val="1769818516"/>
+        <p14:creationId xmlns:p14="http://schemas.microsoft.com/office/powerpoint/2010/main" val="1148427856"/>
       </p:ext>
     </p:extLst>
   </p:cSld>
@@ -2287,20 +3135,15 @@
           <a:p>
             <a:r>
               <a:rPr lang="en-US" dirty="0"/>
-              <a:t>High volume intensive network scans and brute force attacks on logins will likely raise alarms.</a:t>
-            </a:r>
-          </a:p>
-          <a:p>
-            <a:r>
-              <a:rPr lang="en-US" dirty="0"/>
-              <a:t>Attackers that have secured access may make numerous low volume reconnaissance passes to avoid detection.</a:t>
-            </a:r>
-          </a:p>
-          <a:p>
-            <a:r>
-              <a:rPr lang="en-US" dirty="0"/>
-              <a:t>They will gather pieces of the puzzle to create a picture of the network, then make incremental gains towards their target.</a:t>
-            </a:r>
+              <a:t>For Target 2, critical vulnerabilities were exploited to acquire information on resources, execute remote commands, and disclose sensitive information.</a:t>
+            </a:r>
+          </a:p>
+          <a:p>
+            <a:r>
+              <a:rPr lang="en-US" dirty="0"/>
+              <a:t>The activity was designed to make me use different exploit for find the flags on each Target.</a:t>
+            </a:r>
+            <a:endParaRPr lang="en-AU" dirty="0"/>
           </a:p>
         </p:txBody>
       </p:sp>
@@ -2319,9 +3162,9 @@
           <a:bodyPr/>
           <a:lstStyle/>
           <a:p>
-            <a:fld id="{BDDD5C32-8544-4121-8685-66BD3FD663E2}" type="slidenum">
+            <a:fld id="{A8BB4981-5C75-4CE4-B9FF-E10252DACB19}" type="slidenum">
               <a:rPr lang="en-AU" smtClean="0"/>
-              <a:t>8</a:t>
+              <a:t>7</a:t>
             </a:fld>
             <a:endParaRPr lang="en-AU"/>
           </a:p>
@@ -2330,7 +3173,7 @@
     </p:spTree>
     <p:extLst>
       <p:ext uri="{BB962C8B-B14F-4D97-AF65-F5344CB8AC3E}">
-        <p14:creationId xmlns:p14="http://schemas.microsoft.com/office/powerpoint/2010/main" val="243128598"/>
+        <p14:creationId xmlns:p14="http://schemas.microsoft.com/office/powerpoint/2010/main" val="1478117263"/>
       </p:ext>
     </p:extLst>
   </p:cSld>
@@ -2384,7 +3227,35 @@
           <a:bodyPr/>
           <a:lstStyle/>
           <a:p>
-            <a:pPr marL="228600" marR="0" lvl="0" indent="-228600" algn="l" defTabSz="914400" rtl="0" eaLnBrk="1" fontAlgn="auto" latinLnBrk="0" hangingPunct="1">
+            <a:r>
+              <a:rPr lang="en-US" dirty="0"/>
+              <a:t>Evidence of captured flags that were located using various means;</a:t>
+            </a:r>
+          </a:p>
+          <a:p>
+            <a:r>
+              <a:rPr lang="en-US" dirty="0"/>
+              <a:t>I was able to gain a login, find user password hashes, copy these to a file, export the file and crack the hashes remotely.</a:t>
+            </a:r>
+          </a:p>
+          <a:p>
+            <a:r>
+              <a:rPr lang="en-US" dirty="0"/>
+              <a:t>Then I was able to </a:t>
+            </a:r>
+            <a:r>
+              <a:rPr lang="en-US" sz="1200" dirty="0">
+                <a:solidFill>
+                  <a:schemeClr val="tx1"/>
+                </a:solidFill>
+                <a:effectLst/>
+                <a:latin typeface="Roboto Medium"/>
+              </a:rPr>
+              <a:t>login as another user, elevate privilege to root, install a backdoor via custom script, and obtain backend DB root access.</a:t>
+            </a:r>
+          </a:p>
+          <a:p>
+            <a:pPr marL="0" marR="0" lvl="0" indent="0" algn="l" defTabSz="914400" rtl="0" eaLnBrk="1" fontAlgn="auto" latinLnBrk="0" hangingPunct="1">
               <a:lnSpc>
                 <a:spcPct val="100000"/>
               </a:lnSpc>
@@ -2397,42 +3268,23 @@
               <a:buClrTx/>
               <a:buSzTx/>
               <a:buFontTx/>
-              <a:buAutoNum type="arabicPeriod"/>
+              <a:buNone/>
               <a:tabLst/>
               <a:defRPr/>
             </a:pPr>
             <a:r>
-              <a:rPr lang="en-US" dirty="0"/>
-              <a:t>Kibana Watcher screen, monitoring http requests, threshold 3500 / minute </a:t>
-            </a:r>
-          </a:p>
-          <a:p>
-            <a:pPr marL="228600" marR="0" lvl="0" indent="-228600" algn="l" defTabSz="914400" rtl="0" eaLnBrk="1" fontAlgn="auto" latinLnBrk="0" hangingPunct="1">
-              <a:lnSpc>
-                <a:spcPct val="100000"/>
-              </a:lnSpc>
-              <a:spcBef>
-                <a:spcPts val="0"/>
-              </a:spcBef>
-              <a:spcAft>
-                <a:spcPts val="0"/>
-              </a:spcAft>
-              <a:buClrTx/>
-              <a:buSzTx/>
-              <a:buFontTx/>
-              <a:buAutoNum type="arabicPeriod"/>
-              <a:tabLst/>
-              <a:defRPr/>
-            </a:pPr>
-            <a:r>
-              <a:rPr lang="en-US" dirty="0"/>
-              <a:t>Kibana Watcher Alert configuration, SSH logins exceeding 5 or more in one minute will alert, configure to email or text out to support team and/or to raise an incident ticket.</a:t>
-            </a:r>
-          </a:p>
-          <a:p>
-            <a:pPr marL="228600" indent="-228600">
-              <a:buAutoNum type="arabicPeriod"/>
-            </a:pPr>
+              <a:rPr lang="en-US" sz="1200" dirty="0">
+                <a:solidFill>
+                  <a:schemeClr val="tx1"/>
+                </a:solidFill>
+                <a:effectLst/>
+                <a:latin typeface="Roboto Medium"/>
+              </a:rPr>
+              <a:t>Four out of four flags were captured on Target 1.</a:t>
+            </a:r>
+            <a:endParaRPr lang="en-AU" dirty="0"/>
+          </a:p>
+          <a:p>
             <a:endParaRPr lang="en-AU" dirty="0"/>
           </a:p>
         </p:txBody>
@@ -2454,7 +3306,7 @@
           <a:p>
             <a:fld id="{BDDD5C32-8544-4121-8685-66BD3FD663E2}" type="slidenum">
               <a:rPr lang="en-AU" smtClean="0"/>
-              <a:t>9</a:t>
+              <a:t>8</a:t>
             </a:fld>
             <a:endParaRPr lang="en-AU"/>
           </a:p>
@@ -2463,7 +3315,7 @@
     </p:spTree>
     <p:extLst>
       <p:ext uri="{BB962C8B-B14F-4D97-AF65-F5344CB8AC3E}">
-        <p14:creationId xmlns:p14="http://schemas.microsoft.com/office/powerpoint/2010/main" val="2842704319"/>
+        <p14:creationId xmlns:p14="http://schemas.microsoft.com/office/powerpoint/2010/main" val="1155560799"/>
       </p:ext>
     </p:extLst>
   </p:cSld>
@@ -2517,96 +3369,47 @@
           <a:bodyPr/>
           <a:lstStyle/>
           <a:p>
-            <a:pPr marL="0" marR="0" lvl="0" indent="0" algn="l" defTabSz="914400" rtl="0" eaLnBrk="1" fontAlgn="auto" latinLnBrk="0" hangingPunct="1">
-              <a:lnSpc>
-                <a:spcPct val="100000"/>
-              </a:lnSpc>
-              <a:spcBef>
-                <a:spcPts val="0"/>
-              </a:spcBef>
-              <a:spcAft>
-                <a:spcPts val="0"/>
-              </a:spcAft>
-              <a:buClrTx/>
-              <a:buSzTx/>
-              <a:buFontTx/>
-              <a:buNone/>
-              <a:tabLst/>
-              <a:defRPr/>
-            </a:pPr>
-            <a:r>
-              <a:rPr lang="en-US" dirty="0"/>
-              <a:t>System hardening reduces the surface area for an attack to occur.  This is a highly effective preventative technical control and should be considered with every Change.</a:t>
-            </a:r>
-          </a:p>
-          <a:p>
-            <a:pPr marL="0" marR="0" lvl="0" indent="0" algn="l" defTabSz="914400" rtl="0" eaLnBrk="1" fontAlgn="auto" latinLnBrk="0" hangingPunct="1">
-              <a:lnSpc>
-                <a:spcPct val="100000"/>
-              </a:lnSpc>
-              <a:spcBef>
-                <a:spcPts val="0"/>
-              </a:spcBef>
-              <a:spcAft>
-                <a:spcPts val="0"/>
-              </a:spcAft>
-              <a:buClrTx/>
-              <a:buSzTx/>
-              <a:buFontTx/>
-              <a:buNone/>
-              <a:tabLst/>
-              <a:defRPr/>
-            </a:pPr>
-            <a:r>
-              <a:rPr lang="en-US" dirty="0"/>
-              <a:t>Maintaining platforms to be current in terms of security patching is necessary to protect against vulnerabilities that are documented in the public domain.</a:t>
-            </a:r>
-          </a:p>
-          <a:p>
-            <a:pPr marL="0" marR="0" lvl="0" indent="0" algn="l" defTabSz="914400" rtl="0" eaLnBrk="1" fontAlgn="auto" latinLnBrk="0" hangingPunct="1">
-              <a:lnSpc>
-                <a:spcPct val="100000"/>
-              </a:lnSpc>
-              <a:spcBef>
-                <a:spcPts val="0"/>
-              </a:spcBef>
-              <a:spcAft>
-                <a:spcPts val="0"/>
-              </a:spcAft>
-              <a:buClrTx/>
-              <a:buSzTx/>
-              <a:buFontTx/>
-              <a:buNone/>
-              <a:tabLst/>
-              <a:defRPr/>
-            </a:pPr>
-            <a:r>
-              <a:rPr lang="en-US" dirty="0"/>
-              <a:t>Patching non-compliance presents a tangible and avoidable risk.  </a:t>
-            </a:r>
-          </a:p>
-          <a:p>
-            <a:pPr marL="0" marR="0" lvl="0" indent="0" algn="l" defTabSz="914400" rtl="0" eaLnBrk="1" fontAlgn="auto" latinLnBrk="0" hangingPunct="1">
-              <a:lnSpc>
-                <a:spcPct val="100000"/>
-              </a:lnSpc>
-              <a:spcBef>
-                <a:spcPts val="0"/>
-              </a:spcBef>
-              <a:spcAft>
-                <a:spcPts val="0"/>
-              </a:spcAft>
-              <a:buClrTx/>
-              <a:buSzTx/>
-              <a:buFontTx/>
-              <a:buNone/>
-              <a:tabLst/>
-              <a:defRPr/>
-            </a:pPr>
-            <a:r>
-              <a:rPr lang="en-US" dirty="0"/>
-              <a:t>Security experts say that, “It is no longer a question of IF you will be hacked, - but WHEN !</a:t>
-            </a:r>
+            <a:r>
+              <a:rPr lang="en-US" dirty="0"/>
+              <a:t>Evidence of captured flags for Target 2; </a:t>
+            </a:r>
+          </a:p>
+          <a:p>
+            <a:r>
+              <a:rPr lang="en-US" dirty="0"/>
+              <a:t>Exploitation was progressed initially by a Directory listing weakness, the information gathered enabled me to use path traversal to gain more sensitive information.</a:t>
+            </a:r>
+          </a:p>
+          <a:p>
+            <a:r>
+              <a:rPr lang="en-US" dirty="0"/>
+              <a:t>Then,  running remote shell commands I used local file inclusion and the output contained my third flag</a:t>
+            </a:r>
+            <a:r>
+              <a:rPr lang="en-US" sz="1200" dirty="0">
+                <a:solidFill>
+                  <a:schemeClr val="tx1"/>
+                </a:solidFill>
+                <a:effectLst/>
+                <a:latin typeface="Roboto Medium"/>
+              </a:rPr>
+              <a:t>.</a:t>
+            </a:r>
+          </a:p>
+          <a:p>
+            <a:r>
+              <a:rPr lang="en-US" sz="1200" dirty="0">
+                <a:solidFill>
+                  <a:schemeClr val="tx1"/>
+                </a:solidFill>
+                <a:effectLst/>
+                <a:latin typeface="Roboto Medium"/>
+              </a:rPr>
+              <a:t>Three out of three flags were captured on Target 2.</a:t>
+            </a:r>
+            <a:endParaRPr lang="en-AU" dirty="0"/>
+          </a:p>
+          <a:p>
             <a:endParaRPr lang="en-AU" dirty="0"/>
           </a:p>
         </p:txBody>
@@ -2628,7 +3431,7 @@
           <a:p>
             <a:fld id="{BDDD5C32-8544-4121-8685-66BD3FD663E2}" type="slidenum">
               <a:rPr lang="en-AU" smtClean="0"/>
-              <a:t>10</a:t>
+              <a:t>9</a:t>
             </a:fld>
             <a:endParaRPr lang="en-AU"/>
           </a:p>
@@ -2637,7 +3440,7 @@
     </p:spTree>
     <p:extLst>
       <p:ext uri="{BB962C8B-B14F-4D97-AF65-F5344CB8AC3E}">
-        <p14:creationId xmlns:p14="http://schemas.microsoft.com/office/powerpoint/2010/main" val="1507460214"/>
+        <p14:creationId xmlns:p14="http://schemas.microsoft.com/office/powerpoint/2010/main" val="1769818516"/>
       </p:ext>
     </p:extLst>
   </p:cSld>
@@ -6091,8 +6894,8 @@
         </p:nvSpPr>
         <p:spPr>
           <a:xfrm>
-            <a:off x="125128" y="100669"/>
-            <a:ext cx="8450981" cy="5398794"/>
+            <a:off x="154004" y="100667"/>
+            <a:ext cx="9512510" cy="6639767"/>
           </a:xfrm>
         </p:spPr>
         <p:txBody>
@@ -6102,68 +6905,77 @@
           <a:lstStyle/>
           <a:p>
             <a:r>
-              <a:rPr lang="en-US" dirty="0"/>
-              <a:t>Hardening Systems and Patching All Components</a:t>
-            </a:r>
-            <a:br>
-              <a:rPr lang="en-US" dirty="0"/>
-            </a:br>
-            <a:br>
-              <a:rPr lang="en-US" dirty="0"/>
-            </a:br>
-            <a:br>
-              <a:rPr lang="en-US" dirty="0"/>
-            </a:br>
-            <a:r>
-              <a:rPr lang="en-US" sz="2700" dirty="0"/>
-              <a:t>Sound processes and</a:t>
-            </a:r>
-            <a:br>
-              <a:rPr lang="en-US" sz="2700" dirty="0"/>
-            </a:br>
-            <a:br>
-              <a:rPr lang="en-US" sz="2700" dirty="0"/>
-            </a:br>
-            <a:br>
-              <a:rPr lang="en-US" sz="2700" dirty="0"/>
-            </a:br>
-            <a:r>
-              <a:rPr lang="en-US" sz="2700" dirty="0"/>
-              <a:t>efficient procedures </a:t>
-            </a:r>
-            <a:br>
-              <a:rPr lang="en-US" sz="2700" dirty="0"/>
-            </a:br>
-            <a:br>
-              <a:rPr lang="en-US" sz="2700" dirty="0"/>
-            </a:br>
-            <a:br>
-              <a:rPr lang="en-US" sz="2700" dirty="0"/>
-            </a:br>
-            <a:r>
-              <a:rPr lang="en-US" sz="2700" dirty="0"/>
-              <a:t>should be in place.</a:t>
-            </a:r>
-            <a:br>
-              <a:rPr lang="en-US" sz="2700" dirty="0"/>
-            </a:br>
-            <a:br>
-              <a:rPr lang="en-US" sz="2700" dirty="0"/>
-            </a:br>
-            <a:br>
-              <a:rPr lang="en-US" sz="2700" dirty="0"/>
-            </a:br>
-            <a:r>
-              <a:rPr lang="en-US" sz="2700" dirty="0"/>
-              <a:t>Compliance is a MUST.</a:t>
-            </a:r>
-            <a:br>
-              <a:rPr lang="en-US" sz="2400" dirty="0"/>
-            </a:br>
-            <a:br>
-              <a:rPr lang="en-US" sz="2400" dirty="0"/>
-            </a:br>
-            <a:endParaRPr lang="en-AU" sz="2400" dirty="0"/>
+              <a:rPr lang="en-US" sz="4000" dirty="0"/>
+              <a:t>Avoiding Detection and Maintaining Access</a:t>
+            </a:r>
+            <a:br>
+              <a:rPr lang="en-US" dirty="0"/>
+            </a:br>
+            <a:br>
+              <a:rPr lang="en-US" dirty="0"/>
+            </a:br>
+            <a:br>
+              <a:rPr lang="en-US" dirty="0"/>
+            </a:br>
+            <a:r>
+              <a:rPr lang="en-US" sz="2800" dirty="0"/>
+              <a:t>Stealth Exploitation</a:t>
+            </a:r>
+            <a:br>
+              <a:rPr lang="en-US" sz="2800" dirty="0"/>
+            </a:br>
+            <a:br>
+              <a:rPr lang="en-US" sz="2800" dirty="0"/>
+            </a:br>
+            <a:br>
+              <a:rPr lang="en-US" sz="2800" dirty="0"/>
+            </a:br>
+            <a:r>
+              <a:rPr lang="en-US" sz="2800" dirty="0"/>
+              <a:t>Persistent  backdoor</a:t>
+            </a:r>
+            <a:br>
+              <a:rPr lang="en-US" sz="2800" dirty="0"/>
+            </a:br>
+            <a:br>
+              <a:rPr lang="en-US" sz="2800" dirty="0"/>
+            </a:br>
+            <a:br>
+              <a:rPr lang="en-US" sz="2800" dirty="0"/>
+            </a:br>
+            <a:r>
+              <a:rPr lang="en-US" sz="2800" dirty="0"/>
+              <a:t>Remote command</a:t>
+            </a:r>
+            <a:br>
+              <a:rPr lang="en-US" sz="2800" dirty="0"/>
+            </a:br>
+            <a:r>
+              <a:rPr lang="en-US" sz="2800" dirty="0"/>
+              <a:t> execution</a:t>
+            </a:r>
+            <a:br>
+              <a:rPr lang="en-US" sz="2800" dirty="0"/>
+            </a:br>
+            <a:br>
+              <a:rPr lang="en-US" sz="2800" dirty="0"/>
+            </a:br>
+            <a:br>
+              <a:rPr lang="en-US" sz="2800" dirty="0"/>
+            </a:br>
+            <a:br>
+              <a:rPr lang="en-US" sz="2800" dirty="0"/>
+            </a:br>
+            <a:br>
+              <a:rPr lang="en-US" sz="2800" dirty="0"/>
+            </a:br>
+            <a:br>
+              <a:rPr lang="en-US" sz="2800" dirty="0"/>
+            </a:br>
+            <a:br>
+              <a:rPr lang="en-US" sz="2800" dirty="0"/>
+            </a:br>
+            <a:endParaRPr lang="en-AU" sz="2800" dirty="0"/>
           </a:p>
         </p:txBody>
       </p:sp>
@@ -6185,54 +6997,139 @@
         </p:nvSpPr>
         <p:spPr/>
         <p:txBody>
-          <a:bodyPr/>
+          <a:bodyPr>
+            <a:normAutofit/>
+          </a:bodyPr>
           <a:lstStyle/>
           <a:p>
             <a:r>
-              <a:rPr lang="en-US" dirty="0"/>
-              <a:t>Hardening means reducing the surface area for an attack to occur.</a:t>
-            </a:r>
-          </a:p>
-          <a:p>
-            <a:r>
-              <a:rPr lang="en-US" dirty="0"/>
-              <a:t>Restricting what actions can occur under what login; applying the principle of least privilege.  Lock it down tight!</a:t>
-            </a:r>
-          </a:p>
-          <a:p>
-            <a:r>
-              <a:rPr lang="en-US" dirty="0"/>
-              <a:t>Uninstall or disable components and services that are not required.</a:t>
-            </a:r>
-          </a:p>
-          <a:p>
-            <a:endParaRPr lang="en-US" dirty="0"/>
-          </a:p>
-          <a:p>
-            <a:r>
-              <a:rPr lang="en-US" dirty="0"/>
-              <a:t>Patching is updating OS, platform and software components with verified security fixes.  Do this on a regular cycle.  Just do it!</a:t>
-            </a:r>
-          </a:p>
-          <a:p>
-            <a:r>
-              <a:rPr lang="en-US" dirty="0"/>
-              <a:t>Include a contingency to expedite installing fixes for Zero Day exploits.  All hands on deck! </a:t>
-            </a:r>
-            <a:br>
-              <a:rPr lang="en-US" dirty="0"/>
-            </a:br>
-            <a:br>
-              <a:rPr lang="en-US" dirty="0"/>
-            </a:br>
-            <a:endParaRPr lang="en-AU" dirty="0"/>
+              <a:rPr lang="en-AU" dirty="0">
+                <a:solidFill>
+                  <a:schemeClr val="tx1"/>
+                </a:solidFill>
+                <a:latin typeface="Slack-Lato"/>
+              </a:rPr>
+              <a:t>Operate enumeration tools with stealthier options to avoid detection (slow the execution of attacks)</a:t>
+            </a:r>
+          </a:p>
+          <a:p>
+            <a:endParaRPr lang="en-AU" dirty="0">
+              <a:solidFill>
+                <a:schemeClr val="tx1"/>
+              </a:solidFill>
+              <a:latin typeface="Slack-Lato"/>
+            </a:endParaRPr>
+          </a:p>
+          <a:p>
+            <a:r>
+              <a:rPr lang="en-AU" dirty="0">
+                <a:solidFill>
+                  <a:schemeClr val="tx1"/>
+                </a:solidFill>
+                <a:latin typeface="Slack-Lato"/>
+              </a:rPr>
+              <a:t>Restrict brute force methods to local execution (extract then crack)</a:t>
+            </a:r>
+          </a:p>
+          <a:p>
+            <a:endParaRPr lang="en-AU" dirty="0">
+              <a:solidFill>
+                <a:schemeClr val="tx1"/>
+              </a:solidFill>
+              <a:effectLst/>
+              <a:latin typeface="Slack-Lato"/>
+            </a:endParaRPr>
+          </a:p>
+          <a:p>
+            <a:r>
+              <a:rPr lang="en-AU" dirty="0">
+                <a:solidFill>
+                  <a:schemeClr val="tx1"/>
+                </a:solidFill>
+                <a:latin typeface="Slack-Lato"/>
+              </a:rPr>
+              <a:t>U</a:t>
+            </a:r>
+            <a:r>
+              <a:rPr lang="en-AU" dirty="0">
+                <a:solidFill>
+                  <a:schemeClr val="tx1"/>
+                </a:solidFill>
+                <a:effectLst/>
+                <a:latin typeface="Slack-Lato"/>
+              </a:rPr>
+              <a:t>sing a custom exploit, a backdoor was uploaded to the target</a:t>
+            </a:r>
+          </a:p>
+          <a:p>
+            <a:pPr marL="0" indent="0">
+              <a:buNone/>
+            </a:pPr>
+            <a:endParaRPr lang="en-AU" dirty="0">
+              <a:solidFill>
+                <a:schemeClr val="tx1"/>
+              </a:solidFill>
+              <a:effectLst/>
+              <a:latin typeface="Slack-Lato"/>
+            </a:endParaRPr>
+          </a:p>
+          <a:p>
+            <a:r>
+              <a:rPr lang="en-AU" dirty="0">
+                <a:solidFill>
+                  <a:schemeClr val="tx1"/>
+                </a:solidFill>
+                <a:latin typeface="Slack-Lato"/>
+              </a:rPr>
+              <a:t>The backdoor will persist after system reboot</a:t>
+            </a:r>
+          </a:p>
+          <a:p>
+            <a:endParaRPr lang="en-AU" dirty="0">
+              <a:solidFill>
+                <a:schemeClr val="tx1"/>
+              </a:solidFill>
+              <a:latin typeface="Slack-Lato"/>
+            </a:endParaRPr>
+          </a:p>
+          <a:p>
+            <a:r>
+              <a:rPr lang="en-AU" dirty="0">
+                <a:solidFill>
+                  <a:schemeClr val="tx1"/>
+                </a:solidFill>
+                <a:latin typeface="Slack-Lato"/>
+              </a:rPr>
+              <a:t>R</a:t>
+            </a:r>
+            <a:r>
+              <a:rPr lang="en-AU" dirty="0">
+                <a:solidFill>
+                  <a:schemeClr val="tx1"/>
+                </a:solidFill>
+                <a:effectLst/>
+                <a:latin typeface="Slack-Lato"/>
+              </a:rPr>
+              <a:t>emote command execution available</a:t>
+            </a:r>
+          </a:p>
+          <a:p>
+            <a:pPr marL="0" indent="0">
+              <a:buNone/>
+            </a:pPr>
+            <a:endParaRPr lang="en-AU" dirty="0">
+              <a:solidFill>
+                <a:schemeClr val="tx1"/>
+              </a:solidFill>
+              <a:latin typeface="Slack-Lato"/>
+            </a:endParaRPr>
           </a:p>
         </p:txBody>
       </p:sp>
     </p:spTree>
     <p:extLst>
       <p:ext uri="{BB962C8B-B14F-4D97-AF65-F5344CB8AC3E}">
-        <p14:creationId xmlns:p14="http://schemas.microsoft.com/office/powerpoint/2010/main" val="1423418208"/>
+        <p14:creationId xmlns:p14="http://schemas.microsoft.com/office/powerpoint/2010/main" val="1712458297"/>
       </p:ext>
     </p:extLst>
   </p:cSld>
@@ -6277,8 +7174,446 @@
         </p:nvSpPr>
         <p:spPr>
           <a:xfrm>
-            <a:off x="-202132" y="91042"/>
-            <a:ext cx="7469205" cy="6049875"/>
+            <a:off x="96253" y="0"/>
+            <a:ext cx="10138316" cy="5621154"/>
+          </a:xfrm>
+        </p:spPr>
+        <p:txBody>
+          <a:bodyPr>
+            <a:normAutofit fontScale="90000"/>
+          </a:bodyPr>
+          <a:lstStyle/>
+          <a:p>
+            <a:r>
+              <a:rPr lang="en-US" sz="4000" dirty="0"/>
+              <a:t>Monitoring Activity and Alerting</a:t>
+            </a:r>
+            <a:br>
+              <a:rPr lang="en-US" dirty="0"/>
+            </a:br>
+            <a:br>
+              <a:rPr lang="en-US" dirty="0"/>
+            </a:br>
+            <a:r>
+              <a:rPr lang="en-US" b="1" dirty="0">
+                <a:solidFill>
+                  <a:schemeClr val="tx1"/>
+                </a:solidFill>
+              </a:rPr>
+              <a:t>BLUE TEAM</a:t>
+            </a:r>
+            <a:br>
+              <a:rPr lang="en-US" sz="2200" dirty="0"/>
+            </a:br>
+            <a:br>
+              <a:rPr lang="en-US" sz="2200" dirty="0"/>
+            </a:br>
+            <a:r>
+              <a:rPr lang="en-US" sz="2200" dirty="0"/>
+              <a:t>Maintain effective monitoring</a:t>
+            </a:r>
+            <a:br>
+              <a:rPr lang="en-US" sz="2200" dirty="0"/>
+            </a:br>
+            <a:r>
+              <a:rPr lang="en-US" sz="2200" dirty="0"/>
+              <a:t> of  assets.</a:t>
+            </a:r>
+            <a:br>
+              <a:rPr lang="en-US" sz="2200" dirty="0"/>
+            </a:br>
+            <a:br>
+              <a:rPr lang="en-US" sz="2200" dirty="0"/>
+            </a:br>
+            <a:r>
+              <a:rPr lang="en-US" sz="2200" dirty="0"/>
+              <a:t>Understand variations in normal</a:t>
+            </a:r>
+            <a:br>
+              <a:rPr lang="en-US" sz="2200" dirty="0"/>
+            </a:br>
+            <a:br>
+              <a:rPr lang="en-US" sz="2200" dirty="0"/>
+            </a:br>
+            <a:r>
+              <a:rPr lang="en-US" sz="2200" dirty="0"/>
+              <a:t>activity patterns.</a:t>
+            </a:r>
+            <a:br>
+              <a:rPr lang="en-US" sz="2200" dirty="0"/>
+            </a:br>
+            <a:br>
+              <a:rPr lang="en-US" sz="2200" dirty="0"/>
+            </a:br>
+            <a:r>
+              <a:rPr lang="en-US" sz="2200" dirty="0"/>
+              <a:t>Tailor alerting  thresholds, </a:t>
+            </a:r>
+            <a:br>
+              <a:rPr lang="en-US" sz="2200" dirty="0"/>
+            </a:br>
+            <a:r>
+              <a:rPr lang="en-US" sz="2200" dirty="0" err="1"/>
+              <a:t>minimise</a:t>
+            </a:r>
+            <a:r>
+              <a:rPr lang="en-US" sz="2200" dirty="0"/>
+              <a:t> false positives.</a:t>
+            </a:r>
+            <a:br>
+              <a:rPr lang="en-US" sz="2200" dirty="0"/>
+            </a:br>
+            <a:br>
+              <a:rPr lang="en-US" sz="2200" dirty="0"/>
+            </a:br>
+            <a:r>
+              <a:rPr lang="en-US" sz="2200" dirty="0"/>
+              <a:t>Trigger planned mitigation</a:t>
+            </a:r>
+            <a:br>
+              <a:rPr lang="en-US" sz="2200" dirty="0"/>
+            </a:br>
+            <a:r>
+              <a:rPr lang="en-US" sz="2200" dirty="0"/>
+              <a:t>actions, automated and manual.</a:t>
+            </a:r>
+            <a:br>
+              <a:rPr lang="en-US" sz="2200" dirty="0"/>
+            </a:br>
+            <a:br>
+              <a:rPr lang="en-US" sz="2200" dirty="0"/>
+            </a:br>
+            <a:endParaRPr lang="en-AU" sz="2200" dirty="0"/>
+          </a:p>
+        </p:txBody>
+      </p:sp>
+      <p:pic>
+        <p:nvPicPr>
+          <p:cNvPr id="4" name="Content Placeholder 3">
+            <a:extLst>
+              <a:ext uri="{FF2B5EF4-FFF2-40B4-BE49-F238E27FC236}">
+                <a16:creationId xmlns:a16="http://schemas.microsoft.com/office/drawing/2014/main" id="{5BF79180-432E-411A-84EE-2BF66FCA1769}"/>
+              </a:ext>
+            </a:extLst>
+          </p:cNvPr>
+          <p:cNvPicPr>
+            <a:picLocks noGrp="1" noChangeAspect="1"/>
+          </p:cNvPicPr>
+          <p:nvPr>
+            <p:ph idx="1"/>
+          </p:nvPr>
+        </p:nvPicPr>
+        <p:blipFill>
+          <a:blip r:embed="rId3"/>
+          <a:stretch>
+            <a:fillRect/>
+          </a:stretch>
+        </p:blipFill>
+        <p:spPr>
+          <a:xfrm>
+            <a:off x="3517390" y="716582"/>
+            <a:ext cx="5979306" cy="2271209"/>
+          </a:xfrm>
+          <a:prstGeom prst="rect">
+            <a:avLst/>
+          </a:prstGeom>
+        </p:spPr>
+      </p:pic>
+      <p:pic>
+        <p:nvPicPr>
+          <p:cNvPr id="6" name="Picture 5">
+            <a:extLst>
+              <a:ext uri="{FF2B5EF4-FFF2-40B4-BE49-F238E27FC236}">
+                <a16:creationId xmlns:a16="http://schemas.microsoft.com/office/drawing/2014/main" id="{E7679167-4854-448D-B4E9-C4F85EB31C03}"/>
+              </a:ext>
+            </a:extLst>
+          </p:cNvPr>
+          <p:cNvPicPr>
+            <a:picLocks noChangeAspect="1"/>
+          </p:cNvPicPr>
+          <p:nvPr/>
+        </p:nvPicPr>
+        <p:blipFill>
+          <a:blip r:embed="rId4"/>
+          <a:stretch>
+            <a:fillRect/>
+          </a:stretch>
+        </p:blipFill>
+        <p:spPr>
+          <a:xfrm>
+            <a:off x="5999275" y="3104861"/>
+            <a:ext cx="5724296" cy="3265406"/>
+          </a:xfrm>
+          <a:prstGeom prst="rect">
+            <a:avLst/>
+          </a:prstGeom>
+        </p:spPr>
+      </p:pic>
+      <p:pic>
+        <p:nvPicPr>
+          <p:cNvPr id="8" name="Picture 7">
+            <a:extLst>
+              <a:ext uri="{FF2B5EF4-FFF2-40B4-BE49-F238E27FC236}">
+                <a16:creationId xmlns:a16="http://schemas.microsoft.com/office/drawing/2014/main" id="{5BB70315-B64A-4D5C-8B44-9D6DABF68008}"/>
+              </a:ext>
+            </a:extLst>
+          </p:cNvPr>
+          <p:cNvPicPr>
+            <a:picLocks noChangeAspect="1"/>
+          </p:cNvPicPr>
+          <p:nvPr/>
+        </p:nvPicPr>
+        <p:blipFill rotWithShape="1">
+          <a:blip r:embed="rId5"/>
+          <a:srcRect l="61240" t="-352741" r="-2507" b="352741"/>
+          <a:stretch/>
+        </p:blipFill>
+        <p:spPr>
+          <a:xfrm>
+            <a:off x="8409421" y="1024047"/>
+            <a:ext cx="3314150" cy="1097561"/>
+          </a:xfrm>
+          <a:prstGeom prst="rect">
+            <a:avLst/>
+          </a:prstGeom>
+        </p:spPr>
+      </p:pic>
+    </p:spTree>
+    <p:extLst>
+      <p:ext uri="{BB962C8B-B14F-4D97-AF65-F5344CB8AC3E}">
+        <p14:creationId xmlns:p14="http://schemas.microsoft.com/office/powerpoint/2010/main" val="2162107554"/>
+      </p:ext>
+    </p:extLst>
+  </p:cSld>
+  <p:clrMapOvr>
+    <a:masterClrMapping/>
+  </p:clrMapOvr>
+</p:sld>
+</file>
+
+<file path=ppt/slides/slide12.xml><?xml version="1.0" encoding="utf-8"?>
+<p:sld xmlns:a="http://schemas.openxmlformats.org/drawingml/2006/main" xmlns:r="http://schemas.openxmlformats.org/officeDocument/2006/relationships" xmlns:p="http://schemas.openxmlformats.org/presentationml/2006/main">
+  <p:cSld>
+    <p:spTree>
+      <p:nvGrpSpPr>
+        <p:cNvPr id="1" name=""/>
+        <p:cNvGrpSpPr/>
+        <p:nvPr/>
+      </p:nvGrpSpPr>
+      <p:grpSpPr>
+        <a:xfrm>
+          <a:off x="0" y="0"/>
+          <a:ext cx="0" cy="0"/>
+          <a:chOff x="0" y="0"/>
+          <a:chExt cx="0" cy="0"/>
+        </a:xfrm>
+      </p:grpSpPr>
+      <p:sp>
+        <p:nvSpPr>
+          <p:cNvPr id="2" name="Title 1">
+            <a:extLst>
+              <a:ext uri="{FF2B5EF4-FFF2-40B4-BE49-F238E27FC236}">
+                <a16:creationId xmlns:a16="http://schemas.microsoft.com/office/drawing/2014/main" id="{B0C5B3B2-BBBD-44A7-8D3D-80682CF87E6B}"/>
+              </a:ext>
+            </a:extLst>
+          </p:cNvPr>
+          <p:cNvSpPr>
+            <a:spLocks noGrp="1"/>
+          </p:cNvSpPr>
+          <p:nvPr>
+            <p:ph type="title"/>
+          </p:nvPr>
+        </p:nvSpPr>
+        <p:spPr>
+          <a:xfrm>
+            <a:off x="125128" y="100669"/>
+            <a:ext cx="9397695" cy="5398794"/>
+          </a:xfrm>
+        </p:spPr>
+        <p:txBody>
+          <a:bodyPr>
+            <a:normAutofit fontScale="90000"/>
+          </a:bodyPr>
+          <a:lstStyle/>
+          <a:p>
+            <a:r>
+              <a:rPr lang="en-US" sz="4000" dirty="0"/>
+              <a:t>Hardening Systems and Patching All Components</a:t>
+            </a:r>
+            <a:br>
+              <a:rPr lang="en-US" dirty="0"/>
+            </a:br>
+            <a:br>
+              <a:rPr lang="en-US" dirty="0"/>
+            </a:br>
+            <a:br>
+              <a:rPr lang="en-US" dirty="0"/>
+            </a:br>
+            <a:r>
+              <a:rPr lang="en-US" sz="2700" dirty="0"/>
+              <a:t>Sound processes and</a:t>
+            </a:r>
+            <a:br>
+              <a:rPr lang="en-US" sz="2700" dirty="0"/>
+            </a:br>
+            <a:br>
+              <a:rPr lang="en-US" sz="2700" dirty="0"/>
+            </a:br>
+            <a:br>
+              <a:rPr lang="en-US" sz="2700" dirty="0"/>
+            </a:br>
+            <a:r>
+              <a:rPr lang="en-US" sz="2700" dirty="0"/>
+              <a:t>efficient procedures </a:t>
+            </a:r>
+            <a:br>
+              <a:rPr lang="en-US" sz="2700" dirty="0"/>
+            </a:br>
+            <a:br>
+              <a:rPr lang="en-US" sz="2700" dirty="0"/>
+            </a:br>
+            <a:br>
+              <a:rPr lang="en-US" sz="2700" dirty="0"/>
+            </a:br>
+            <a:r>
+              <a:rPr lang="en-US" sz="2700" dirty="0"/>
+              <a:t>should be in place.</a:t>
+            </a:r>
+            <a:br>
+              <a:rPr lang="en-US" sz="2700" dirty="0"/>
+            </a:br>
+            <a:br>
+              <a:rPr lang="en-US" sz="2700" dirty="0"/>
+            </a:br>
+            <a:br>
+              <a:rPr lang="en-US" sz="2700" dirty="0"/>
+            </a:br>
+            <a:r>
+              <a:rPr lang="en-US" sz="2700" dirty="0"/>
+              <a:t>Compliance is a MUST.</a:t>
+            </a:r>
+            <a:br>
+              <a:rPr lang="en-US" sz="2400" dirty="0"/>
+            </a:br>
+            <a:br>
+              <a:rPr lang="en-US" sz="2400" dirty="0"/>
+            </a:br>
+            <a:endParaRPr lang="en-AU" sz="2400" dirty="0"/>
+          </a:p>
+        </p:txBody>
+      </p:sp>
+      <p:sp>
+        <p:nvSpPr>
+          <p:cNvPr id="3" name="Content Placeholder 2">
+            <a:extLst>
+              <a:ext uri="{FF2B5EF4-FFF2-40B4-BE49-F238E27FC236}">
+                <a16:creationId xmlns:a16="http://schemas.microsoft.com/office/drawing/2014/main" id="{D6DDD3C4-6F76-40B5-AFF1-F0557BC03777}"/>
+              </a:ext>
+            </a:extLst>
+          </p:cNvPr>
+          <p:cNvSpPr>
+            <a:spLocks noGrp="1"/>
+          </p:cNvSpPr>
+          <p:nvPr>
+            <p:ph idx="1"/>
+          </p:nvPr>
+        </p:nvSpPr>
+        <p:spPr/>
+        <p:txBody>
+          <a:bodyPr/>
+          <a:lstStyle/>
+          <a:p>
+            <a:r>
+              <a:rPr lang="en-US" dirty="0"/>
+              <a:t>Hardening means reducing the surface area for an attack to occur.</a:t>
+            </a:r>
+          </a:p>
+          <a:p>
+            <a:r>
+              <a:rPr lang="en-US" dirty="0"/>
+              <a:t>Restricting what actions can occur under what login; applying the principle of least privilege.  Lock it down tight!</a:t>
+            </a:r>
+          </a:p>
+          <a:p>
+            <a:r>
+              <a:rPr lang="en-US" dirty="0"/>
+              <a:t>Uninstall or disable components and services that are not required.</a:t>
+            </a:r>
+          </a:p>
+          <a:p>
+            <a:endParaRPr lang="en-US" dirty="0"/>
+          </a:p>
+          <a:p>
+            <a:r>
+              <a:rPr lang="en-US" dirty="0"/>
+              <a:t>Patching is updating OS, platform and software components with verified security fixes.  Do this on a regular cycle.  Just do it!</a:t>
+            </a:r>
+          </a:p>
+          <a:p>
+            <a:r>
+              <a:rPr lang="en-US" dirty="0"/>
+              <a:t>Include a contingency to expedite installing fixes for Zero Day exploits.  All hands on deck! </a:t>
+            </a:r>
+            <a:br>
+              <a:rPr lang="en-US" dirty="0"/>
+            </a:br>
+            <a:br>
+              <a:rPr lang="en-US" dirty="0"/>
+            </a:br>
+            <a:endParaRPr lang="en-AU" dirty="0"/>
+          </a:p>
+        </p:txBody>
+      </p:sp>
+    </p:spTree>
+    <p:extLst>
+      <p:ext uri="{BB962C8B-B14F-4D97-AF65-F5344CB8AC3E}">
+        <p14:creationId xmlns:p14="http://schemas.microsoft.com/office/powerpoint/2010/main" val="1423418208"/>
+      </p:ext>
+    </p:extLst>
+  </p:cSld>
+  <p:clrMapOvr>
+    <a:masterClrMapping/>
+  </p:clrMapOvr>
+</p:sld>
+</file>
+
+<file path=ppt/slides/slide13.xml><?xml version="1.0" encoding="utf-8"?>
+<p:sld xmlns:a="http://schemas.openxmlformats.org/drawingml/2006/main" xmlns:r="http://schemas.openxmlformats.org/officeDocument/2006/relationships" xmlns:p="http://schemas.openxmlformats.org/presentationml/2006/main">
+  <p:cSld>
+    <p:spTree>
+      <p:nvGrpSpPr>
+        <p:cNvPr id="1" name=""/>
+        <p:cNvGrpSpPr/>
+        <p:nvPr/>
+      </p:nvGrpSpPr>
+      <p:grpSpPr>
+        <a:xfrm>
+          <a:off x="0" y="0"/>
+          <a:ext cx="0" cy="0"/>
+          <a:chOff x="0" y="0"/>
+          <a:chExt cx="0" cy="0"/>
+        </a:xfrm>
+      </p:grpSpPr>
+      <p:sp>
+        <p:nvSpPr>
+          <p:cNvPr id="2" name="Title 1">
+            <a:extLst>
+              <a:ext uri="{FF2B5EF4-FFF2-40B4-BE49-F238E27FC236}">
+                <a16:creationId xmlns:a16="http://schemas.microsoft.com/office/drawing/2014/main" id="{B0C5B3B2-BBBD-44A7-8D3D-80682CF87E6B}"/>
+              </a:ext>
+            </a:extLst>
+          </p:cNvPr>
+          <p:cNvSpPr>
+            <a:spLocks noGrp="1"/>
+          </p:cNvSpPr>
+          <p:nvPr>
+            <p:ph type="title"/>
+          </p:nvPr>
+        </p:nvSpPr>
+        <p:spPr>
+          <a:xfrm>
+            <a:off x="-365760" y="470263"/>
+            <a:ext cx="8457287" cy="5670654"/>
           </a:xfrm>
         </p:spPr>
         <p:txBody>
@@ -6297,7 +7632,7 @@
               <a:buSzPts val="3700"/>
             </a:pPr>
             <a:r>
-              <a:rPr lang="en-US" dirty="0"/>
+              <a:rPr lang="en-US" sz="4000" dirty="0"/>
               <a:t>Traffic Profile and Normal User Behavior</a:t>
             </a:r>
             <a:br>
@@ -6307,7 +7642,7 @@
               <a:rPr lang="en-US" dirty="0"/>
             </a:br>
             <a:r>
-              <a:rPr lang="en-US" sz="3100" dirty="0"/>
+              <a:rPr lang="en-US" sz="3100" b="1" dirty="0"/>
               <a:t>NETWORK ANALYST</a:t>
             </a:r>
             <a:br>
@@ -6317,82 +7652,82 @@
               <a:rPr lang="en-US" dirty="0"/>
             </a:br>
             <a:r>
-              <a:rPr lang="en-US" sz="2000" dirty="0"/>
+              <a:rPr lang="en-US" sz="2200" dirty="0"/>
               <a:t>Watching YouTube via an</a:t>
             </a:r>
             <a:br>
-              <a:rPr lang="en-US" sz="2000" dirty="0"/>
-            </a:br>
-            <a:r>
-              <a:rPr lang="en-US" sz="2000" dirty="0"/>
+              <a:rPr lang="en-US" sz="2200" dirty="0"/>
+            </a:br>
+            <a:r>
+              <a:rPr lang="en-US" sz="2200" dirty="0"/>
               <a:t>unauthorised internal site</a:t>
             </a:r>
             <a:br>
-              <a:rPr lang="en-US" sz="2000" dirty="0"/>
-            </a:br>
-            <a:br>
-              <a:rPr lang="en-US" sz="2000" dirty="0"/>
-            </a:br>
-            <a:r>
-              <a:rPr lang="en-US" sz="2000" dirty="0"/>
+              <a:rPr lang="en-US" sz="2200" dirty="0"/>
+            </a:br>
+            <a:br>
+              <a:rPr lang="en-US" sz="2200" dirty="0"/>
+            </a:br>
+            <a:r>
+              <a:rPr lang="en-US" sz="2200" dirty="0"/>
               <a:t> Rotterdam-PC &gt;</a:t>
             </a:r>
             <a:br>
-              <a:rPr lang="en-US" sz="2000" dirty="0"/>
-            </a:br>
-            <a:r>
-              <a:rPr lang="en-US" sz="2000" dirty="0"/>
+              <a:rPr lang="en-US" sz="2200" dirty="0"/>
+            </a:br>
+            <a:r>
+              <a:rPr lang="en-US" sz="2200" dirty="0"/>
               <a:t> mysocialchaos.com</a:t>
             </a:r>
             <a:br>
-              <a:rPr lang="en-US" sz="2000" dirty="0"/>
-            </a:br>
-            <a:r>
-              <a:rPr lang="en-US" sz="2000" dirty="0"/>
+              <a:rPr lang="en-US" sz="2200" dirty="0"/>
+            </a:br>
+            <a:r>
+              <a:rPr lang="en-US" sz="2200" dirty="0"/>
               <a:t> (6MB/sec peak)</a:t>
             </a:r>
             <a:br>
-              <a:rPr lang="en-US" sz="2000" dirty="0"/>
-            </a:br>
-            <a:br>
-              <a:rPr lang="en-US" sz="2000" dirty="0"/>
-            </a:br>
-            <a:r>
-              <a:rPr lang="en-US" sz="2000" dirty="0"/>
+              <a:rPr lang="en-US" sz="2200" dirty="0"/>
+            </a:br>
+            <a:br>
+              <a:rPr lang="en-US" sz="2200" dirty="0"/>
+            </a:br>
+            <a:r>
+              <a:rPr lang="en-US" sz="2200" dirty="0"/>
               <a:t>Reading the news ...</a:t>
             </a:r>
             <a:br>
-              <a:rPr lang="en-US" sz="2000" dirty="0"/>
-            </a:br>
-            <a:br>
-              <a:rPr lang="en-US" sz="2000" dirty="0"/>
-            </a:br>
-            <a:r>
-              <a:rPr lang="en-US" sz="2000" dirty="0"/>
+              <a:rPr lang="en-US" sz="2200" dirty="0"/>
+            </a:br>
+            <a:br>
+              <a:rPr lang="en-US" sz="2200" dirty="0"/>
+            </a:br>
+            <a:r>
+              <a:rPr lang="en-US" sz="2200" dirty="0"/>
               <a:t>TIME Magazine </a:t>
             </a:r>
             <a:br>
-              <a:rPr lang="en-US" sz="2000" dirty="0"/>
-            </a:br>
-            <a:r>
-              <a:rPr lang="en-US" sz="2000" dirty="0"/>
+              <a:rPr lang="en-US" sz="2200" dirty="0"/>
+            </a:br>
+            <a:r>
+              <a:rPr lang="en-US" sz="2200" dirty="0"/>
               <a:t>cloud.newsletters.time.com</a:t>
             </a:r>
             <a:br>
-              <a:rPr lang="en-US" sz="2000" dirty="0"/>
-            </a:br>
-            <a:br>
-              <a:rPr lang="en-US" sz="2000" dirty="0"/>
-            </a:br>
-            <a:r>
-              <a:rPr lang="en-US" sz="2000" dirty="0"/>
+              <a:rPr lang="en-US" sz="2200" dirty="0"/>
+            </a:br>
+            <a:br>
+              <a:rPr lang="en-US" sz="2200" dirty="0"/>
+            </a:br>
+            <a:r>
+              <a:rPr lang="en-US" sz="2200" dirty="0"/>
               <a:t>Photo Essays ;</a:t>
             </a:r>
             <a:br>
-              <a:rPr lang="en-US" sz="2000" dirty="0"/>
-            </a:br>
-            <a:r>
-              <a:rPr lang="en-US" sz="2000" dirty="0"/>
+              <a:rPr lang="en-US" sz="2200" dirty="0"/>
+            </a:br>
+            <a:r>
+              <a:rPr lang="en-US" sz="2200" dirty="0"/>
               <a:t>Libya's Roman Ruins</a:t>
             </a:r>
             <a:br>
@@ -6521,7 +7856,7 @@
 </p:sld>
 </file>
 
-<file path=ppt/slides/slide12.xml><?xml version="1.0" encoding="utf-8"?>
+<file path=ppt/slides/slide14.xml><?xml version="1.0" encoding="utf-8"?>
 <p:sld xmlns:a="http://schemas.openxmlformats.org/drawingml/2006/main" xmlns:r="http://schemas.openxmlformats.org/officeDocument/2006/relationships" xmlns:p="http://schemas.openxmlformats.org/presentationml/2006/main">
   <p:cSld>
     <p:spTree>
@@ -6588,11 +7923,15 @@
             </a:br>
             <a:r>
               <a:rPr lang="en-US" dirty="0"/>
-              <a:t>Remote command injection</a:t>
-            </a:r>
-            <a:br>
-              <a:rPr lang="en-US" dirty="0"/>
-            </a:br>
+              <a:t>Remote command</a:t>
+            </a:r>
+            <a:br>
+              <a:rPr lang="en-US" dirty="0"/>
+            </a:br>
+            <a:r>
+              <a:rPr lang="en-US" dirty="0"/>
+              <a:t> injection</a:t>
+            </a:r>
             <a:br>
               <a:rPr lang="en-US" dirty="0"/>
             </a:br>
@@ -6721,7 +8060,7 @@
         </p:blipFill>
         <p:spPr>
           <a:xfrm>
-            <a:off x="1597192" y="2456748"/>
+            <a:off x="1178379" y="2835571"/>
             <a:ext cx="3143250" cy="209550"/>
           </a:xfrm>
           <a:prstGeom prst="rect">
@@ -6742,7 +8081,7 @@
 </p:sld>
 </file>
 
-<file path=ppt/slides/slide13.xml><?xml version="1.0" encoding="utf-8"?>
+<file path=ppt/slides/slide15.xml><?xml version="1.0" encoding="utf-8"?>
 <p:sld xmlns:a="http://schemas.openxmlformats.org/drawingml/2006/main" xmlns:r="http://schemas.openxmlformats.org/officeDocument/2006/relationships" xmlns:p="http://schemas.openxmlformats.org/presentationml/2006/main">
   <p:cSld>
     <p:spTree>
@@ -6893,7 +8232,7 @@
           <a:p>
             <a:r>
               <a:rPr lang="en-US" dirty="0"/>
-              <a:t>Vulnerability research:  relating vulnerabilities found on the fly then matching these to exploits; this aspect demands thoroughness.</a:t>
+              <a:t>Vulnerability research:  matching vulnerabilities to exploits; this aspect demands thoroughness.</a:t>
             </a:r>
           </a:p>
           <a:p>
@@ -6976,7 +8315,7 @@
 </p:sld>
 </file>
 
-<file path=ppt/slides/slide14.xml><?xml version="1.0" encoding="utf-8"?>
+<file path=ppt/slides/slide16.xml><?xml version="1.0" encoding="utf-8"?>
 <p:sld xmlns:a="http://schemas.openxmlformats.org/drawingml/2006/main" xmlns:r="http://schemas.openxmlformats.org/officeDocument/2006/relationships" xmlns:p="http://schemas.openxmlformats.org/presentationml/2006/main">
   <p:cSld>
     <p:spTree>
@@ -7097,45 +8436,104 @@
             <p:ph type="title"/>
           </p:nvPr>
         </p:nvSpPr>
-        <p:spPr/>
-        <p:txBody>
-          <a:bodyPr/>
+        <p:spPr>
+          <a:xfrm>
+            <a:off x="252918" y="274320"/>
+            <a:ext cx="7950555" cy="6338236"/>
+          </a:xfrm>
+        </p:spPr>
+        <p:txBody>
+          <a:bodyPr>
+            <a:normAutofit fontScale="90000"/>
+          </a:bodyPr>
           <a:lstStyle/>
           <a:p>
             <a:r>
-              <a:rPr lang="en-US" sz="4000" dirty="0"/>
-              <a:t>OVERVIEW</a:t>
-            </a:r>
-            <a:br>
-              <a:rPr lang="en-US" dirty="0"/>
-            </a:br>
-            <a:br>
-              <a:rPr lang="en-US" dirty="0"/>
-            </a:br>
-            <a:r>
-              <a:rPr lang="en-US" dirty="0"/>
-              <a:t>RED  TEAM</a:t>
-            </a:r>
-            <a:br>
-              <a:rPr lang="en-US" dirty="0"/>
-            </a:br>
-            <a:br>
-              <a:rPr lang="en-US" dirty="0"/>
-            </a:br>
-            <a:r>
-              <a:rPr lang="en-US" dirty="0"/>
-              <a:t>BLUE  TEAM</a:t>
-            </a:r>
-            <a:br>
-              <a:rPr lang="en-US" dirty="0"/>
-            </a:br>
-            <a:br>
-              <a:rPr lang="en-US" dirty="0"/>
-            </a:br>
-            <a:r>
-              <a:rPr lang="en-US" dirty="0"/>
-              <a:t>ANALYST</a:t>
-            </a:r>
+              <a:rPr lang="en-US" dirty="0"/>
+              <a:t>PENETRATION   TESTER</a:t>
+            </a:r>
+            <a:br>
+              <a:rPr lang="en-US" dirty="0"/>
+            </a:br>
+            <a:br>
+              <a:rPr lang="en-US" dirty="0"/>
+            </a:br>
+            <a:r>
+              <a:rPr lang="en-US" dirty="0">
+                <a:solidFill>
+                  <a:srgbClr val="FF0000"/>
+                </a:solidFill>
+              </a:rPr>
+              <a:t>RED TEAM</a:t>
+            </a:r>
+            <a:br>
+              <a:rPr lang="en-US" dirty="0">
+                <a:solidFill>
+                  <a:srgbClr val="FF0000"/>
+                </a:solidFill>
+              </a:rPr>
+            </a:br>
+            <a:br>
+              <a:rPr lang="en-US" dirty="0">
+                <a:solidFill>
+                  <a:srgbClr val="FF0000"/>
+                </a:solidFill>
+              </a:rPr>
+            </a:br>
+            <a:r>
+              <a:rPr lang="en-US" dirty="0">
+                <a:solidFill>
+                  <a:srgbClr val="FF0000"/>
+                </a:solidFill>
+              </a:rPr>
+              <a:t>ATTACKER</a:t>
+            </a:r>
+            <a:br>
+              <a:rPr lang="en-US" dirty="0">
+                <a:solidFill>
+                  <a:srgbClr val="FF0000"/>
+                </a:solidFill>
+              </a:rPr>
+            </a:br>
+            <a:br>
+              <a:rPr lang="en-US" dirty="0">
+                <a:solidFill>
+                  <a:srgbClr val="FF0000"/>
+                </a:solidFill>
+              </a:rPr>
+            </a:br>
+            <a:r>
+              <a:rPr lang="en-US" dirty="0">
+                <a:solidFill>
+                  <a:srgbClr val="FF0000"/>
+                </a:solidFill>
+              </a:rPr>
+              <a:t>CAPTURE FLAGS</a:t>
+            </a:r>
+            <a:br>
+              <a:rPr lang="en-US" dirty="0"/>
+            </a:br>
+            <a:br>
+              <a:rPr lang="en-US" dirty="0"/>
+            </a:br>
+            <a:br>
+              <a:rPr lang="en-US" dirty="0"/>
+            </a:br>
+            <a:br>
+              <a:rPr lang="en-US" dirty="0"/>
+            </a:br>
+            <a:br>
+              <a:rPr lang="en-US" dirty="0"/>
+            </a:br>
+            <a:br>
+              <a:rPr lang="en-US" dirty="0"/>
+            </a:br>
+            <a:br>
+              <a:rPr lang="en-US" dirty="0"/>
+            </a:br>
+            <a:br>
+              <a:rPr lang="en-US" dirty="0"/>
+            </a:br>
             <a:endParaRPr lang="en-AU" dirty="0"/>
           </a:p>
         </p:txBody>
@@ -7158,8 +8556,8 @@
         </p:nvSpPr>
         <p:spPr>
           <a:xfrm>
-            <a:off x="3867912" y="625642"/>
-            <a:ext cx="3474720" cy="5363678"/>
+            <a:off x="3867911" y="625642"/>
+            <a:ext cx="6817505" cy="5363678"/>
           </a:xfrm>
         </p:spPr>
         <p:txBody>
@@ -7177,13 +8575,8 @@
                   <a:srgbClr val="FF0000"/>
                 </a:solidFill>
               </a:rPr>
-              <a:t>    ATTACKER ROLE</a:t>
-            </a:r>
-          </a:p>
-          <a:p>
-            <a:pPr marL="0" indent="0">
-              <a:buNone/>
-            </a:pPr>
+              <a:t>    </a:t>
+            </a:r>
             <a:endParaRPr lang="en-US" sz="2400" dirty="0">
               <a:solidFill>
                 <a:schemeClr val="tx1"/>
@@ -7207,7 +8600,7 @@
                 <a:effectLst/>
                 <a:latin typeface="Corbel" panose="020B0503020204020204" pitchFamily="34" charset="0"/>
               </a:rPr>
-              <a:t>Discovery / Enumeration</a:t>
+              <a:t>Discovery</a:t>
             </a:r>
           </a:p>
           <a:p>
@@ -7228,6 +8621,23 @@
             </a:endParaRPr>
           </a:p>
           <a:p>
+            <a:pPr marL="0" indent="0">
+              <a:spcBef>
+                <a:spcPts val="0"/>
+              </a:spcBef>
+            </a:pPr>
+            <a:r>
+              <a:rPr lang="en-US" sz="2400" i="0" u="none" strike="noStrike" kern="1200" dirty="0">
+                <a:solidFill>
+                  <a:schemeClr val="tx1"/>
+                </a:solidFill>
+                <a:effectLst/>
+                <a:latin typeface="Corbel" panose="020B0503020204020204" pitchFamily="34" charset="0"/>
+              </a:rPr>
+              <a:t>  Enumeration</a:t>
+            </a:r>
+          </a:p>
+          <a:p>
             <a:pPr marL="0" marR="0" indent="0" algn="l" rtl="0" eaLnBrk="1" fontAlgn="auto" latinLnBrk="0" hangingPunct="1">
               <a:spcBef>
                 <a:spcPts val="0"/>
@@ -7235,26 +8645,7 @@
               <a:spcAft>
                 <a:spcPts val="0"/>
               </a:spcAft>
-            </a:pPr>
-            <a:r>
-              <a:rPr lang="en-US" sz="2400" i="0" u="none" strike="noStrike" kern="1200" dirty="0">
-                <a:solidFill>
-                  <a:schemeClr val="tx1"/>
-                </a:solidFill>
-                <a:effectLst/>
-                <a:latin typeface="Corbel" panose="020B0503020204020204" pitchFamily="34" charset="0"/>
-              </a:rPr>
-              <a:t>  Network  Topology</a:t>
-            </a:r>
-          </a:p>
-          <a:p>
-            <a:pPr marL="0" marR="0" indent="0" algn="l" rtl="0" eaLnBrk="1" fontAlgn="auto" latinLnBrk="0" hangingPunct="1">
-              <a:spcBef>
-                <a:spcPts val="0"/>
-              </a:spcBef>
-              <a:spcAft>
-                <a:spcPts val="0"/>
-              </a:spcAft>
+              <a:buNone/>
             </a:pPr>
             <a:endParaRPr lang="en-AU" sz="2400" i="0" u="none" strike="noStrike" dirty="0">
               <a:solidFill>
@@ -7281,7 +8672,7 @@
                 <a:effectLst/>
                 <a:latin typeface="Corbel" panose="020B0503020204020204" pitchFamily="34" charset="0"/>
               </a:rPr>
-              <a:t>Critical  Vulnerabilities</a:t>
+              <a:t>Identify Critical  Vulnerabilities</a:t>
             </a:r>
           </a:p>
           <a:p>
@@ -7455,283 +8846,8 @@
                   <a:srgbClr val="0070C0"/>
                 </a:solidFill>
               </a:rPr>
-              <a:t>    DEFENDER ROLE</a:t>
-            </a:r>
-          </a:p>
-          <a:p>
-            <a:endParaRPr lang="en-US" sz="2400" dirty="0"/>
-          </a:p>
-          <a:p>
-            <a:pPr marL="0" algn="l" rtl="0" eaLnBrk="1" fontAlgn="t" latinLnBrk="0" hangingPunct="1">
-              <a:spcBef>
-                <a:spcPts val="0"/>
-              </a:spcBef>
-              <a:spcAft>
-                <a:spcPts val="0"/>
-              </a:spcAft>
-            </a:pPr>
-            <a:r>
-              <a:rPr lang="en-US" sz="2400" i="0" u="none" strike="noStrike" kern="1200" dirty="0">
-                <a:solidFill>
-                  <a:schemeClr val="tx1"/>
-                </a:solidFill>
-                <a:effectLst/>
-                <a:latin typeface="Corbel" panose="020B0503020204020204" pitchFamily="34" charset="0"/>
-              </a:rPr>
-              <a:t>Monitoring of  Activity</a:t>
-            </a:r>
-          </a:p>
-          <a:p>
-            <a:pPr marL="0" algn="l" rtl="0" eaLnBrk="1" fontAlgn="t" latinLnBrk="0" hangingPunct="1">
-              <a:spcBef>
-                <a:spcPts val="0"/>
-              </a:spcBef>
-              <a:spcAft>
-                <a:spcPts val="0"/>
-              </a:spcAft>
-            </a:pPr>
-            <a:endParaRPr lang="en-AU" sz="2400" b="0" i="0" u="none" strike="noStrike" dirty="0">
-              <a:solidFill>
-                <a:schemeClr val="tx1"/>
-              </a:solidFill>
-              <a:effectLst/>
-              <a:latin typeface="Arial" panose="020B0604020202020204" pitchFamily="34" charset="0"/>
-            </a:endParaRPr>
-          </a:p>
-          <a:p>
-            <a:pPr marL="0" marR="0" indent="0" algn="l" rtl="0" eaLnBrk="1" fontAlgn="auto" latinLnBrk="0" hangingPunct="1">
-              <a:spcBef>
-                <a:spcPts val="0"/>
-              </a:spcBef>
-              <a:spcAft>
-                <a:spcPts val="0"/>
-              </a:spcAft>
-            </a:pPr>
-            <a:r>
-              <a:rPr lang="en-US" sz="2400" b="0" i="0" u="none" strike="noStrike" kern="1200" dirty="0">
-                <a:solidFill>
-                  <a:schemeClr val="tx1"/>
-                </a:solidFill>
-                <a:effectLst/>
-                <a:latin typeface="Corbel" panose="020B0503020204020204" pitchFamily="34" charset="0"/>
-              </a:rPr>
-              <a:t>  Alerts  Criteria</a:t>
-            </a:r>
-          </a:p>
-          <a:p>
-            <a:pPr marL="0" marR="0" indent="0" algn="l" rtl="0" eaLnBrk="1" fontAlgn="auto" latinLnBrk="0" hangingPunct="1">
-              <a:spcBef>
-                <a:spcPts val="0"/>
-              </a:spcBef>
-              <a:spcAft>
-                <a:spcPts val="0"/>
-              </a:spcAft>
-            </a:pPr>
-            <a:endParaRPr lang="en-AU" sz="2400" b="0" i="0" u="none" strike="noStrike" dirty="0">
-              <a:solidFill>
-                <a:schemeClr val="tx1"/>
-              </a:solidFill>
-              <a:effectLst/>
-              <a:latin typeface="Arial" panose="020B0604020202020204" pitchFamily="34" charset="0"/>
-            </a:endParaRPr>
-          </a:p>
-          <a:p>
-            <a:pPr marL="0" algn="l" rtl="0" eaLnBrk="1" fontAlgn="t" latinLnBrk="0" hangingPunct="1">
-              <a:spcBef>
-                <a:spcPts val="0"/>
-              </a:spcBef>
-              <a:spcAft>
-                <a:spcPts val="0"/>
-              </a:spcAft>
-            </a:pPr>
-            <a:r>
-              <a:rPr lang="en-US" sz="2400" b="0" i="0" u="none" strike="noStrike" kern="1200" dirty="0">
-                <a:solidFill>
-                  <a:schemeClr val="tx1"/>
-                </a:solidFill>
-                <a:effectLst/>
-                <a:latin typeface="Corbel" panose="020B0503020204020204" pitchFamily="34" charset="0"/>
-              </a:rPr>
-              <a:t>Hardening  Systems</a:t>
-            </a:r>
-          </a:p>
-          <a:p>
-            <a:pPr marL="0" indent="0" algn="l" rtl="0" eaLnBrk="1" fontAlgn="t" latinLnBrk="0" hangingPunct="1">
-              <a:spcBef>
-                <a:spcPts val="0"/>
-              </a:spcBef>
-              <a:spcAft>
-                <a:spcPts val="0"/>
-              </a:spcAft>
-              <a:buNone/>
-            </a:pPr>
-            <a:endParaRPr lang="en-AU" sz="2400" b="0" i="0" u="none" strike="noStrike" dirty="0">
-              <a:solidFill>
-                <a:schemeClr val="tx1"/>
-              </a:solidFill>
-              <a:effectLst/>
-              <a:latin typeface="Arial" panose="020B0604020202020204" pitchFamily="34" charset="0"/>
-            </a:endParaRPr>
-          </a:p>
-          <a:p>
-            <a:pPr marL="0" algn="l" rtl="0" eaLnBrk="1" fontAlgn="t" latinLnBrk="0" hangingPunct="1">
-              <a:spcBef>
-                <a:spcPts val="0"/>
-              </a:spcBef>
-              <a:spcAft>
-                <a:spcPts val="0"/>
-              </a:spcAft>
-            </a:pPr>
-            <a:r>
-              <a:rPr lang="en-US" sz="2400" b="0" i="0" u="none" strike="noStrike" kern="1200" dirty="0">
-                <a:solidFill>
-                  <a:schemeClr val="tx1"/>
-                </a:solidFill>
-                <a:effectLst/>
-                <a:latin typeface="Corbel" panose="020B0503020204020204" pitchFamily="34" charset="0"/>
-              </a:rPr>
-              <a:t>Patching  Components</a:t>
-            </a:r>
-          </a:p>
-          <a:p>
-            <a:pPr marL="0" algn="l" rtl="0" eaLnBrk="1" fontAlgn="t" latinLnBrk="0" hangingPunct="1">
-              <a:spcBef>
-                <a:spcPts val="0"/>
-              </a:spcBef>
-              <a:spcAft>
-                <a:spcPts val="0"/>
-              </a:spcAft>
-            </a:pPr>
-            <a:endParaRPr lang="en-US" sz="2400" b="0" i="0" u="none" strike="noStrike" kern="1200" dirty="0">
-              <a:solidFill>
-                <a:schemeClr val="tx1"/>
-              </a:solidFill>
-              <a:effectLst/>
-              <a:latin typeface="Corbel" panose="020B0503020204020204" pitchFamily="34" charset="0"/>
-            </a:endParaRPr>
-          </a:p>
-          <a:p>
-            <a:pPr marL="0" indent="0" algn="l" rtl="0" eaLnBrk="1" fontAlgn="t" latinLnBrk="0" hangingPunct="1">
-              <a:spcBef>
-                <a:spcPts val="0"/>
-              </a:spcBef>
-              <a:spcAft>
-                <a:spcPts val="0"/>
-              </a:spcAft>
-              <a:buNone/>
-            </a:pPr>
-            <a:r>
-              <a:rPr lang="en-US" b="1" i="0" u="none" strike="noStrike" kern="1200" dirty="0">
-                <a:solidFill>
-                  <a:srgbClr val="FFFF00"/>
-                </a:solidFill>
-                <a:effectLst/>
-                <a:latin typeface="Corbel" panose="020B0503020204020204" pitchFamily="34" charset="0"/>
-              </a:rPr>
-              <a:t>NETWORK  ANALYST  ROLE</a:t>
-            </a:r>
-          </a:p>
-          <a:p>
-            <a:pPr marL="0" indent="0" algn="l" rtl="0" eaLnBrk="1" fontAlgn="t" latinLnBrk="0" hangingPunct="1">
-              <a:spcBef>
-                <a:spcPts val="0"/>
-              </a:spcBef>
-              <a:spcAft>
-                <a:spcPts val="0"/>
-              </a:spcAft>
-              <a:buNone/>
-            </a:pPr>
-            <a:endParaRPr lang="en-US" b="0" i="0" u="none" strike="noStrike" kern="1200" dirty="0">
-              <a:solidFill>
-                <a:schemeClr val="tx1"/>
-              </a:solidFill>
-              <a:effectLst/>
-              <a:latin typeface="Corbel" panose="020B0503020204020204" pitchFamily="34" charset="0"/>
-            </a:endParaRPr>
-          </a:p>
-          <a:p>
-            <a:pPr fontAlgn="t">
-              <a:spcBef>
-                <a:spcPts val="0"/>
-              </a:spcBef>
-            </a:pPr>
-            <a:r>
-              <a:rPr lang="en-US" sz="2400" dirty="0">
-                <a:solidFill>
-                  <a:schemeClr val="tx1"/>
-                </a:solidFill>
-                <a:latin typeface="Corbel" panose="020B0503020204020204" pitchFamily="34" charset="0"/>
-              </a:rPr>
-              <a:t>Packet Capture/Analysis</a:t>
-            </a:r>
-          </a:p>
-          <a:p>
-            <a:pPr marL="0" indent="0" fontAlgn="t">
-              <a:spcBef>
-                <a:spcPts val="0"/>
-              </a:spcBef>
-              <a:buNone/>
-            </a:pPr>
-            <a:endParaRPr lang="en-US" sz="2400" dirty="0">
-              <a:solidFill>
-                <a:schemeClr val="tx1"/>
-              </a:solidFill>
-              <a:latin typeface="Corbel" panose="020B0503020204020204" pitchFamily="34" charset="0"/>
-            </a:endParaRPr>
-          </a:p>
-          <a:p>
-            <a:pPr fontAlgn="t">
-              <a:spcBef>
-                <a:spcPts val="0"/>
-              </a:spcBef>
-            </a:pPr>
-            <a:r>
-              <a:rPr lang="en-US" sz="2400" dirty="0">
-                <a:solidFill>
-                  <a:schemeClr val="tx1"/>
-                </a:solidFill>
-                <a:latin typeface="Corbel" panose="020B0503020204020204" pitchFamily="34" charset="0"/>
-              </a:rPr>
-              <a:t>Normal Activity</a:t>
-            </a:r>
-          </a:p>
-          <a:p>
-            <a:pPr fontAlgn="t">
-              <a:spcBef>
-                <a:spcPts val="0"/>
-              </a:spcBef>
-            </a:pPr>
-            <a:endParaRPr lang="en-US" sz="2400" dirty="0">
-              <a:solidFill>
-                <a:schemeClr val="tx1"/>
-              </a:solidFill>
-              <a:latin typeface="Corbel" panose="020B0503020204020204" pitchFamily="34" charset="0"/>
-            </a:endParaRPr>
-          </a:p>
-          <a:p>
-            <a:pPr fontAlgn="t">
-              <a:spcBef>
-                <a:spcPts val="0"/>
-              </a:spcBef>
-            </a:pPr>
-            <a:r>
-              <a:rPr lang="en-US" sz="2400" dirty="0">
-                <a:solidFill>
-                  <a:schemeClr val="tx1"/>
-                </a:solidFill>
-                <a:latin typeface="Corbel" panose="020B0503020204020204" pitchFamily="34" charset="0"/>
-              </a:rPr>
-              <a:t>Malicious Activity </a:t>
-            </a:r>
-            <a:endParaRPr lang="en-AU" sz="2400" b="0" i="0" u="none" strike="noStrike" dirty="0">
-              <a:solidFill>
-                <a:schemeClr val="tx1"/>
-              </a:solidFill>
-              <a:effectLst/>
-              <a:latin typeface="Arial" panose="020B0604020202020204" pitchFamily="34" charset="0"/>
-            </a:endParaRPr>
-          </a:p>
-          <a:p>
+              <a:t>    </a:t>
+            </a:r>
             <a:endParaRPr lang="en-AU" dirty="0"/>
           </a:p>
         </p:txBody>
@@ -7739,7 +8855,7 @@
     </p:spTree>
     <p:extLst>
       <p:ext uri="{BB962C8B-B14F-4D97-AF65-F5344CB8AC3E}">
-        <p14:creationId xmlns:p14="http://schemas.microsoft.com/office/powerpoint/2010/main" val="955967466"/>
+        <p14:creationId xmlns:p14="http://schemas.microsoft.com/office/powerpoint/2010/main" val="4213771676"/>
       </p:ext>
     </p:extLst>
   </p:cSld>
@@ -7771,7 +8887,7 @@
           <p:cNvPr id="2" name="Title 1">
             <a:extLst>
               <a:ext uri="{FF2B5EF4-FFF2-40B4-BE49-F238E27FC236}">
-                <a16:creationId xmlns:a16="http://schemas.microsoft.com/office/drawing/2014/main" id="{CE653636-39E4-475F-90A8-F4F4FA216506}"/>
+                <a16:creationId xmlns:a16="http://schemas.microsoft.com/office/drawing/2014/main" id="{7CD1BAD3-7CE6-4C5B-BE72-36219B2AAD12}"/>
               </a:ext>
             </a:extLst>
           </p:cNvPr>
@@ -7784,47 +8900,153 @@
         </p:nvSpPr>
         <p:spPr>
           <a:xfrm>
-            <a:off x="96253" y="-365428"/>
-            <a:ext cx="5592278" cy="1409769"/>
+            <a:off x="252918" y="1632856"/>
+            <a:ext cx="4710967" cy="5225143"/>
           </a:xfrm>
         </p:spPr>
         <p:txBody>
           <a:bodyPr>
-            <a:noAutofit/>
+            <a:normAutofit fontScale="90000"/>
           </a:bodyPr>
           <a:lstStyle/>
           <a:p>
-            <a:pPr>
-              <a:buClr>
-                <a:schemeClr val="dk1"/>
-              </a:buClr>
-              <a:buSzPts val="2900"/>
-            </a:pPr>
-            <a:r>
-              <a:rPr lang="en-US" b="1" u="sng" dirty="0">
+            <a:br>
+              <a:rPr lang="en-US" dirty="0"/>
+            </a:br>
+            <a:br>
+              <a:rPr lang="en-US" dirty="0"/>
+            </a:br>
+            <a:r>
+              <a:rPr lang="en-US" sz="4000" dirty="0"/>
+              <a:t>DEFENDER</a:t>
+            </a:r>
+            <a:br>
+              <a:rPr lang="en-US" sz="4000" dirty="0"/>
+            </a:br>
+            <a:br>
+              <a:rPr lang="en-US" sz="4000" dirty="0"/>
+            </a:br>
+            <a:r>
+              <a:rPr lang="en-US" sz="4000" dirty="0">
                 <a:solidFill>
-                  <a:schemeClr val="tx1"/>
+                  <a:srgbClr val="0070C0"/>
                 </a:solidFill>
               </a:rPr>
-              <a:t>NETWORK  SCHEMATIC</a:t>
-            </a:r>
-            <a:br>
-              <a:rPr lang="en-US" b="1" u="sng" dirty="0">
+              <a:t>BLUE TEAM</a:t>
+            </a:r>
+            <a:br>
+              <a:rPr lang="en-US" sz="4000" dirty="0">
                 <a:solidFill>
-                  <a:schemeClr val="tx1"/>
+                  <a:srgbClr val="0070C0"/>
                 </a:solidFill>
               </a:rPr>
             </a:br>
+            <a:br>
+              <a:rPr lang="en-US" sz="4000" dirty="0">
+                <a:solidFill>
+                  <a:srgbClr val="0070C0"/>
+                </a:solidFill>
+              </a:rPr>
+            </a:br>
+            <a:r>
+              <a:rPr lang="en-US" dirty="0">
+                <a:solidFill>
+                  <a:srgbClr val="0070C0"/>
+                </a:solidFill>
+              </a:rPr>
+              <a:t>SECURITY</a:t>
+            </a:r>
+            <a:br>
+              <a:rPr lang="en-US" dirty="0">
+                <a:solidFill>
+                  <a:srgbClr val="0070C0"/>
+                </a:solidFill>
+              </a:rPr>
+            </a:br>
+            <a:r>
+              <a:rPr lang="en-US" dirty="0">
+                <a:solidFill>
+                  <a:srgbClr val="0070C0"/>
+                </a:solidFill>
+              </a:rPr>
+              <a:t>OPERATIONS</a:t>
+            </a:r>
+            <a:br>
+              <a:rPr lang="en-US" dirty="0">
+                <a:solidFill>
+                  <a:srgbClr val="0070C0"/>
+                </a:solidFill>
+              </a:rPr>
+            </a:br>
+            <a:br>
+              <a:rPr lang="en-US" dirty="0">
+                <a:solidFill>
+                  <a:srgbClr val="0070C0"/>
+                </a:solidFill>
+              </a:rPr>
+            </a:br>
+            <a:r>
+              <a:rPr lang="en-US" dirty="0">
+                <a:solidFill>
+                  <a:srgbClr val="0070C0"/>
+                </a:solidFill>
+              </a:rPr>
+              <a:t>REMEDIATIONS</a:t>
+            </a:r>
+            <a:br>
+              <a:rPr lang="en-US" dirty="0">
+                <a:solidFill>
+                  <a:srgbClr val="0070C0"/>
+                </a:solidFill>
+              </a:rPr>
+            </a:br>
+            <a:br>
+              <a:rPr lang="en-US" dirty="0">
+                <a:solidFill>
+                  <a:srgbClr val="0070C0"/>
+                </a:solidFill>
+              </a:rPr>
+            </a:br>
+            <a:br>
+              <a:rPr lang="en-US" dirty="0"/>
+            </a:br>
+            <a:br>
+              <a:rPr lang="en-US" dirty="0"/>
+            </a:br>
+            <a:br>
+              <a:rPr lang="en-US" dirty="0"/>
+            </a:br>
+            <a:br>
+              <a:rPr lang="en-US" dirty="0"/>
+            </a:br>
+            <a:br>
+              <a:rPr lang="en-US" dirty="0"/>
+            </a:br>
+            <a:br>
+              <a:rPr lang="en-US" dirty="0"/>
+            </a:br>
+            <a:br>
+              <a:rPr lang="en-US" dirty="0"/>
+            </a:br>
+            <a:br>
+              <a:rPr lang="en-US" dirty="0"/>
+            </a:br>
+            <a:br>
+              <a:rPr lang="en-US" dirty="0"/>
+            </a:br>
+            <a:br>
+              <a:rPr lang="en-US" dirty="0"/>
+            </a:br>
             <a:endParaRPr lang="en-AU" dirty="0"/>
           </a:p>
         </p:txBody>
       </p:sp>
       <p:sp>
         <p:nvSpPr>
-          <p:cNvPr id="4" name="Text Placeholder 3">
+          <p:cNvPr id="3" name="Content Placeholder 2">
             <a:extLst>
               <a:ext uri="{FF2B5EF4-FFF2-40B4-BE49-F238E27FC236}">
-                <a16:creationId xmlns:a16="http://schemas.microsoft.com/office/drawing/2014/main" id="{F5416DCC-E0F8-4A5A-AC48-C7F01F562BDB}"/>
+                <a16:creationId xmlns:a16="http://schemas.microsoft.com/office/drawing/2014/main" id="{BD8D47B0-C6FF-425B-9ACD-3734B6384B6F}"/>
               </a:ext>
             </a:extLst>
           </p:cNvPr>
@@ -7832,13 +9054,13 @@
             <a:spLocks noGrp="1"/>
           </p:cNvSpPr>
           <p:nvPr>
-            <p:ph type="body" sz="half" idx="2"/>
+            <p:ph sz="half" idx="1"/>
           </p:nvPr>
         </p:nvSpPr>
         <p:spPr>
           <a:xfrm>
-            <a:off x="96253" y="2040556"/>
-            <a:ext cx="3330341" cy="3773103"/>
+            <a:off x="3867912" y="625642"/>
+            <a:ext cx="3474720" cy="5363678"/>
           </a:xfrm>
         </p:spPr>
         <p:txBody>
@@ -7847,649 +9069,318 @@
           </a:bodyPr>
           <a:lstStyle/>
           <a:p>
+            <a:pPr marL="0" indent="0">
+              <a:buNone/>
+            </a:pPr>
+            <a:r>
+              <a:rPr lang="en-US" sz="2400" b="1" dirty="0">
+                <a:solidFill>
+                  <a:srgbClr val="FF0000"/>
+                </a:solidFill>
+              </a:rPr>
+              <a:t>    </a:t>
+            </a:r>
+            <a:endParaRPr lang="en-AU" sz="2400" i="0" u="none" strike="noStrike" dirty="0">
+              <a:solidFill>
+                <a:schemeClr val="tx1"/>
+              </a:solidFill>
+              <a:effectLst/>
+              <a:latin typeface="Arial" panose="020B0604020202020204" pitchFamily="34" charset="0"/>
+            </a:endParaRPr>
+          </a:p>
+          <a:p>
             <a:endParaRPr lang="en-AU" dirty="0"/>
           </a:p>
         </p:txBody>
       </p:sp>
-      <p:graphicFrame>
-        <p:nvGraphicFramePr>
-          <p:cNvPr id="8" name="Table 8">
+      <p:sp>
+        <p:nvSpPr>
+          <p:cNvPr id="4" name="Content Placeholder 3">
             <a:extLst>
               <a:ext uri="{FF2B5EF4-FFF2-40B4-BE49-F238E27FC236}">
-                <a16:creationId xmlns:a16="http://schemas.microsoft.com/office/drawing/2014/main" id="{940E181F-D36C-45BB-96A6-0294B3424955}"/>
+                <a16:creationId xmlns:a16="http://schemas.microsoft.com/office/drawing/2014/main" id="{F47EA967-42F5-46AB-B462-9DF6A105306A}"/>
               </a:ext>
             </a:extLst>
           </p:cNvPr>
-          <p:cNvGraphicFramePr>
-            <a:graphicFrameLocks noGrp="1"/>
-          </p:cNvGraphicFramePr>
-          <p:nvPr>
-            <p:extLst>
-              <p:ext uri="{D42A27DB-BD31-4B8C-83A1-F6EECF244321}">
-                <p14:modId xmlns:p14="http://schemas.microsoft.com/office/powerpoint/2010/main" val="1924421891"/>
-              </p:ext>
-            </p:extLst>
-          </p:nvPr>
-        </p:nvGraphicFramePr>
-        <p:xfrm>
-          <a:off x="96253" y="734092"/>
-          <a:ext cx="3083477" cy="5697824"/>
-        </p:xfrm>
-        <a:graphic>
-          <a:graphicData uri="http://schemas.openxmlformats.org/drawingml/2006/table">
-            <a:tbl>
-              <a:tblPr firstRow="1" bandRow="1">
-                <a:tableStyleId>{5C22544A-7EE6-4342-B048-85BDC9FD1C3A}</a:tableStyleId>
-              </a:tblPr>
-              <a:tblGrid>
-                <a:gridCol w="3083477">
-                  <a:extLst>
-                    <a:ext uri="{9D8B030D-6E8A-4147-A177-3AD203B41FA5}">
-                      <a16:colId xmlns:a16="http://schemas.microsoft.com/office/drawing/2014/main" val="2362194864"/>
-                    </a:ext>
-                  </a:extLst>
-                </a:gridCol>
-              </a:tblGrid>
-              <a:tr h="856647">
-                <a:tc>
-                  <a:txBody>
-                    <a:bodyPr/>
-                    <a:lstStyle/>
-                    <a:p>
-                      <a:pPr marL="0" marR="0" lvl="0" indent="0" algn="l" defTabSz="914400" rtl="0" eaLnBrk="1" fontAlgn="auto" latinLnBrk="0" hangingPunct="1">
-                        <a:lnSpc>
-                          <a:spcPct val="100000"/>
-                        </a:lnSpc>
-                        <a:spcBef>
-                          <a:spcPts val="0"/>
-                        </a:spcBef>
-                        <a:spcAft>
-                          <a:spcPts val="0"/>
-                        </a:spcAft>
-                        <a:buClr>
-                          <a:schemeClr val="dk1"/>
-                        </a:buClr>
-                        <a:buSzPts val="2900"/>
-                        <a:buFontTx/>
-                        <a:buNone/>
-                        <a:tabLst/>
-                        <a:defRPr/>
-                      </a:pPr>
-                      <a:r>
-                        <a:rPr lang="en-US" sz="1600" b="0" dirty="0">
-                          <a:latin typeface="Roboto" panose="020B0604020202020204" charset="0"/>
-                          <a:ea typeface="Roboto" panose="020B0604020202020204" charset="0"/>
-                        </a:rPr>
-                        <a:t>Range: 192.168.1.0/24</a:t>
-                      </a:r>
-                      <a:br>
-                        <a:rPr lang="en-US" sz="1600" b="0" dirty="0">
-                          <a:latin typeface="Roboto" panose="020B0604020202020204" charset="0"/>
-                          <a:ea typeface="Roboto" panose="020B0604020202020204" charset="0"/>
-                        </a:rPr>
-                      </a:br>
-                      <a:r>
-                        <a:rPr lang="en-US" sz="1600" b="0" dirty="0">
-                          <a:solidFill>
-                            <a:schemeClr val="tx1"/>
-                          </a:solidFill>
-                          <a:latin typeface="Roboto" panose="020B0604020202020204" charset="0"/>
-                          <a:ea typeface="Roboto" panose="020B0604020202020204" charset="0"/>
-                        </a:rPr>
-                        <a:t>Mask: 255.255.255.0</a:t>
-                      </a:r>
-                      <a:br>
-                        <a:rPr lang="en-US" sz="1600" b="0" dirty="0">
-                          <a:solidFill>
-                            <a:srgbClr val="0070C0"/>
-                          </a:solidFill>
-                          <a:latin typeface="Roboto" panose="020B0604020202020204" charset="0"/>
-                          <a:ea typeface="Roboto" panose="020B0604020202020204" charset="0"/>
-                        </a:rPr>
-                      </a:br>
-                      <a:r>
-                        <a:rPr lang="en-US" sz="1600" b="0" dirty="0">
-                          <a:latin typeface="Roboto" panose="020B0604020202020204" charset="0"/>
-                          <a:ea typeface="Roboto" panose="020B0604020202020204" charset="0"/>
-                        </a:rPr>
-                        <a:t>Gateway: 192.168.1.1</a:t>
-                      </a:r>
-                      <a:endParaRPr lang="en-US" sz="1600" b="0" dirty="0">
-                        <a:latin typeface="Roboto Black"/>
-                        <a:ea typeface="Roboto Black"/>
-                        <a:cs typeface="Roboto Black"/>
-                        <a:sym typeface="Roboto Black"/>
-                      </a:endParaRPr>
-                    </a:p>
-                  </a:txBody>
-                  <a:tcPr/>
-                </a:tc>
-                <a:extLst>
-                  <a:ext uri="{0D108BD9-81ED-4DB2-BD59-A6C34878D82A}">
-                    <a16:rowId xmlns:a16="http://schemas.microsoft.com/office/drawing/2014/main" val="4087475458"/>
-                  </a:ext>
-                </a:extLst>
-              </a:tr>
-              <a:tr h="391647">
-                <a:tc>
-                  <a:txBody>
-                    <a:bodyPr/>
-                    <a:lstStyle/>
-                    <a:p>
-                      <a:pPr marL="0" marR="0" lvl="0" indent="0" algn="l" defTabSz="914400" rtl="0" eaLnBrk="1" fontAlgn="auto" latinLnBrk="0" hangingPunct="1">
-                        <a:lnSpc>
-                          <a:spcPct val="100000"/>
-                        </a:lnSpc>
-                        <a:spcBef>
-                          <a:spcPts val="0"/>
-                        </a:spcBef>
-                        <a:spcAft>
-                          <a:spcPts val="0"/>
-                        </a:spcAft>
-                        <a:buClr>
-                          <a:schemeClr val="dk1"/>
-                        </a:buClr>
-                        <a:buSzPts val="2900"/>
-                        <a:buFontTx/>
-                        <a:buNone/>
-                        <a:tabLst/>
-                        <a:defRPr/>
-                      </a:pPr>
-                      <a:r>
-                        <a:rPr lang="en-US" sz="1600" u="sng" dirty="0">
-                          <a:latin typeface="Roboto Black"/>
-                          <a:ea typeface="Roboto Black"/>
-                          <a:cs typeface="Roboto Black"/>
-                          <a:sym typeface="Roboto Black"/>
-                        </a:rPr>
-                        <a:t>MACHINES</a:t>
-                      </a:r>
-                    </a:p>
-                  </a:txBody>
-                  <a:tcPr/>
-                </a:tc>
-                <a:extLst>
-                  <a:ext uri="{0D108BD9-81ED-4DB2-BD59-A6C34878D82A}">
-                    <a16:rowId xmlns:a16="http://schemas.microsoft.com/office/drawing/2014/main" val="3897384708"/>
-                  </a:ext>
-                </a:extLst>
-              </a:tr>
-              <a:tr h="889906">
-                <a:tc>
-                  <a:txBody>
-                    <a:bodyPr/>
-                    <a:lstStyle/>
-                    <a:p>
-                      <a:pPr>
-                        <a:buClr>
-                          <a:schemeClr val="dk1"/>
-                        </a:buClr>
-                        <a:buSzPts val="2900"/>
-                      </a:pPr>
-                      <a:r>
-                        <a:rPr lang="en-US" sz="1600" u="none" dirty="0">
-                          <a:solidFill>
-                            <a:schemeClr val="bg1">
-                              <a:lumMod val="85000"/>
-                              <a:lumOff val="15000"/>
-                            </a:schemeClr>
-                          </a:solidFill>
-                          <a:latin typeface="Roboto" panose="020B0604020202020204" charset="0"/>
-                          <a:ea typeface="Roboto" panose="020B0604020202020204" charset="0"/>
-                        </a:rPr>
-                        <a:t>Capstone Server</a:t>
-                      </a:r>
-                    </a:p>
-                    <a:p>
-                      <a:pPr>
-                        <a:buClr>
-                          <a:schemeClr val="dk1"/>
-                        </a:buClr>
-                        <a:buSzPts val="2900"/>
-                      </a:pPr>
-                      <a:r>
-                        <a:rPr lang="en-US" sz="1600" dirty="0">
-                          <a:solidFill>
-                            <a:schemeClr val="bg1">
-                              <a:lumMod val="85000"/>
-                              <a:lumOff val="15000"/>
-                            </a:schemeClr>
-                          </a:solidFill>
-                          <a:latin typeface="Roboto" panose="020B0604020202020204" charset="0"/>
-                          <a:ea typeface="Roboto" panose="020B0604020202020204" charset="0"/>
-                        </a:rPr>
-                        <a:t>192.168.1.105</a:t>
-                      </a:r>
-                    </a:p>
-                    <a:p>
-                      <a:pPr>
-                        <a:buClr>
-                          <a:schemeClr val="dk1"/>
-                        </a:buClr>
-                        <a:buSzPts val="2900"/>
-                      </a:pPr>
-                      <a:r>
-                        <a:rPr lang="en-US" sz="1600" dirty="0">
-                          <a:solidFill>
-                            <a:schemeClr val="bg1">
-                              <a:lumMod val="85000"/>
-                              <a:lumOff val="15000"/>
-                            </a:schemeClr>
-                          </a:solidFill>
-                          <a:latin typeface="Roboto" panose="020B0604020202020204" charset="0"/>
-                          <a:ea typeface="Roboto" panose="020B0604020202020204" charset="0"/>
-                        </a:rPr>
-                        <a:t>Linux 4.15</a:t>
-                      </a:r>
-                      <a:endParaRPr lang="en-AU" sz="1600" dirty="0">
-                        <a:solidFill>
-                          <a:schemeClr val="bg1">
-                            <a:lumMod val="85000"/>
-                            <a:lumOff val="15000"/>
-                          </a:schemeClr>
-                        </a:solidFill>
-                      </a:endParaRPr>
-                    </a:p>
-                  </a:txBody>
-                  <a:tcPr/>
-                </a:tc>
-                <a:extLst>
-                  <a:ext uri="{0D108BD9-81ED-4DB2-BD59-A6C34878D82A}">
-                    <a16:rowId xmlns:a16="http://schemas.microsoft.com/office/drawing/2014/main" val="961881061"/>
-                  </a:ext>
-                </a:extLst>
-              </a:tr>
-              <a:tr h="889906">
-                <a:tc>
-                  <a:txBody>
-                    <a:bodyPr/>
-                    <a:lstStyle/>
-                    <a:p>
-                      <a:pPr>
-                        <a:buClr>
-                          <a:schemeClr val="dk1"/>
-                        </a:buClr>
-                        <a:buSzPts val="2900"/>
-                      </a:pPr>
-                      <a:r>
-                        <a:rPr lang="en-US" sz="1600" u="none" dirty="0">
-                          <a:solidFill>
-                            <a:schemeClr val="bg1">
-                              <a:lumMod val="85000"/>
-                              <a:lumOff val="15000"/>
-                            </a:schemeClr>
-                          </a:solidFill>
-                          <a:latin typeface="Roboto" panose="020B0604020202020204" charset="0"/>
-                          <a:ea typeface="Roboto" panose="020B0604020202020204" charset="0"/>
-                        </a:rPr>
-                        <a:t>Target 1 </a:t>
-                      </a:r>
-                    </a:p>
-                    <a:p>
-                      <a:pPr>
-                        <a:buClr>
-                          <a:schemeClr val="dk1"/>
-                        </a:buClr>
-                        <a:buSzPts val="2900"/>
-                      </a:pPr>
-                      <a:r>
-                        <a:rPr lang="en-US" sz="1600" dirty="0">
-                          <a:solidFill>
-                            <a:schemeClr val="bg1">
-                              <a:lumMod val="85000"/>
-                              <a:lumOff val="15000"/>
-                            </a:schemeClr>
-                          </a:solidFill>
-                          <a:latin typeface="Roboto" panose="020B0604020202020204" charset="0"/>
-                          <a:ea typeface="Roboto" panose="020B0604020202020204" charset="0"/>
-                        </a:rPr>
-                        <a:t>192.168.1.110</a:t>
-                      </a:r>
-                    </a:p>
-                    <a:p>
-                      <a:pPr>
-                        <a:buClr>
-                          <a:schemeClr val="dk1"/>
-                        </a:buClr>
-                        <a:buSzPts val="2900"/>
-                      </a:pPr>
-                      <a:r>
-                        <a:rPr lang="en-US" sz="1600" dirty="0">
-                          <a:solidFill>
-                            <a:schemeClr val="bg1">
-                              <a:lumMod val="85000"/>
-                              <a:lumOff val="15000"/>
-                            </a:schemeClr>
-                          </a:solidFill>
-                          <a:latin typeface="Roboto" panose="020B0604020202020204" charset="0"/>
-                          <a:ea typeface="Roboto" panose="020B0604020202020204" charset="0"/>
-                        </a:rPr>
-                        <a:t>Linux 3.16 </a:t>
-                      </a:r>
-                      <a:endParaRPr lang="en-AU" sz="1600" dirty="0">
-                        <a:solidFill>
-                          <a:schemeClr val="bg1">
-                            <a:lumMod val="85000"/>
-                            <a:lumOff val="15000"/>
-                          </a:schemeClr>
-                        </a:solidFill>
-                      </a:endParaRPr>
-                    </a:p>
-                  </a:txBody>
-                  <a:tcPr/>
-                </a:tc>
-                <a:extLst>
-                  <a:ext uri="{0D108BD9-81ED-4DB2-BD59-A6C34878D82A}">
-                    <a16:rowId xmlns:a16="http://schemas.microsoft.com/office/drawing/2014/main" val="1300489841"/>
-                  </a:ext>
-                </a:extLst>
-              </a:tr>
-              <a:tr h="889906">
-                <a:tc>
-                  <a:txBody>
-                    <a:bodyPr/>
-                    <a:lstStyle/>
-                    <a:p>
-                      <a:pPr>
-                        <a:buClr>
-                          <a:schemeClr val="dk1"/>
-                        </a:buClr>
-                        <a:buSzPts val="2900"/>
-                      </a:pPr>
-                      <a:r>
-                        <a:rPr lang="en-US" sz="1600" u="none" dirty="0">
-                          <a:solidFill>
-                            <a:schemeClr val="bg1">
-                              <a:lumMod val="85000"/>
-                              <a:lumOff val="15000"/>
-                            </a:schemeClr>
-                          </a:solidFill>
-                          <a:latin typeface="Roboto" panose="020B0604020202020204" charset="0"/>
-                          <a:ea typeface="Roboto" panose="020B0604020202020204" charset="0"/>
-                        </a:rPr>
-                        <a:t>Target 2</a:t>
-                      </a:r>
-                    </a:p>
-                    <a:p>
-                      <a:pPr>
-                        <a:buClr>
-                          <a:schemeClr val="dk1"/>
-                        </a:buClr>
-                        <a:buSzPts val="2900"/>
-                      </a:pPr>
-                      <a:r>
-                        <a:rPr lang="en-US" sz="1600" dirty="0">
-                          <a:solidFill>
-                            <a:schemeClr val="bg1">
-                              <a:lumMod val="85000"/>
-                              <a:lumOff val="15000"/>
-                            </a:schemeClr>
-                          </a:solidFill>
-                          <a:latin typeface="Roboto" panose="020B0604020202020204" charset="0"/>
-                          <a:ea typeface="Roboto" panose="020B0604020202020204" charset="0"/>
-                        </a:rPr>
-                        <a:t>192.168.1.115</a:t>
-                      </a:r>
-                    </a:p>
-                    <a:p>
-                      <a:pPr marL="0" indent="0">
-                        <a:buClr>
-                          <a:schemeClr val="dk1"/>
-                        </a:buClr>
-                        <a:buSzPts val="2900"/>
-                      </a:pPr>
-                      <a:r>
-                        <a:rPr lang="en-US" sz="1600" dirty="0">
-                          <a:solidFill>
-                            <a:schemeClr val="bg1">
-                              <a:lumMod val="85000"/>
-                              <a:lumOff val="15000"/>
-                            </a:schemeClr>
-                          </a:solidFill>
-                          <a:latin typeface="Roboto" panose="020B0604020202020204" charset="0"/>
-                          <a:ea typeface="Roboto" panose="020B0604020202020204" charset="0"/>
-                        </a:rPr>
-                        <a:t>Linux 3.16</a:t>
-                      </a:r>
-                      <a:endParaRPr lang="en-AU" sz="1600" dirty="0">
-                        <a:solidFill>
-                          <a:schemeClr val="bg1">
-                            <a:lumMod val="85000"/>
-                            <a:lumOff val="15000"/>
-                          </a:schemeClr>
-                        </a:solidFill>
-                      </a:endParaRPr>
-                    </a:p>
-                  </a:txBody>
-                  <a:tcPr/>
-                </a:tc>
-                <a:extLst>
-                  <a:ext uri="{0D108BD9-81ED-4DB2-BD59-A6C34878D82A}">
-                    <a16:rowId xmlns:a16="http://schemas.microsoft.com/office/drawing/2014/main" val="3826060058"/>
-                  </a:ext>
-                </a:extLst>
-              </a:tr>
-              <a:tr h="889906">
-                <a:tc>
-                  <a:txBody>
-                    <a:bodyPr/>
-                    <a:lstStyle/>
-                    <a:p>
-                      <a:pPr>
-                        <a:buClr>
-                          <a:schemeClr val="dk1"/>
-                        </a:buClr>
-                        <a:buSzPts val="2900"/>
-                      </a:pPr>
-                      <a:r>
-                        <a:rPr lang="en-US" sz="1600" u="none" dirty="0">
-                          <a:solidFill>
-                            <a:schemeClr val="bg1">
-                              <a:lumMod val="85000"/>
-                              <a:lumOff val="15000"/>
-                            </a:schemeClr>
-                          </a:solidFill>
-                          <a:latin typeface="Roboto" panose="020B0604020202020204" charset="0"/>
-                          <a:ea typeface="Roboto" panose="020B0604020202020204" charset="0"/>
-                        </a:rPr>
-                        <a:t>ELK Server</a:t>
-                      </a:r>
-                    </a:p>
-                    <a:p>
-                      <a:pPr>
-                        <a:buClr>
-                          <a:schemeClr val="dk1"/>
-                        </a:buClr>
-                        <a:buSzPts val="2900"/>
-                      </a:pPr>
-                      <a:r>
-                        <a:rPr lang="en-US" sz="1600" dirty="0">
-                          <a:solidFill>
-                            <a:schemeClr val="bg1">
-                              <a:lumMod val="85000"/>
-                              <a:lumOff val="15000"/>
-                            </a:schemeClr>
-                          </a:solidFill>
-                          <a:latin typeface="Roboto" panose="020B0604020202020204" charset="0"/>
-                          <a:ea typeface="Roboto" panose="020B0604020202020204" charset="0"/>
-                        </a:rPr>
-                        <a:t>192.168.1.100</a:t>
-                      </a:r>
-                    </a:p>
-                    <a:p>
-                      <a:pPr>
-                        <a:buClr>
-                          <a:schemeClr val="dk1"/>
-                        </a:buClr>
-                        <a:buSzPts val="2900"/>
-                      </a:pPr>
-                      <a:r>
-                        <a:rPr lang="en-US" sz="1600" dirty="0">
-                          <a:solidFill>
-                            <a:schemeClr val="bg1">
-                              <a:lumMod val="85000"/>
-                              <a:lumOff val="15000"/>
-                            </a:schemeClr>
-                          </a:solidFill>
-                          <a:latin typeface="Roboto" panose="020B0604020202020204" charset="0"/>
-                          <a:ea typeface="Roboto" panose="020B0604020202020204" charset="0"/>
-                        </a:rPr>
-                        <a:t>Linux 4.15</a:t>
-                      </a:r>
-                      <a:endParaRPr lang="en-AU" sz="1600" dirty="0">
-                        <a:solidFill>
-                          <a:schemeClr val="bg1">
-                            <a:lumMod val="85000"/>
-                            <a:lumOff val="15000"/>
-                          </a:schemeClr>
-                        </a:solidFill>
-                      </a:endParaRPr>
-                    </a:p>
-                  </a:txBody>
-                  <a:tcPr/>
-                </a:tc>
-                <a:extLst>
-                  <a:ext uri="{0D108BD9-81ED-4DB2-BD59-A6C34878D82A}">
-                    <a16:rowId xmlns:a16="http://schemas.microsoft.com/office/drawing/2014/main" val="640500661"/>
-                  </a:ext>
-                </a:extLst>
-              </a:tr>
-              <a:tr h="889906">
-                <a:tc>
-                  <a:txBody>
-                    <a:bodyPr/>
-                    <a:lstStyle/>
-                    <a:p>
-                      <a:pPr>
-                        <a:buClr>
-                          <a:schemeClr val="dk1"/>
-                        </a:buClr>
-                        <a:buSzPts val="2900"/>
-                      </a:pPr>
-                      <a:r>
-                        <a:rPr lang="en-US" sz="1600" u="none" dirty="0">
-                          <a:solidFill>
-                            <a:schemeClr val="bg1">
-                              <a:lumMod val="85000"/>
-                              <a:lumOff val="15000"/>
-                            </a:schemeClr>
-                          </a:solidFill>
-                          <a:latin typeface="Roboto" panose="020B0604020202020204" charset="0"/>
-                          <a:ea typeface="Roboto" panose="020B0604020202020204" charset="0"/>
-                        </a:rPr>
-                        <a:t>Kali </a:t>
-                      </a:r>
-                      <a:r>
-                        <a:rPr lang="en-US" sz="1600" u="none" dirty="0" err="1">
-                          <a:solidFill>
-                            <a:schemeClr val="bg1">
-                              <a:lumMod val="85000"/>
-                              <a:lumOff val="15000"/>
-                            </a:schemeClr>
-                          </a:solidFill>
-                          <a:latin typeface="Roboto" panose="020B0604020202020204" charset="0"/>
-                          <a:ea typeface="Roboto" panose="020B0604020202020204" charset="0"/>
-                        </a:rPr>
-                        <a:t>Pen.Test</a:t>
-                      </a:r>
-                      <a:r>
-                        <a:rPr lang="en-US" sz="1600" u="none" dirty="0">
-                          <a:solidFill>
-                            <a:schemeClr val="bg1">
-                              <a:lumMod val="85000"/>
-                              <a:lumOff val="15000"/>
-                            </a:schemeClr>
-                          </a:solidFill>
-                          <a:latin typeface="Roboto" panose="020B0604020202020204" charset="0"/>
-                          <a:ea typeface="Roboto" panose="020B0604020202020204" charset="0"/>
-                        </a:rPr>
-                        <a:t> Station</a:t>
-                      </a:r>
-                    </a:p>
-                    <a:p>
-                      <a:pPr marL="0" indent="0">
-                        <a:buClr>
-                          <a:schemeClr val="dk1"/>
-                        </a:buClr>
-                        <a:buSzPts val="2900"/>
-                      </a:pPr>
-                      <a:r>
-                        <a:rPr lang="en-US" sz="1600" dirty="0">
-                          <a:solidFill>
-                            <a:schemeClr val="bg1">
-                              <a:lumMod val="85000"/>
-                              <a:lumOff val="15000"/>
-                            </a:schemeClr>
-                          </a:solidFill>
-                          <a:latin typeface="Roboto" panose="020B0604020202020204" charset="0"/>
-                          <a:ea typeface="Roboto" panose="020B0604020202020204" charset="0"/>
-                        </a:rPr>
-                        <a:t>192.168.1.90</a:t>
-                      </a:r>
-                    </a:p>
-                    <a:p>
-                      <a:pPr marL="0" indent="0">
-                        <a:buClr>
-                          <a:schemeClr val="dk1"/>
-                        </a:buClr>
-                        <a:buSzPts val="2900"/>
-                      </a:pPr>
-                      <a:r>
-                        <a:rPr lang="en-US" sz="1600" dirty="0">
-                          <a:solidFill>
-                            <a:schemeClr val="bg1">
-                              <a:lumMod val="85000"/>
-                              <a:lumOff val="15000"/>
-                            </a:schemeClr>
-                          </a:solidFill>
-                          <a:latin typeface="Roboto" panose="020B0604020202020204" charset="0"/>
-                          <a:ea typeface="Roboto" panose="020B0604020202020204" charset="0"/>
-                        </a:rPr>
-                        <a:t>Linux 2.6.32</a:t>
-                      </a:r>
-                    </a:p>
-                  </a:txBody>
-                  <a:tcPr/>
-                </a:tc>
-                <a:extLst>
-                  <a:ext uri="{0D108BD9-81ED-4DB2-BD59-A6C34878D82A}">
-                    <a16:rowId xmlns:a16="http://schemas.microsoft.com/office/drawing/2014/main" val="221754512"/>
-                  </a:ext>
-                </a:extLst>
-              </a:tr>
-            </a:tbl>
-          </a:graphicData>
-        </a:graphic>
-      </p:graphicFrame>
-      <p:pic>
-        <p:nvPicPr>
-          <p:cNvPr id="12" name="Picture Placeholder 11">
-            <a:extLst>
-              <a:ext uri="{FF2B5EF4-FFF2-40B4-BE49-F238E27FC236}">
-                <a16:creationId xmlns:a16="http://schemas.microsoft.com/office/drawing/2014/main" id="{5C9DF0D1-08F1-4C72-AB44-767D372291D8}"/>
-              </a:ext>
-            </a:extLst>
-          </p:cNvPr>
-          <p:cNvPicPr>
-            <a:picLocks noGrp="1" noChangeAspect="1"/>
-          </p:cNvPicPr>
-          <p:nvPr>
-            <p:ph type="pic" idx="1"/>
-          </p:nvPr>
-        </p:nvPicPr>
-        <p:blipFill>
-          <a:blip r:embed="rId3"/>
-          <a:srcRect t="3277" b="3277"/>
-          <a:stretch>
-            <a:fillRect/>
-          </a:stretch>
-        </p:blipFill>
-        <p:spPr/>
-      </p:pic>
+          <p:cNvSpPr>
+            <a:spLocks noGrp="1"/>
+          </p:cNvSpPr>
+          <p:nvPr>
+            <p:ph sz="half" idx="2"/>
+          </p:nvPr>
+        </p:nvSpPr>
+        <p:spPr>
+          <a:xfrm>
+            <a:off x="3867912" y="625642"/>
+            <a:ext cx="7424928" cy="5986914"/>
+          </a:xfrm>
+        </p:spPr>
+        <p:txBody>
+          <a:bodyPr>
+            <a:normAutofit/>
+          </a:bodyPr>
+          <a:lstStyle/>
+          <a:p>
+            <a:pPr marL="0" indent="0">
+              <a:buNone/>
+            </a:pPr>
+            <a:r>
+              <a:rPr lang="en-US" sz="2400" b="1" dirty="0">
+                <a:solidFill>
+                  <a:srgbClr val="0070C0"/>
+                </a:solidFill>
+              </a:rPr>
+              <a:t> </a:t>
+            </a:r>
+            <a:endParaRPr lang="en-US" sz="2400" dirty="0"/>
+          </a:p>
+          <a:p>
+            <a:pPr marL="0" algn="l" rtl="0" eaLnBrk="1" fontAlgn="t" latinLnBrk="0" hangingPunct="1">
+              <a:spcBef>
+                <a:spcPts val="0"/>
+              </a:spcBef>
+              <a:spcAft>
+                <a:spcPts val="0"/>
+              </a:spcAft>
+            </a:pPr>
+            <a:r>
+              <a:rPr lang="en-US" sz="2400" i="0" u="none" strike="noStrike" kern="1200" dirty="0">
+                <a:solidFill>
+                  <a:schemeClr val="tx1"/>
+                </a:solidFill>
+                <a:effectLst/>
+                <a:latin typeface="Corbel" panose="020B0503020204020204" pitchFamily="34" charset="0"/>
+              </a:rPr>
+              <a:t>Monitoring of  Activity</a:t>
+            </a:r>
+          </a:p>
+          <a:p>
+            <a:pPr marL="0" algn="l" rtl="0" eaLnBrk="1" fontAlgn="t" latinLnBrk="0" hangingPunct="1">
+              <a:spcBef>
+                <a:spcPts val="0"/>
+              </a:spcBef>
+              <a:spcAft>
+                <a:spcPts val="0"/>
+              </a:spcAft>
+            </a:pPr>
+            <a:endParaRPr lang="en-US" sz="2400" i="0" u="none" strike="noStrike" kern="1200" dirty="0">
+              <a:solidFill>
+                <a:schemeClr val="tx1"/>
+              </a:solidFill>
+              <a:effectLst/>
+              <a:latin typeface="Corbel" panose="020B0503020204020204" pitchFamily="34" charset="0"/>
+            </a:endParaRPr>
+          </a:p>
+          <a:p>
+            <a:pPr marL="0" algn="l" rtl="0" eaLnBrk="1" fontAlgn="t" latinLnBrk="0" hangingPunct="1">
+              <a:spcBef>
+                <a:spcPts val="0"/>
+              </a:spcBef>
+              <a:spcAft>
+                <a:spcPts val="0"/>
+              </a:spcAft>
+            </a:pPr>
+            <a:endParaRPr lang="en-AU" sz="2400" b="0" i="0" u="none" strike="noStrike" dirty="0">
+              <a:solidFill>
+                <a:schemeClr val="tx1"/>
+              </a:solidFill>
+              <a:effectLst/>
+              <a:latin typeface="Arial" panose="020B0604020202020204" pitchFamily="34" charset="0"/>
+            </a:endParaRPr>
+          </a:p>
+          <a:p>
+            <a:pPr marL="0" marR="0" indent="0" algn="l" rtl="0" eaLnBrk="1" fontAlgn="auto" latinLnBrk="0" hangingPunct="1">
+              <a:spcBef>
+                <a:spcPts val="0"/>
+              </a:spcBef>
+              <a:spcAft>
+                <a:spcPts val="0"/>
+              </a:spcAft>
+            </a:pPr>
+            <a:r>
+              <a:rPr lang="en-US" sz="2400" b="0" i="0" u="none" strike="noStrike" kern="1200" dirty="0">
+                <a:solidFill>
+                  <a:schemeClr val="tx1"/>
+                </a:solidFill>
+                <a:effectLst/>
+                <a:latin typeface="Corbel" panose="020B0503020204020204" pitchFamily="34" charset="0"/>
+              </a:rPr>
+              <a:t>  Alerts  Criteria</a:t>
+            </a:r>
+          </a:p>
+          <a:p>
+            <a:pPr marL="0" marR="0" indent="0" algn="l" rtl="0" eaLnBrk="1" fontAlgn="auto" latinLnBrk="0" hangingPunct="1">
+              <a:spcBef>
+                <a:spcPts val="0"/>
+              </a:spcBef>
+              <a:spcAft>
+                <a:spcPts val="0"/>
+              </a:spcAft>
+            </a:pPr>
+            <a:endParaRPr lang="en-US" sz="2400" b="0" i="0" u="none" strike="noStrike" kern="1200" dirty="0">
+              <a:solidFill>
+                <a:schemeClr val="tx1"/>
+              </a:solidFill>
+              <a:effectLst/>
+              <a:latin typeface="Corbel" panose="020B0503020204020204" pitchFamily="34" charset="0"/>
+            </a:endParaRPr>
+          </a:p>
+          <a:p>
+            <a:pPr marL="0" marR="0" indent="0" algn="l" rtl="0" eaLnBrk="1" fontAlgn="auto" latinLnBrk="0" hangingPunct="1">
+              <a:spcBef>
+                <a:spcPts val="0"/>
+              </a:spcBef>
+              <a:spcAft>
+                <a:spcPts val="0"/>
+              </a:spcAft>
+            </a:pPr>
+            <a:endParaRPr lang="en-AU" sz="2400" b="0" i="0" u="none" strike="noStrike" dirty="0">
+              <a:solidFill>
+                <a:schemeClr val="tx1"/>
+              </a:solidFill>
+              <a:effectLst/>
+              <a:latin typeface="Arial" panose="020B0604020202020204" pitchFamily="34" charset="0"/>
+            </a:endParaRPr>
+          </a:p>
+          <a:p>
+            <a:pPr marL="0" algn="l" rtl="0" eaLnBrk="1" fontAlgn="t" latinLnBrk="0" hangingPunct="1">
+              <a:spcBef>
+                <a:spcPts val="0"/>
+              </a:spcBef>
+              <a:spcAft>
+                <a:spcPts val="0"/>
+              </a:spcAft>
+            </a:pPr>
+            <a:r>
+              <a:rPr lang="en-US" sz="2400" b="0" i="0" u="none" strike="noStrike" kern="1200" dirty="0">
+                <a:solidFill>
+                  <a:schemeClr val="tx1"/>
+                </a:solidFill>
+                <a:effectLst/>
+                <a:latin typeface="Corbel" panose="020B0503020204020204" pitchFamily="34" charset="0"/>
+              </a:rPr>
+              <a:t>Hardening  Systems</a:t>
+            </a:r>
+          </a:p>
+          <a:p>
+            <a:pPr marL="0" indent="0" algn="l" rtl="0" eaLnBrk="1" fontAlgn="t" latinLnBrk="0" hangingPunct="1">
+              <a:spcBef>
+                <a:spcPts val="0"/>
+              </a:spcBef>
+              <a:spcAft>
+                <a:spcPts val="0"/>
+              </a:spcAft>
+              <a:buNone/>
+            </a:pPr>
+            <a:endParaRPr lang="en-US" sz="2400" b="0" i="0" u="none" strike="noStrike" kern="1200" dirty="0">
+              <a:solidFill>
+                <a:schemeClr val="tx1"/>
+              </a:solidFill>
+              <a:effectLst/>
+              <a:latin typeface="Corbel" panose="020B0503020204020204" pitchFamily="34" charset="0"/>
+            </a:endParaRPr>
+          </a:p>
+          <a:p>
+            <a:pPr marL="0" indent="0" algn="l" rtl="0" eaLnBrk="1" fontAlgn="t" latinLnBrk="0" hangingPunct="1">
+              <a:spcBef>
+                <a:spcPts val="0"/>
+              </a:spcBef>
+              <a:spcAft>
+                <a:spcPts val="0"/>
+              </a:spcAft>
+              <a:buNone/>
+            </a:pPr>
+            <a:endParaRPr lang="en-AU" sz="2400" b="0" i="0" u="none" strike="noStrike" dirty="0">
+              <a:solidFill>
+                <a:schemeClr val="tx1"/>
+              </a:solidFill>
+              <a:effectLst/>
+              <a:latin typeface="Arial" panose="020B0604020202020204" pitchFamily="34" charset="0"/>
+            </a:endParaRPr>
+          </a:p>
+          <a:p>
+            <a:pPr marL="0" algn="l" rtl="0" eaLnBrk="1" fontAlgn="t" latinLnBrk="0" hangingPunct="1">
+              <a:spcBef>
+                <a:spcPts val="0"/>
+              </a:spcBef>
+              <a:spcAft>
+                <a:spcPts val="0"/>
+              </a:spcAft>
+            </a:pPr>
+            <a:r>
+              <a:rPr lang="en-US" sz="2400" b="0" i="0" u="none" strike="noStrike" kern="1200" dirty="0">
+                <a:solidFill>
+                  <a:schemeClr val="tx1"/>
+                </a:solidFill>
+                <a:effectLst/>
+                <a:latin typeface="Corbel" panose="020B0503020204020204" pitchFamily="34" charset="0"/>
+              </a:rPr>
+              <a:t>Patching  Components</a:t>
+            </a:r>
+          </a:p>
+          <a:p>
+            <a:pPr marL="0" indent="0" algn="l" rtl="0" eaLnBrk="1" fontAlgn="t" latinLnBrk="0" hangingPunct="1">
+              <a:spcBef>
+                <a:spcPts val="0"/>
+              </a:spcBef>
+              <a:spcAft>
+                <a:spcPts val="0"/>
+              </a:spcAft>
+              <a:buNone/>
+            </a:pPr>
+            <a:endParaRPr lang="en-US" sz="2400" b="0" i="0" u="none" strike="noStrike" kern="1200" dirty="0">
+              <a:solidFill>
+                <a:schemeClr val="tx1"/>
+              </a:solidFill>
+              <a:effectLst/>
+              <a:latin typeface="Corbel" panose="020B0503020204020204" pitchFamily="34" charset="0"/>
+            </a:endParaRPr>
+          </a:p>
+          <a:p>
+            <a:pPr marL="0" algn="l" rtl="0" eaLnBrk="1" fontAlgn="t" latinLnBrk="0" hangingPunct="1">
+              <a:spcBef>
+                <a:spcPts val="0"/>
+              </a:spcBef>
+              <a:spcAft>
+                <a:spcPts val="0"/>
+              </a:spcAft>
+            </a:pPr>
+            <a:endParaRPr lang="en-US" sz="2400" b="0" i="0" u="none" strike="noStrike" kern="1200" dirty="0">
+              <a:solidFill>
+                <a:schemeClr val="tx1"/>
+              </a:solidFill>
+              <a:effectLst/>
+              <a:latin typeface="Corbel" panose="020B0503020204020204" pitchFamily="34" charset="0"/>
+            </a:endParaRPr>
+          </a:p>
+          <a:p>
+            <a:pPr marL="0" indent="0" algn="l" rtl="0" eaLnBrk="1" fontAlgn="t" latinLnBrk="0" hangingPunct="1">
+              <a:spcBef>
+                <a:spcPts val="0"/>
+              </a:spcBef>
+              <a:spcAft>
+                <a:spcPts val="0"/>
+              </a:spcAft>
+              <a:buNone/>
+            </a:pPr>
+            <a:r>
+              <a:rPr lang="en-US" sz="2400" b="1" i="0" u="none" strike="noStrike" kern="1200" dirty="0">
+                <a:solidFill>
+                  <a:srgbClr val="FFFF00"/>
+                </a:solidFill>
+                <a:effectLst/>
+                <a:latin typeface="Corbel" panose="020B0503020204020204" pitchFamily="34" charset="0"/>
+              </a:rPr>
+              <a:t>  </a:t>
+            </a:r>
+            <a:endParaRPr lang="en-AU" dirty="0"/>
+          </a:p>
+        </p:txBody>
+      </p:sp>
     </p:spTree>
     <p:extLst>
       <p:ext uri="{BB962C8B-B14F-4D97-AF65-F5344CB8AC3E}">
-        <p14:creationId xmlns:p14="http://schemas.microsoft.com/office/powerpoint/2010/main" val="476485258"/>
+        <p14:creationId xmlns:p14="http://schemas.microsoft.com/office/powerpoint/2010/main" val="3353167461"/>
       </p:ext>
     </p:extLst>
   </p:cSld>
@@ -8500,6 +9391,649 @@
 </file>
 
 <file path=ppt/slides/slide4.xml><?xml version="1.0" encoding="utf-8"?>
+<p:sld xmlns:a="http://schemas.openxmlformats.org/drawingml/2006/main" xmlns:r="http://schemas.openxmlformats.org/officeDocument/2006/relationships" xmlns:p="http://schemas.openxmlformats.org/presentationml/2006/main">
+  <p:cSld>
+    <p:spTree>
+      <p:nvGrpSpPr>
+        <p:cNvPr id="1" name=""/>
+        <p:cNvGrpSpPr/>
+        <p:nvPr/>
+      </p:nvGrpSpPr>
+      <p:grpSpPr>
+        <a:xfrm>
+          <a:off x="0" y="0"/>
+          <a:ext cx="0" cy="0"/>
+          <a:chOff x="0" y="0"/>
+          <a:chExt cx="0" cy="0"/>
+        </a:xfrm>
+      </p:grpSpPr>
+      <p:sp>
+        <p:nvSpPr>
+          <p:cNvPr id="2" name="Title 1">
+            <a:extLst>
+              <a:ext uri="{FF2B5EF4-FFF2-40B4-BE49-F238E27FC236}">
+                <a16:creationId xmlns:a16="http://schemas.microsoft.com/office/drawing/2014/main" id="{7CD1BAD3-7CE6-4C5B-BE72-36219B2AAD12}"/>
+              </a:ext>
+            </a:extLst>
+          </p:cNvPr>
+          <p:cNvSpPr>
+            <a:spLocks noGrp="1"/>
+          </p:cNvSpPr>
+          <p:nvPr>
+            <p:ph type="title"/>
+          </p:nvPr>
+        </p:nvSpPr>
+        <p:spPr>
+          <a:xfrm>
+            <a:off x="252919" y="0"/>
+            <a:ext cx="5403298" cy="3958045"/>
+          </a:xfrm>
+        </p:spPr>
+        <p:txBody>
+          <a:bodyPr>
+            <a:normAutofit fontScale="90000"/>
+          </a:bodyPr>
+          <a:lstStyle/>
+          <a:p>
+            <a:r>
+              <a:rPr lang="en-US" sz="4000" dirty="0"/>
+              <a:t>NETWORK  ANALYST</a:t>
+            </a:r>
+            <a:br>
+              <a:rPr lang="en-US" sz="4000" dirty="0"/>
+            </a:br>
+            <a:br>
+              <a:rPr lang="en-US" sz="4000" dirty="0"/>
+            </a:br>
+            <a:r>
+              <a:rPr lang="en-US" sz="3100" dirty="0">
+                <a:solidFill>
+                  <a:srgbClr val="FFFF00"/>
+                </a:solidFill>
+              </a:rPr>
+              <a:t>WIRESHARK</a:t>
+            </a:r>
+            <a:br>
+              <a:rPr lang="en-US" sz="3100" dirty="0">
+                <a:solidFill>
+                  <a:srgbClr val="FFFF00"/>
+                </a:solidFill>
+              </a:rPr>
+            </a:br>
+            <a:br>
+              <a:rPr lang="en-US" sz="3100" dirty="0">
+                <a:solidFill>
+                  <a:srgbClr val="FFFF00"/>
+                </a:solidFill>
+              </a:rPr>
+            </a:br>
+            <a:r>
+              <a:rPr lang="en-US" sz="3100" dirty="0">
+                <a:solidFill>
+                  <a:srgbClr val="FFFF00"/>
+                </a:solidFill>
+              </a:rPr>
+              <a:t>TRAFFIC  PROFILE</a:t>
+            </a:r>
+            <a:br>
+              <a:rPr lang="en-US" sz="3100" dirty="0">
+                <a:solidFill>
+                  <a:srgbClr val="FFFF00"/>
+                </a:solidFill>
+              </a:rPr>
+            </a:br>
+            <a:br>
+              <a:rPr lang="en-US" sz="3100" dirty="0">
+                <a:solidFill>
+                  <a:srgbClr val="FFFF00"/>
+                </a:solidFill>
+              </a:rPr>
+            </a:br>
+            <a:r>
+              <a:rPr lang="en-US" sz="3100" dirty="0">
+                <a:solidFill>
+                  <a:srgbClr val="FFFF00"/>
+                </a:solidFill>
+              </a:rPr>
+              <a:t>ACTIVITY </a:t>
+            </a:r>
+            <a:br>
+              <a:rPr lang="en-US" sz="3100" dirty="0">
+                <a:solidFill>
+                  <a:srgbClr val="FFFF00"/>
+                </a:solidFill>
+              </a:rPr>
+            </a:br>
+            <a:br>
+              <a:rPr lang="en-US" sz="3100" dirty="0">
+                <a:solidFill>
+                  <a:srgbClr val="FFFF00"/>
+                </a:solidFill>
+              </a:rPr>
+            </a:br>
+            <a:r>
+              <a:rPr lang="en-US" sz="3100" dirty="0">
+                <a:solidFill>
+                  <a:srgbClr val="FFFF00"/>
+                </a:solidFill>
+              </a:rPr>
+              <a:t>BEHAVIOURS</a:t>
+            </a:r>
+            <a:endParaRPr lang="en-AU" sz="3100" dirty="0">
+              <a:solidFill>
+                <a:srgbClr val="FFFF00"/>
+              </a:solidFill>
+            </a:endParaRPr>
+          </a:p>
+        </p:txBody>
+      </p:sp>
+      <p:sp>
+        <p:nvSpPr>
+          <p:cNvPr id="3" name="Content Placeholder 2">
+            <a:extLst>
+              <a:ext uri="{FF2B5EF4-FFF2-40B4-BE49-F238E27FC236}">
+                <a16:creationId xmlns:a16="http://schemas.microsoft.com/office/drawing/2014/main" id="{BD8D47B0-C6FF-425B-9ACD-3734B6384B6F}"/>
+              </a:ext>
+            </a:extLst>
+          </p:cNvPr>
+          <p:cNvSpPr>
+            <a:spLocks noGrp="1"/>
+          </p:cNvSpPr>
+          <p:nvPr>
+            <p:ph sz="half" idx="1"/>
+          </p:nvPr>
+        </p:nvSpPr>
+        <p:spPr>
+          <a:xfrm>
+            <a:off x="3867912" y="625642"/>
+            <a:ext cx="3474720" cy="5363678"/>
+          </a:xfrm>
+        </p:spPr>
+        <p:txBody>
+          <a:bodyPr>
+            <a:normAutofit lnSpcReduction="10000"/>
+          </a:bodyPr>
+          <a:lstStyle/>
+          <a:p>
+            <a:pPr marL="0" indent="0">
+              <a:buNone/>
+            </a:pPr>
+            <a:r>
+              <a:rPr lang="en-US" sz="2400" b="1" dirty="0">
+                <a:solidFill>
+                  <a:srgbClr val="FF0000"/>
+                </a:solidFill>
+              </a:rPr>
+              <a:t>    </a:t>
+            </a:r>
+            <a:endParaRPr lang="en-AU" sz="2400" i="0" u="none" strike="noStrike" dirty="0">
+              <a:solidFill>
+                <a:schemeClr val="tx1"/>
+              </a:solidFill>
+              <a:effectLst/>
+              <a:latin typeface="Arial" panose="020B0604020202020204" pitchFamily="34" charset="0"/>
+            </a:endParaRPr>
+          </a:p>
+          <a:p>
+            <a:endParaRPr lang="en-AU" dirty="0"/>
+          </a:p>
+        </p:txBody>
+      </p:sp>
+      <p:sp>
+        <p:nvSpPr>
+          <p:cNvPr id="4" name="Content Placeholder 3">
+            <a:extLst>
+              <a:ext uri="{FF2B5EF4-FFF2-40B4-BE49-F238E27FC236}">
+                <a16:creationId xmlns:a16="http://schemas.microsoft.com/office/drawing/2014/main" id="{F47EA967-42F5-46AB-B462-9DF6A105306A}"/>
+              </a:ext>
+            </a:extLst>
+          </p:cNvPr>
+          <p:cNvSpPr>
+            <a:spLocks noGrp="1"/>
+          </p:cNvSpPr>
+          <p:nvPr>
+            <p:ph sz="half" idx="2"/>
+          </p:nvPr>
+        </p:nvSpPr>
+        <p:spPr>
+          <a:xfrm>
+            <a:off x="3696789" y="1881051"/>
+            <a:ext cx="7596051" cy="4351308"/>
+          </a:xfrm>
+        </p:spPr>
+        <p:txBody>
+          <a:bodyPr>
+            <a:normAutofit lnSpcReduction="10000"/>
+          </a:bodyPr>
+          <a:lstStyle/>
+          <a:p>
+            <a:pPr marL="0" indent="0">
+              <a:buNone/>
+            </a:pPr>
+            <a:r>
+              <a:rPr lang="en-US" sz="2400" b="1" dirty="0">
+                <a:solidFill>
+                  <a:srgbClr val="0070C0"/>
+                </a:solidFill>
+              </a:rPr>
+              <a:t>    </a:t>
+            </a:r>
+            <a:endParaRPr lang="en-US" b="0" i="0" u="none" strike="noStrike" kern="1200" dirty="0">
+              <a:solidFill>
+                <a:schemeClr val="tx1"/>
+              </a:solidFill>
+              <a:effectLst/>
+              <a:latin typeface="Corbel" panose="020B0503020204020204" pitchFamily="34" charset="0"/>
+            </a:endParaRPr>
+          </a:p>
+          <a:p>
+            <a:pPr fontAlgn="t">
+              <a:spcBef>
+                <a:spcPts val="0"/>
+              </a:spcBef>
+            </a:pPr>
+            <a:r>
+              <a:rPr lang="en-US" sz="2400" dirty="0">
+                <a:solidFill>
+                  <a:schemeClr val="tx1"/>
+                </a:solidFill>
+                <a:latin typeface="Corbel" panose="020B0503020204020204" pitchFamily="34" charset="0"/>
+              </a:rPr>
+              <a:t>Packet Capture</a:t>
+            </a:r>
+          </a:p>
+          <a:p>
+            <a:pPr fontAlgn="t">
+              <a:spcBef>
+                <a:spcPts val="0"/>
+              </a:spcBef>
+            </a:pPr>
+            <a:endParaRPr lang="en-US" sz="2400" dirty="0">
+              <a:solidFill>
+                <a:schemeClr val="tx1"/>
+              </a:solidFill>
+              <a:latin typeface="Corbel" panose="020B0503020204020204" pitchFamily="34" charset="0"/>
+            </a:endParaRPr>
+          </a:p>
+          <a:p>
+            <a:pPr marL="0" indent="0" fontAlgn="t">
+              <a:spcBef>
+                <a:spcPts val="0"/>
+              </a:spcBef>
+              <a:buNone/>
+            </a:pPr>
+            <a:endParaRPr lang="en-US" sz="2400" dirty="0">
+              <a:solidFill>
+                <a:schemeClr val="tx1"/>
+              </a:solidFill>
+              <a:latin typeface="Corbel" panose="020B0503020204020204" pitchFamily="34" charset="0"/>
+            </a:endParaRPr>
+          </a:p>
+          <a:p>
+            <a:pPr fontAlgn="t">
+              <a:spcBef>
+                <a:spcPts val="0"/>
+              </a:spcBef>
+            </a:pPr>
+            <a:r>
+              <a:rPr lang="en-US" sz="2400" dirty="0">
+                <a:solidFill>
+                  <a:schemeClr val="tx1"/>
+                </a:solidFill>
+                <a:latin typeface="Corbel" panose="020B0503020204020204" pitchFamily="34" charset="0"/>
+              </a:rPr>
+              <a:t>Capture Analysis</a:t>
+            </a:r>
+          </a:p>
+          <a:p>
+            <a:pPr marL="0" indent="0" fontAlgn="t">
+              <a:spcBef>
+                <a:spcPts val="0"/>
+              </a:spcBef>
+              <a:buNone/>
+            </a:pPr>
+            <a:endParaRPr lang="en-US" sz="2400" dirty="0">
+              <a:solidFill>
+                <a:schemeClr val="tx1"/>
+              </a:solidFill>
+              <a:latin typeface="Corbel" panose="020B0503020204020204" pitchFamily="34" charset="0"/>
+            </a:endParaRPr>
+          </a:p>
+          <a:p>
+            <a:pPr marL="0" indent="0" fontAlgn="t">
+              <a:spcBef>
+                <a:spcPts val="0"/>
+              </a:spcBef>
+              <a:buNone/>
+            </a:pPr>
+            <a:endParaRPr lang="en-US" sz="2400" dirty="0">
+              <a:solidFill>
+                <a:schemeClr val="tx1"/>
+              </a:solidFill>
+              <a:latin typeface="Corbel" panose="020B0503020204020204" pitchFamily="34" charset="0"/>
+            </a:endParaRPr>
+          </a:p>
+          <a:p>
+            <a:pPr fontAlgn="t">
+              <a:spcBef>
+                <a:spcPts val="0"/>
+              </a:spcBef>
+            </a:pPr>
+            <a:r>
+              <a:rPr lang="en-US" sz="2400" dirty="0">
+                <a:solidFill>
+                  <a:schemeClr val="tx1"/>
+                </a:solidFill>
+                <a:latin typeface="Corbel" panose="020B0503020204020204" pitchFamily="34" charset="0"/>
+              </a:rPr>
+              <a:t>Normal Activity</a:t>
+            </a:r>
+          </a:p>
+          <a:p>
+            <a:pPr fontAlgn="t">
+              <a:spcBef>
+                <a:spcPts val="0"/>
+              </a:spcBef>
+            </a:pPr>
+            <a:endParaRPr lang="en-US" sz="2400" dirty="0">
+              <a:solidFill>
+                <a:schemeClr val="tx1"/>
+              </a:solidFill>
+              <a:latin typeface="Corbel" panose="020B0503020204020204" pitchFamily="34" charset="0"/>
+            </a:endParaRPr>
+          </a:p>
+          <a:p>
+            <a:pPr fontAlgn="t">
+              <a:spcBef>
+                <a:spcPts val="0"/>
+              </a:spcBef>
+            </a:pPr>
+            <a:endParaRPr lang="en-US" sz="2400" dirty="0">
+              <a:solidFill>
+                <a:schemeClr val="tx1"/>
+              </a:solidFill>
+              <a:latin typeface="Corbel" panose="020B0503020204020204" pitchFamily="34" charset="0"/>
+            </a:endParaRPr>
+          </a:p>
+          <a:p>
+            <a:pPr fontAlgn="t">
+              <a:spcBef>
+                <a:spcPts val="0"/>
+              </a:spcBef>
+            </a:pPr>
+            <a:r>
+              <a:rPr lang="en-US" sz="2400" dirty="0">
+                <a:solidFill>
+                  <a:schemeClr val="tx1"/>
+                </a:solidFill>
+                <a:latin typeface="Corbel" panose="020B0503020204020204" pitchFamily="34" charset="0"/>
+              </a:rPr>
+              <a:t>Malicious Activity </a:t>
+            </a:r>
+          </a:p>
+          <a:p>
+            <a:pPr fontAlgn="t">
+              <a:spcBef>
+                <a:spcPts val="0"/>
+              </a:spcBef>
+            </a:pPr>
+            <a:endParaRPr lang="en-US" sz="2400" dirty="0">
+              <a:solidFill>
+                <a:schemeClr val="tx1"/>
+              </a:solidFill>
+              <a:latin typeface="Corbel" panose="020B0503020204020204" pitchFamily="34" charset="0"/>
+            </a:endParaRPr>
+          </a:p>
+          <a:p>
+            <a:pPr marL="0" indent="0" fontAlgn="t">
+              <a:spcBef>
+                <a:spcPts val="0"/>
+              </a:spcBef>
+              <a:buNone/>
+            </a:pPr>
+            <a:endParaRPr lang="en-US" sz="2400" dirty="0">
+              <a:solidFill>
+                <a:schemeClr val="tx1"/>
+              </a:solidFill>
+              <a:latin typeface="Corbel" panose="020B0503020204020204" pitchFamily="34" charset="0"/>
+            </a:endParaRPr>
+          </a:p>
+          <a:p>
+            <a:pPr fontAlgn="t">
+              <a:spcBef>
+                <a:spcPts val="0"/>
+              </a:spcBef>
+            </a:pPr>
+            <a:r>
+              <a:rPr lang="en-US" sz="2400" dirty="0">
+                <a:solidFill>
+                  <a:schemeClr val="tx1"/>
+                </a:solidFill>
+                <a:latin typeface="Corbel" panose="020B0503020204020204" pitchFamily="34" charset="0"/>
+              </a:rPr>
+              <a:t>Illegal Activity</a:t>
+            </a:r>
+          </a:p>
+          <a:p>
+            <a:pPr fontAlgn="t">
+              <a:spcBef>
+                <a:spcPts val="0"/>
+              </a:spcBef>
+            </a:pPr>
+            <a:endParaRPr lang="en-US" sz="2400" b="0" i="0" u="none" strike="noStrike" dirty="0">
+              <a:solidFill>
+                <a:schemeClr val="tx1"/>
+              </a:solidFill>
+              <a:effectLst/>
+              <a:latin typeface="Corbel" panose="020B0503020204020204" pitchFamily="34" charset="0"/>
+            </a:endParaRPr>
+          </a:p>
+          <a:p>
+            <a:pPr fontAlgn="t">
+              <a:spcBef>
+                <a:spcPts val="0"/>
+              </a:spcBef>
+            </a:pPr>
+            <a:endParaRPr lang="en-US" sz="2400" dirty="0">
+              <a:solidFill>
+                <a:schemeClr val="tx1"/>
+              </a:solidFill>
+              <a:latin typeface="Corbel" panose="020B0503020204020204" pitchFamily="34" charset="0"/>
+            </a:endParaRPr>
+          </a:p>
+          <a:p>
+            <a:pPr fontAlgn="t">
+              <a:spcBef>
+                <a:spcPts val="0"/>
+              </a:spcBef>
+            </a:pPr>
+            <a:endParaRPr lang="en-US" sz="2400" b="0" i="0" u="none" strike="noStrike" dirty="0">
+              <a:solidFill>
+                <a:schemeClr val="tx1"/>
+              </a:solidFill>
+              <a:effectLst/>
+              <a:latin typeface="Corbel" panose="020B0503020204020204" pitchFamily="34" charset="0"/>
+            </a:endParaRPr>
+          </a:p>
+          <a:p>
+            <a:pPr marL="0" indent="0" fontAlgn="t">
+              <a:spcBef>
+                <a:spcPts val="0"/>
+              </a:spcBef>
+              <a:buNone/>
+            </a:pPr>
+            <a:endParaRPr lang="en-US" sz="2400" dirty="0">
+              <a:solidFill>
+                <a:schemeClr val="tx1"/>
+              </a:solidFill>
+              <a:latin typeface="Corbel" panose="020B0503020204020204" pitchFamily="34" charset="0"/>
+            </a:endParaRPr>
+          </a:p>
+          <a:p>
+            <a:pPr fontAlgn="t">
+              <a:spcBef>
+                <a:spcPts val="0"/>
+              </a:spcBef>
+            </a:pPr>
+            <a:endParaRPr lang="en-AU" sz="2400" b="0" i="0" u="none" strike="noStrike" dirty="0">
+              <a:solidFill>
+                <a:schemeClr val="tx1"/>
+              </a:solidFill>
+              <a:effectLst/>
+              <a:latin typeface="Arial" panose="020B0604020202020204" pitchFamily="34" charset="0"/>
+            </a:endParaRPr>
+          </a:p>
+          <a:p>
+            <a:endParaRPr lang="en-AU" dirty="0"/>
+          </a:p>
+        </p:txBody>
+      </p:sp>
+    </p:spTree>
+    <p:extLst>
+      <p:ext uri="{BB962C8B-B14F-4D97-AF65-F5344CB8AC3E}">
+        <p14:creationId xmlns:p14="http://schemas.microsoft.com/office/powerpoint/2010/main" val="2954622010"/>
+      </p:ext>
+    </p:extLst>
+  </p:cSld>
+  <p:clrMapOvr>
+    <a:masterClrMapping/>
+  </p:clrMapOvr>
+</p:sld>
+</file>
+
+<file path=ppt/slides/slide5.xml><?xml version="1.0" encoding="utf-8"?>
+<p:sld xmlns:a="http://schemas.openxmlformats.org/drawingml/2006/main" xmlns:r="http://schemas.openxmlformats.org/officeDocument/2006/relationships" xmlns:p="http://schemas.openxmlformats.org/presentationml/2006/main">
+  <p:cSld>
+    <p:spTree>
+      <p:nvGrpSpPr>
+        <p:cNvPr id="1" name=""/>
+        <p:cNvGrpSpPr/>
+        <p:nvPr/>
+      </p:nvGrpSpPr>
+      <p:grpSpPr>
+        <a:xfrm>
+          <a:off x="0" y="0"/>
+          <a:ext cx="0" cy="0"/>
+          <a:chOff x="0" y="0"/>
+          <a:chExt cx="0" cy="0"/>
+        </a:xfrm>
+      </p:grpSpPr>
+      <p:sp>
+        <p:nvSpPr>
+          <p:cNvPr id="5" name="Title 4">
+            <a:extLst>
+              <a:ext uri="{FF2B5EF4-FFF2-40B4-BE49-F238E27FC236}">
+                <a16:creationId xmlns:a16="http://schemas.microsoft.com/office/drawing/2014/main" id="{88635A1E-921C-4F7E-82C0-0F586460ADDC}"/>
+              </a:ext>
+            </a:extLst>
+          </p:cNvPr>
+          <p:cNvSpPr>
+            <a:spLocks noGrp="1"/>
+          </p:cNvSpPr>
+          <p:nvPr>
+            <p:ph type="title"/>
+          </p:nvPr>
+        </p:nvSpPr>
+        <p:spPr>
+          <a:xfrm>
+            <a:off x="122290" y="0"/>
+            <a:ext cx="3091173" cy="4297680"/>
+          </a:xfrm>
+        </p:spPr>
+        <p:txBody>
+          <a:bodyPr>
+            <a:normAutofit fontScale="90000"/>
+          </a:bodyPr>
+          <a:lstStyle/>
+          <a:p>
+            <a:r>
+              <a:rPr lang="en-AU" dirty="0"/>
+              <a:t>NETWORK </a:t>
+            </a:r>
+            <a:br>
+              <a:rPr lang="en-AU" dirty="0"/>
+            </a:br>
+            <a:br>
+              <a:rPr lang="en-AU" dirty="0"/>
+            </a:br>
+            <a:r>
+              <a:rPr lang="en-AU" dirty="0"/>
+              <a:t>SCHEMATIC</a:t>
+            </a:r>
+            <a:br>
+              <a:rPr lang="en-AU" dirty="0"/>
+            </a:br>
+            <a:br>
+              <a:rPr lang="en-AU" dirty="0"/>
+            </a:br>
+            <a:r>
+              <a:rPr lang="en-AU" dirty="0"/>
+              <a:t>TARGETS</a:t>
+            </a:r>
+            <a:br>
+              <a:rPr lang="en-AU" dirty="0"/>
+            </a:br>
+            <a:br>
+              <a:rPr lang="en-AU" dirty="0"/>
+            </a:br>
+            <a:r>
+              <a:rPr lang="en-AU" dirty="0"/>
+              <a:t>ELK STACK</a:t>
+            </a:r>
+            <a:br>
+              <a:rPr lang="en-AU" dirty="0"/>
+            </a:br>
+            <a:br>
+              <a:rPr lang="en-AU" dirty="0"/>
+            </a:br>
+            <a:endParaRPr lang="en-AU" dirty="0"/>
+          </a:p>
+        </p:txBody>
+      </p:sp>
+      <p:pic>
+        <p:nvPicPr>
+          <p:cNvPr id="7" name="Picture 6">
+            <a:extLst>
+              <a:ext uri="{FF2B5EF4-FFF2-40B4-BE49-F238E27FC236}">
+                <a16:creationId xmlns:a16="http://schemas.microsoft.com/office/drawing/2014/main" id="{F8158D23-D654-4DC4-87BD-FCAF8DBE3B59}"/>
+              </a:ext>
+            </a:extLst>
+          </p:cNvPr>
+          <p:cNvPicPr>
+            <a:picLocks noChangeAspect="1"/>
+          </p:cNvPicPr>
+          <p:nvPr/>
+        </p:nvPicPr>
+        <p:blipFill>
+          <a:blip r:embed="rId3"/>
+          <a:stretch>
+            <a:fillRect/>
+          </a:stretch>
+        </p:blipFill>
+        <p:spPr>
+          <a:xfrm>
+            <a:off x="2757263" y="151835"/>
+            <a:ext cx="9312447" cy="6523285"/>
+          </a:xfrm>
+          <a:prstGeom prst="rect">
+            <a:avLst/>
+          </a:prstGeom>
+        </p:spPr>
+      </p:pic>
+    </p:spTree>
+    <p:extLst>
+      <p:ext uri="{BB962C8B-B14F-4D97-AF65-F5344CB8AC3E}">
+        <p14:creationId xmlns:p14="http://schemas.microsoft.com/office/powerpoint/2010/main" val="219052793"/>
+      </p:ext>
+    </p:extLst>
+  </p:cSld>
+  <p:clrMapOvr>
+    <a:masterClrMapping/>
+  </p:clrMapOvr>
+</p:sld>
+</file>
+
+<file path=ppt/slides/slide6.xml><?xml version="1.0" encoding="utf-8"?>
 <p:sld xmlns:a="http://schemas.openxmlformats.org/drawingml/2006/main" xmlns:r="http://schemas.openxmlformats.org/officeDocument/2006/relationships" xmlns:p="http://schemas.openxmlformats.org/presentationml/2006/main">
   <p:cSld>
     <p:spTree>
@@ -9284,7 +10818,7 @@
 </p:sld>
 </file>
 
-<file path=ppt/slides/slide5.xml><?xml version="1.0" encoding="utf-8"?>
+<file path=ppt/slides/slide7.xml><?xml version="1.0" encoding="utf-8"?>
 <p:sld xmlns:a="http://schemas.openxmlformats.org/drawingml/2006/main" xmlns:r="http://schemas.openxmlformats.org/officeDocument/2006/relationships" xmlns:p="http://schemas.openxmlformats.org/presentationml/2006/main">
   <p:cSld>
     <p:spTree>
@@ -9792,7 +11326,7 @@
 </p:sld>
 </file>
 
-<file path=ppt/slides/slide6.xml><?xml version="1.0" encoding="utf-8"?>
+<file path=ppt/slides/slide8.xml><?xml version="1.0" encoding="utf-8"?>
 <p:sld xmlns:a="http://schemas.openxmlformats.org/drawingml/2006/main" xmlns:r="http://schemas.openxmlformats.org/officeDocument/2006/relationships" xmlns:p="http://schemas.openxmlformats.org/presentationml/2006/main">
   <p:cSld>
     <p:spTree>
@@ -9827,8 +11361,8 @@
         </p:nvSpPr>
         <p:spPr>
           <a:xfrm>
-            <a:off x="96253" y="83891"/>
-            <a:ext cx="4985886" cy="6116715"/>
+            <a:off x="0" y="1306286"/>
+            <a:ext cx="8347165" cy="4454434"/>
           </a:xfrm>
         </p:spPr>
         <p:txBody>
@@ -9838,17 +11372,27 @@
           <a:lstStyle/>
           <a:p>
             <a:r>
-              <a:rPr lang="en-US" dirty="0"/>
-              <a:t>Exploitation Target 1</a:t>
-            </a:r>
-            <a:br>
-              <a:rPr lang="en-US" dirty="0"/>
-            </a:br>
-            <a:br>
-              <a:rPr lang="en-US" dirty="0"/>
-            </a:br>
-            <a:r>
-              <a:rPr lang="en-US" sz="2000" dirty="0">
+              <a:rPr lang="en-US" sz="4000" dirty="0"/>
+              <a:t>Exploitation Target 1 </a:t>
+            </a:r>
+            <a:br>
+              <a:rPr lang="en-US" sz="4000" dirty="0"/>
+            </a:br>
+            <a:br>
+              <a:rPr lang="en-US" sz="2200" dirty="0"/>
+            </a:br>
+            <a:r>
+              <a:rPr lang="en-US" b="1" dirty="0"/>
+              <a:t>RED TEAM</a:t>
+            </a:r>
+            <a:br>
+              <a:rPr lang="en-US" sz="2200" dirty="0"/>
+            </a:br>
+            <a:br>
+              <a:rPr lang="en-US" sz="2200" dirty="0"/>
+            </a:br>
+            <a:r>
+              <a:rPr lang="en-US" sz="2200" dirty="0">
                 <a:solidFill>
                   <a:schemeClr val="tx1"/>
                 </a:solidFill>
@@ -9858,7 +11402,7 @@
               <a:t>Comments left in code</a:t>
             </a:r>
             <a:br>
-              <a:rPr lang="en-US" sz="2000" dirty="0">
+              <a:rPr lang="en-US" sz="2200" dirty="0">
                 <a:solidFill>
                   <a:schemeClr val="tx1"/>
                 </a:solidFill>
@@ -9867,7 +11411,7 @@
               </a:rPr>
             </a:br>
             <a:r>
-              <a:rPr lang="en-US" sz="2000" dirty="0">
+              <a:rPr lang="en-US" sz="2200" dirty="0">
                 <a:solidFill>
                   <a:schemeClr val="tx1"/>
                 </a:solidFill>
@@ -9877,7 +11421,7 @@
               <a:t> </a:t>
             </a:r>
             <a:br>
-              <a:rPr lang="en-US" sz="2000" dirty="0">
+              <a:rPr lang="en-US" sz="2200" dirty="0">
                 <a:solidFill>
                   <a:schemeClr val="tx1"/>
                 </a:solidFill>
@@ -9886,7 +11430,7 @@
               </a:rPr>
             </a:br>
             <a:r>
-              <a:rPr lang="en-US" sz="2000" dirty="0">
+              <a:rPr lang="en-US" sz="2200" dirty="0">
                 <a:solidFill>
                   <a:schemeClr val="tx1"/>
                 </a:solidFill>
@@ -9896,7 +11440,7 @@
               <a:t>Weak password </a:t>
             </a:r>
             <a:br>
-              <a:rPr lang="en-US" sz="2000" dirty="0">
+              <a:rPr lang="en-US" sz="2200" dirty="0">
                 <a:solidFill>
                   <a:schemeClr val="tx1"/>
                 </a:solidFill>
@@ -9905,17 +11449,17 @@
               </a:rPr>
             </a:br>
             <a:r>
-              <a:rPr lang="en-US" sz="2000" dirty="0">
+              <a:rPr lang="en-US" sz="2200" dirty="0">
                 <a:solidFill>
                   <a:schemeClr val="tx1"/>
                 </a:solidFill>
                 <a:effectLst/>
                 <a:latin typeface="Roboto Medium"/>
               </a:rPr>
-              <a:t>requirements led to</a:t>
-            </a:r>
-            <a:br>
-              <a:rPr lang="en-US" sz="2000" dirty="0">
+              <a:t>requirements, initial </a:t>
+            </a:r>
+            <a:br>
+              <a:rPr lang="en-US" sz="2200" dirty="0">
                 <a:solidFill>
                   <a:schemeClr val="tx1"/>
                 </a:solidFill>
@@ -9924,17 +11468,17 @@
               </a:rPr>
             </a:br>
             <a:r>
-              <a:rPr lang="en-US" sz="2000" dirty="0">
+              <a:rPr lang="en-US" sz="2200" dirty="0">
                 <a:solidFill>
                   <a:schemeClr val="tx1"/>
                 </a:solidFill>
                 <a:effectLst/>
                 <a:latin typeface="Roboto Medium"/>
               </a:rPr>
-              <a:t>initial authenticated</a:t>
-            </a:r>
-            <a:br>
-              <a:rPr lang="en-US" sz="2000" dirty="0">
+              <a:t>authenticated foothold</a:t>
+            </a:r>
+            <a:br>
+              <a:rPr lang="en-US" sz="2200" dirty="0">
                 <a:solidFill>
                   <a:schemeClr val="tx1"/>
                 </a:solidFill>
@@ -9942,36 +11486,17 @@
                 <a:latin typeface="Roboto Medium"/>
               </a:rPr>
             </a:br>
-            <a:r>
-              <a:rPr lang="en-US" sz="2000" dirty="0">
+            <a:br>
+              <a:rPr lang="en-US" sz="2200" dirty="0">
                 <a:solidFill>
                   <a:schemeClr val="tx1"/>
                 </a:solidFill>
                 <a:effectLst/>
                 <a:latin typeface="Roboto Medium"/>
               </a:rPr>
-              <a:t>foothold</a:t>
-            </a:r>
-            <a:br>
-              <a:rPr lang="en-US" sz="2000" dirty="0">
-                <a:solidFill>
-                  <a:schemeClr val="tx1"/>
-                </a:solidFill>
-                <a:effectLst/>
-                <a:latin typeface="Roboto Medium"/>
-              </a:rPr>
-            </a:br>
-            <a:br>
-              <a:rPr lang="en-US" sz="2000" dirty="0">
-                <a:solidFill>
-                  <a:schemeClr val="tx1"/>
-                </a:solidFill>
-                <a:effectLst/>
-                <a:latin typeface="Roboto Medium"/>
-              </a:rPr>
-            </a:br>
-            <a:r>
-              <a:rPr lang="en-US" sz="2000" dirty="0">
+            </a:br>
+            <a:r>
+              <a:rPr lang="en-US" sz="2200" dirty="0">
                 <a:solidFill>
                   <a:schemeClr val="tx1"/>
                 </a:solidFill>
@@ -9981,7 +11506,7 @@
               <a:t>User Enumeration for</a:t>
             </a:r>
             <a:br>
-              <a:rPr lang="en-US" sz="2000" dirty="0">
+              <a:rPr lang="en-US" sz="2200" dirty="0">
                 <a:solidFill>
                   <a:schemeClr val="tx1"/>
                 </a:solidFill>
@@ -9990,7 +11515,7 @@
               </a:rPr>
             </a:br>
             <a:r>
-              <a:rPr lang="en-US" sz="2000" dirty="0">
+              <a:rPr lang="en-US" sz="2200" dirty="0">
                 <a:solidFill>
                   <a:schemeClr val="tx1"/>
                 </a:solidFill>
@@ -10000,7 +11525,7 @@
               <a:t>password cracking</a:t>
             </a:r>
             <a:br>
-              <a:rPr lang="en-US" sz="2000" dirty="0">
+              <a:rPr lang="en-US" sz="2200" dirty="0">
                 <a:solidFill>
                   <a:schemeClr val="tx1"/>
                 </a:solidFill>
@@ -10009,7 +11534,7 @@
               </a:rPr>
             </a:br>
             <a:br>
-              <a:rPr lang="en-US" sz="2000" dirty="0">
+              <a:rPr lang="en-US" sz="2200" dirty="0">
                 <a:solidFill>
                   <a:schemeClr val="tx1"/>
                 </a:solidFill>
@@ -10018,7 +11543,73 @@
               </a:rPr>
             </a:br>
             <a:r>
-              <a:rPr lang="en-US" sz="2000" dirty="0">
+              <a:rPr lang="en-US" sz="2200" dirty="0">
+                <a:solidFill>
+                  <a:schemeClr val="tx1"/>
+                </a:solidFill>
+                <a:effectLst/>
+                <a:latin typeface="Roboto Medium"/>
+              </a:rPr>
+              <a:t>Hash of User Passwords</a:t>
+            </a:r>
+            <a:br>
+              <a:rPr lang="en-US" sz="2200" dirty="0">
+                <a:solidFill>
+                  <a:schemeClr val="tx1"/>
+                </a:solidFill>
+                <a:effectLst/>
+                <a:latin typeface="Roboto Medium"/>
+              </a:rPr>
+            </a:br>
+            <a:r>
+              <a:rPr lang="en-US" sz="2200" dirty="0">
+                <a:solidFill>
+                  <a:schemeClr val="tx1"/>
+                </a:solidFill>
+                <a:effectLst/>
+                <a:latin typeface="Roboto Medium"/>
+              </a:rPr>
+              <a:t>led to cracking </a:t>
+            </a:r>
+            <a:r>
+              <a:rPr lang="en-US" sz="2200" dirty="0">
+                <a:solidFill>
+                  <a:schemeClr val="tx1"/>
+                </a:solidFill>
+                <a:latin typeface="Roboto Medium"/>
+              </a:rPr>
+              <a:t>of</a:t>
+            </a:r>
+            <a:r>
+              <a:rPr lang="en-US" sz="2200" dirty="0">
+                <a:solidFill>
+                  <a:schemeClr val="tx1"/>
+                </a:solidFill>
+                <a:effectLst/>
+                <a:latin typeface="Roboto Medium"/>
+              </a:rPr>
+              <a:t> logins</a:t>
+            </a:r>
+            <a:br>
+              <a:rPr lang="en-US" sz="2200" dirty="0">
+                <a:solidFill>
+                  <a:schemeClr val="tx1"/>
+                </a:solidFill>
+                <a:effectLst/>
+                <a:latin typeface="Roboto Medium"/>
+              </a:rPr>
+            </a:br>
+            <a:br>
+              <a:rPr lang="en-US" sz="2200" dirty="0">
+                <a:solidFill>
+                  <a:schemeClr val="tx1"/>
+                </a:solidFill>
+                <a:effectLst/>
+                <a:latin typeface="Roboto Medium"/>
+              </a:rPr>
+            </a:br>
+            <a:r>
+              <a:rPr lang="en-US" sz="2200" dirty="0">
                 <a:solidFill>
                   <a:schemeClr val="tx1"/>
                 </a:solidFill>
@@ -10028,7 +11619,7 @@
               <a:t>Contact Form flaw leveraged</a:t>
             </a:r>
             <a:br>
-              <a:rPr lang="en-US" sz="2000" dirty="0">
+              <a:rPr lang="en-US" sz="2200" dirty="0">
                 <a:solidFill>
                   <a:schemeClr val="tx1"/>
                 </a:solidFill>
@@ -10037,7 +11628,7 @@
               </a:rPr>
             </a:br>
             <a:r>
-              <a:rPr lang="en-US" sz="2000" dirty="0">
+              <a:rPr lang="en-US" sz="2200" dirty="0">
                 <a:solidFill>
                   <a:schemeClr val="tx1"/>
                 </a:solidFill>
@@ -10047,7 +11638,7 @@
               <a:t>to load backdoor</a:t>
             </a:r>
             <a:br>
-              <a:rPr lang="en-US" sz="2000" dirty="0">
+              <a:rPr lang="en-US" sz="2200" dirty="0">
                 <a:solidFill>
                   <a:schemeClr val="tx1"/>
                 </a:solidFill>
@@ -10056,81 +11647,16 @@
               </a:rPr>
             </a:br>
             <a:br>
-              <a:rPr lang="en-US" sz="2000" dirty="0">
-                <a:solidFill>
-                  <a:schemeClr val="tx1"/>
-                </a:solidFill>
-                <a:latin typeface="Roboto Medium"/>
-              </a:rPr>
-            </a:br>
-            <a:r>
-              <a:rPr lang="en-US" sz="2000" dirty="0">
+              <a:rPr lang="en-US" sz="2200" dirty="0">
                 <a:solidFill>
                   <a:schemeClr val="tx1"/>
                 </a:solidFill>
                 <a:effectLst/>
                 <a:latin typeface="Roboto Medium"/>
               </a:rPr>
-              <a:t>Hash of User Passwords</a:t>
-            </a:r>
-            <a:br>
-              <a:rPr lang="en-US" sz="2000" dirty="0">
-                <a:solidFill>
-                  <a:schemeClr val="tx1"/>
-                </a:solidFill>
-                <a:effectLst/>
-                <a:latin typeface="Roboto Medium"/>
-              </a:rPr>
-            </a:br>
-            <a:r>
-              <a:rPr lang="en-US" sz="2000" dirty="0">
-                <a:solidFill>
-                  <a:schemeClr val="tx1"/>
-                </a:solidFill>
-                <a:effectLst/>
-                <a:latin typeface="Roboto Medium"/>
-              </a:rPr>
-              <a:t>led to cracking </a:t>
-            </a:r>
-            <a:r>
-              <a:rPr lang="en-US" sz="2000" dirty="0">
-                <a:solidFill>
-                  <a:schemeClr val="tx1"/>
-                </a:solidFill>
-                <a:latin typeface="Roboto Medium"/>
-              </a:rPr>
-              <a:t>of</a:t>
-            </a:r>
-            <a:r>
-              <a:rPr lang="en-US" sz="2000" dirty="0">
-                <a:solidFill>
-                  <a:schemeClr val="tx1"/>
-                </a:solidFill>
-                <a:effectLst/>
-                <a:latin typeface="Roboto Medium"/>
-              </a:rPr>
-              <a:t> logins</a:t>
-            </a:r>
-            <a:br>
-              <a:rPr lang="en-US" sz="2000" dirty="0">
-                <a:solidFill>
-                  <a:schemeClr val="tx1"/>
-                </a:solidFill>
-                <a:effectLst/>
-                <a:latin typeface="Roboto Medium"/>
-              </a:rPr>
-            </a:br>
-            <a:br>
-              <a:rPr lang="en-US" sz="2000" dirty="0">
-                <a:solidFill>
-                  <a:schemeClr val="tx1"/>
-                </a:solidFill>
-                <a:effectLst/>
-                <a:latin typeface="Roboto Medium"/>
-              </a:rPr>
-            </a:br>
-            <a:r>
-              <a:rPr lang="en-US" sz="2000" dirty="0">
+            </a:br>
+            <a:r>
+              <a:rPr lang="en-US" sz="2200" dirty="0">
                 <a:solidFill>
                   <a:schemeClr val="tx1"/>
                 </a:solidFill>
@@ -10190,7 +11716,7 @@
         </p:blipFill>
         <p:spPr>
           <a:xfrm>
-            <a:off x="2669434" y="3761672"/>
+            <a:off x="3172768" y="3649845"/>
             <a:ext cx="4963180" cy="2438934"/>
           </a:xfrm>
           <a:prstGeom prst="rect">
@@ -10220,7 +11746,7 @@
         </p:blipFill>
         <p:spPr>
           <a:xfrm>
-            <a:off x="7440109" y="2302383"/>
+            <a:off x="7455718" y="2523390"/>
             <a:ext cx="4640029" cy="3813402"/>
           </a:xfrm>
           <a:prstGeom prst="rect">
@@ -10282,7 +11808,7 @@
         </p:blipFill>
         <p:spPr>
           <a:xfrm>
-            <a:off x="7238327" y="474582"/>
+            <a:off x="7590422" y="742215"/>
             <a:ext cx="4505325" cy="1781175"/>
           </a:xfrm>
           <a:prstGeom prst="rect">
@@ -10303,7 +11829,7 @@
 </p:sld>
 </file>
 
-<file path=ppt/slides/slide7.xml><?xml version="1.0" encoding="utf-8"?>
+<file path=ppt/slides/slide9.xml><?xml version="1.0" encoding="utf-8"?>
 <p:sld xmlns:a="http://schemas.openxmlformats.org/drawingml/2006/main" xmlns:r="http://schemas.openxmlformats.org/officeDocument/2006/relationships" xmlns:p="http://schemas.openxmlformats.org/presentationml/2006/main">
   <p:cSld>
     <p:spTree>
@@ -10338,8 +11864,8 @@
         </p:nvSpPr>
         <p:spPr>
           <a:xfrm>
-            <a:off x="252918" y="75500"/>
-            <a:ext cx="4020699" cy="5228019"/>
+            <a:off x="248039" y="114689"/>
+            <a:ext cx="5008855" cy="5476214"/>
           </a:xfrm>
         </p:spPr>
         <p:txBody>
@@ -10349,7 +11875,7 @@
           <a:lstStyle/>
           <a:p>
             <a:r>
-              <a:rPr lang="en-US" dirty="0"/>
+              <a:rPr lang="en-US" sz="4000" dirty="0"/>
               <a:t>Exploitation Target 2</a:t>
             </a:r>
             <a:br>
@@ -10602,538 +12128,6 @@
     <p:extLst>
       <p:ext uri="{BB962C8B-B14F-4D97-AF65-F5344CB8AC3E}">
         <p14:creationId xmlns:p14="http://schemas.microsoft.com/office/powerpoint/2010/main" val="1580089886"/>
-      </p:ext>
-    </p:extLst>
-  </p:cSld>
-  <p:clrMapOvr>
-    <a:masterClrMapping/>
-  </p:clrMapOvr>
-</p:sld>
-</file>
-
-<file path=ppt/slides/slide8.xml><?xml version="1.0" encoding="utf-8"?>
-<p:sld xmlns:a="http://schemas.openxmlformats.org/drawingml/2006/main" xmlns:r="http://schemas.openxmlformats.org/officeDocument/2006/relationships" xmlns:p="http://schemas.openxmlformats.org/presentationml/2006/main">
-  <p:cSld>
-    <p:spTree>
-      <p:nvGrpSpPr>
-        <p:cNvPr id="1" name=""/>
-        <p:cNvGrpSpPr/>
-        <p:nvPr/>
-      </p:nvGrpSpPr>
-      <p:grpSpPr>
-        <a:xfrm>
-          <a:off x="0" y="0"/>
-          <a:ext cx="0" cy="0"/>
-          <a:chOff x="0" y="0"/>
-          <a:chExt cx="0" cy="0"/>
-        </a:xfrm>
-      </p:grpSpPr>
-      <p:sp>
-        <p:nvSpPr>
-          <p:cNvPr id="2" name="Title 1">
-            <a:extLst>
-              <a:ext uri="{FF2B5EF4-FFF2-40B4-BE49-F238E27FC236}">
-                <a16:creationId xmlns:a16="http://schemas.microsoft.com/office/drawing/2014/main" id="{B0C5B3B2-BBBD-44A7-8D3D-80682CF87E6B}"/>
-              </a:ext>
-            </a:extLst>
-          </p:cNvPr>
-          <p:cNvSpPr>
-            <a:spLocks noGrp="1"/>
-          </p:cNvSpPr>
-          <p:nvPr>
-            <p:ph type="title"/>
-          </p:nvPr>
-        </p:nvSpPr>
-        <p:spPr>
-          <a:xfrm>
-            <a:off x="154004" y="100667"/>
-            <a:ext cx="7315201" cy="6639767"/>
-          </a:xfrm>
-        </p:spPr>
-        <p:txBody>
-          <a:bodyPr>
-            <a:normAutofit fontScale="90000"/>
-          </a:bodyPr>
-          <a:lstStyle/>
-          <a:p>
-            <a:r>
-              <a:rPr lang="en-US" dirty="0"/>
-              <a:t>Avoiding Detection and Maintaining Access</a:t>
-            </a:r>
-            <a:br>
-              <a:rPr lang="en-US" dirty="0"/>
-            </a:br>
-            <a:br>
-              <a:rPr lang="en-US" dirty="0"/>
-            </a:br>
-            <a:br>
-              <a:rPr lang="en-US" dirty="0"/>
-            </a:br>
-            <a:r>
-              <a:rPr lang="en-US" sz="2800" dirty="0"/>
-              <a:t>Stealth Exploitation</a:t>
-            </a:r>
-            <a:br>
-              <a:rPr lang="en-US" sz="2800" dirty="0"/>
-            </a:br>
-            <a:br>
-              <a:rPr lang="en-US" sz="2800" dirty="0"/>
-            </a:br>
-            <a:br>
-              <a:rPr lang="en-US" sz="2800" dirty="0"/>
-            </a:br>
-            <a:r>
-              <a:rPr lang="en-US" sz="2800" dirty="0"/>
-              <a:t>Persistent  backdoor</a:t>
-            </a:r>
-            <a:br>
-              <a:rPr lang="en-US" sz="2800" dirty="0"/>
-            </a:br>
-            <a:br>
-              <a:rPr lang="en-US" sz="2800" dirty="0"/>
-            </a:br>
-            <a:br>
-              <a:rPr lang="en-US" sz="2800" dirty="0"/>
-            </a:br>
-            <a:r>
-              <a:rPr lang="en-US" sz="2800" dirty="0"/>
-              <a:t>Remote command</a:t>
-            </a:r>
-            <a:br>
-              <a:rPr lang="en-US" sz="2800" dirty="0"/>
-            </a:br>
-            <a:r>
-              <a:rPr lang="en-US" sz="2800" dirty="0"/>
-              <a:t> execution</a:t>
-            </a:r>
-            <a:br>
-              <a:rPr lang="en-US" sz="2800" dirty="0"/>
-            </a:br>
-            <a:br>
-              <a:rPr lang="en-US" sz="2800" dirty="0"/>
-            </a:br>
-            <a:br>
-              <a:rPr lang="en-US" sz="2800" dirty="0"/>
-            </a:br>
-            <a:br>
-              <a:rPr lang="en-US" sz="2800" dirty="0"/>
-            </a:br>
-            <a:br>
-              <a:rPr lang="en-US" sz="2800" dirty="0"/>
-            </a:br>
-            <a:br>
-              <a:rPr lang="en-US" sz="2800" dirty="0"/>
-            </a:br>
-            <a:br>
-              <a:rPr lang="en-US" sz="2800" dirty="0"/>
-            </a:br>
-            <a:endParaRPr lang="en-AU" sz="2800" dirty="0"/>
-          </a:p>
-        </p:txBody>
-      </p:sp>
-      <p:sp>
-        <p:nvSpPr>
-          <p:cNvPr id="3" name="Content Placeholder 2">
-            <a:extLst>
-              <a:ext uri="{FF2B5EF4-FFF2-40B4-BE49-F238E27FC236}">
-                <a16:creationId xmlns:a16="http://schemas.microsoft.com/office/drawing/2014/main" id="{D6DDD3C4-6F76-40B5-AFF1-F0557BC03777}"/>
-              </a:ext>
-            </a:extLst>
-          </p:cNvPr>
-          <p:cNvSpPr>
-            <a:spLocks noGrp="1"/>
-          </p:cNvSpPr>
-          <p:nvPr>
-            <p:ph idx="1"/>
-          </p:nvPr>
-        </p:nvSpPr>
-        <p:spPr/>
-        <p:txBody>
-          <a:bodyPr>
-            <a:normAutofit/>
-          </a:bodyPr>
-          <a:lstStyle/>
-          <a:p>
-            <a:r>
-              <a:rPr lang="en-AU" dirty="0">
-                <a:solidFill>
-                  <a:schemeClr val="tx1"/>
-                </a:solidFill>
-                <a:latin typeface="Slack-Lato"/>
-              </a:rPr>
-              <a:t>Operate enumeration tools with stealthier options to avoid detection (slow the execution of attacks)</a:t>
-            </a:r>
-          </a:p>
-          <a:p>
-            <a:endParaRPr lang="en-AU" dirty="0">
-              <a:solidFill>
-                <a:schemeClr val="tx1"/>
-              </a:solidFill>
-              <a:latin typeface="Slack-Lato"/>
-            </a:endParaRPr>
-          </a:p>
-          <a:p>
-            <a:r>
-              <a:rPr lang="en-AU" dirty="0">
-                <a:solidFill>
-                  <a:schemeClr val="tx1"/>
-                </a:solidFill>
-                <a:latin typeface="Slack-Lato"/>
-              </a:rPr>
-              <a:t>Restrict brute force methods to local execution (extract then crack)</a:t>
-            </a:r>
-          </a:p>
-          <a:p>
-            <a:endParaRPr lang="en-AU" dirty="0">
-              <a:solidFill>
-                <a:schemeClr val="tx1"/>
-              </a:solidFill>
-              <a:effectLst/>
-              <a:latin typeface="Slack-Lato"/>
-            </a:endParaRPr>
-          </a:p>
-          <a:p>
-            <a:r>
-              <a:rPr lang="en-AU" dirty="0">
-                <a:solidFill>
-                  <a:schemeClr val="tx1"/>
-                </a:solidFill>
-                <a:latin typeface="Slack-Lato"/>
-              </a:rPr>
-              <a:t>U</a:t>
-            </a:r>
-            <a:r>
-              <a:rPr lang="en-AU" dirty="0">
-                <a:solidFill>
-                  <a:schemeClr val="tx1"/>
-                </a:solidFill>
-                <a:effectLst/>
-                <a:latin typeface="Slack-Lato"/>
-              </a:rPr>
-              <a:t>sing a custom exploit, a backdoor was uploaded to the target</a:t>
-            </a:r>
-          </a:p>
-          <a:p>
-            <a:pPr marL="0" indent="0">
-              <a:buNone/>
-            </a:pPr>
-            <a:endParaRPr lang="en-AU" dirty="0">
-              <a:solidFill>
-                <a:schemeClr val="tx1"/>
-              </a:solidFill>
-              <a:effectLst/>
-              <a:latin typeface="Slack-Lato"/>
-            </a:endParaRPr>
-          </a:p>
-          <a:p>
-            <a:r>
-              <a:rPr lang="en-AU" dirty="0">
-                <a:solidFill>
-                  <a:schemeClr val="tx1"/>
-                </a:solidFill>
-                <a:latin typeface="Slack-Lato"/>
-              </a:rPr>
-              <a:t>The backdoor will persist after system reboot</a:t>
-            </a:r>
-          </a:p>
-          <a:p>
-            <a:endParaRPr lang="en-AU" dirty="0">
-              <a:solidFill>
-                <a:schemeClr val="tx1"/>
-              </a:solidFill>
-              <a:latin typeface="Slack-Lato"/>
-            </a:endParaRPr>
-          </a:p>
-          <a:p>
-            <a:r>
-              <a:rPr lang="en-AU" dirty="0">
-                <a:solidFill>
-                  <a:schemeClr val="tx1"/>
-                </a:solidFill>
-                <a:latin typeface="Slack-Lato"/>
-              </a:rPr>
-              <a:t>R</a:t>
-            </a:r>
-            <a:r>
-              <a:rPr lang="en-AU" dirty="0">
-                <a:solidFill>
-                  <a:schemeClr val="tx1"/>
-                </a:solidFill>
-                <a:effectLst/>
-                <a:latin typeface="Slack-Lato"/>
-              </a:rPr>
-              <a:t>emote command execution available</a:t>
-            </a:r>
-          </a:p>
-          <a:p>
-            <a:pPr marL="0" indent="0">
-              <a:buNone/>
-            </a:pPr>
-            <a:endParaRPr lang="en-AU" dirty="0">
-              <a:solidFill>
-                <a:schemeClr val="tx1"/>
-              </a:solidFill>
-              <a:latin typeface="Slack-Lato"/>
-            </a:endParaRPr>
-          </a:p>
-        </p:txBody>
-      </p:sp>
-    </p:spTree>
-    <p:extLst>
-      <p:ext uri="{BB962C8B-B14F-4D97-AF65-F5344CB8AC3E}">
-        <p14:creationId xmlns:p14="http://schemas.microsoft.com/office/powerpoint/2010/main" val="1712458297"/>
-      </p:ext>
-    </p:extLst>
-  </p:cSld>
-  <p:clrMapOvr>
-    <a:masterClrMapping/>
-  </p:clrMapOvr>
-</p:sld>
-</file>
-
-<file path=ppt/slides/slide9.xml><?xml version="1.0" encoding="utf-8"?>
-<p:sld xmlns:a="http://schemas.openxmlformats.org/drawingml/2006/main" xmlns:r="http://schemas.openxmlformats.org/officeDocument/2006/relationships" xmlns:p="http://schemas.openxmlformats.org/presentationml/2006/main">
-  <p:cSld>
-    <p:spTree>
-      <p:nvGrpSpPr>
-        <p:cNvPr id="1" name=""/>
-        <p:cNvGrpSpPr/>
-        <p:nvPr/>
-      </p:nvGrpSpPr>
-      <p:grpSpPr>
-        <a:xfrm>
-          <a:off x="0" y="0"/>
-          <a:ext cx="0" cy="0"/>
-          <a:chOff x="0" y="0"/>
-          <a:chExt cx="0" cy="0"/>
-        </a:xfrm>
-      </p:grpSpPr>
-      <p:sp>
-        <p:nvSpPr>
-          <p:cNvPr id="2" name="Title 1">
-            <a:extLst>
-              <a:ext uri="{FF2B5EF4-FFF2-40B4-BE49-F238E27FC236}">
-                <a16:creationId xmlns:a16="http://schemas.microsoft.com/office/drawing/2014/main" id="{B0C5B3B2-BBBD-44A7-8D3D-80682CF87E6B}"/>
-              </a:ext>
-            </a:extLst>
-          </p:cNvPr>
-          <p:cNvSpPr>
-            <a:spLocks noGrp="1"/>
-          </p:cNvSpPr>
-          <p:nvPr>
-            <p:ph type="title"/>
-          </p:nvPr>
-        </p:nvSpPr>
-        <p:spPr>
-          <a:xfrm>
-            <a:off x="96253" y="0"/>
-            <a:ext cx="10138316" cy="5621154"/>
-          </a:xfrm>
-        </p:spPr>
-        <p:txBody>
-          <a:bodyPr>
-            <a:normAutofit fontScale="90000"/>
-          </a:bodyPr>
-          <a:lstStyle/>
-          <a:p>
-            <a:r>
-              <a:rPr lang="en-US" dirty="0"/>
-              <a:t>Monitoring Activity and Alerting</a:t>
-            </a:r>
-            <a:br>
-              <a:rPr lang="en-US" dirty="0"/>
-            </a:br>
-            <a:br>
-              <a:rPr lang="en-US" dirty="0"/>
-            </a:br>
-            <a:r>
-              <a:rPr lang="en-US" dirty="0">
-                <a:solidFill>
-                  <a:schemeClr val="tx1"/>
-                </a:solidFill>
-              </a:rPr>
-              <a:t>Network Defender</a:t>
-            </a:r>
-            <a:br>
-              <a:rPr lang="en-US" sz="2200" dirty="0"/>
-            </a:br>
-            <a:br>
-              <a:rPr lang="en-US" sz="2200" dirty="0"/>
-            </a:br>
-            <a:r>
-              <a:rPr lang="en-US" sz="2200" dirty="0"/>
-              <a:t>Maintain effective monitoring</a:t>
-            </a:r>
-            <a:br>
-              <a:rPr lang="en-US" sz="2200" dirty="0"/>
-            </a:br>
-            <a:r>
-              <a:rPr lang="en-US" sz="2200" dirty="0"/>
-              <a:t> of  assets.</a:t>
-            </a:r>
-            <a:br>
-              <a:rPr lang="en-US" sz="2200" dirty="0"/>
-            </a:br>
-            <a:br>
-              <a:rPr lang="en-US" sz="2200" dirty="0"/>
-            </a:br>
-            <a:r>
-              <a:rPr lang="en-US" sz="2200" dirty="0"/>
-              <a:t>Understand variations in normal</a:t>
-            </a:r>
-            <a:br>
-              <a:rPr lang="en-US" sz="2200" dirty="0"/>
-            </a:br>
-            <a:br>
-              <a:rPr lang="en-US" sz="2200" dirty="0"/>
-            </a:br>
-            <a:r>
-              <a:rPr lang="en-US" sz="2200" dirty="0"/>
-              <a:t>activity patterns.</a:t>
-            </a:r>
-            <a:br>
-              <a:rPr lang="en-US" sz="2200" dirty="0"/>
-            </a:br>
-            <a:br>
-              <a:rPr lang="en-US" sz="2200" dirty="0"/>
-            </a:br>
-            <a:r>
-              <a:rPr lang="en-US" sz="2200" dirty="0"/>
-              <a:t>Tailor alerting  thresholds, </a:t>
-            </a:r>
-            <a:br>
-              <a:rPr lang="en-US" sz="2200" dirty="0"/>
-            </a:br>
-            <a:r>
-              <a:rPr lang="en-US" sz="2200" dirty="0" err="1"/>
-              <a:t>minimise</a:t>
-            </a:r>
-            <a:r>
-              <a:rPr lang="en-US" sz="2200" dirty="0"/>
-              <a:t> false positives.</a:t>
-            </a:r>
-            <a:br>
-              <a:rPr lang="en-US" sz="2200" dirty="0"/>
-            </a:br>
-            <a:br>
-              <a:rPr lang="en-US" sz="2200" dirty="0"/>
-            </a:br>
-            <a:r>
-              <a:rPr lang="en-US" sz="2200" dirty="0"/>
-              <a:t>Trigger planned mitigation</a:t>
-            </a:r>
-            <a:br>
-              <a:rPr lang="en-US" sz="2200" dirty="0"/>
-            </a:br>
-            <a:r>
-              <a:rPr lang="en-US" sz="2200" dirty="0"/>
-              <a:t>actions, automated and manual.</a:t>
-            </a:r>
-            <a:br>
-              <a:rPr lang="en-US" sz="2200" dirty="0"/>
-            </a:br>
-            <a:br>
-              <a:rPr lang="en-US" sz="2200" dirty="0"/>
-            </a:br>
-            <a:endParaRPr lang="en-AU" sz="2200" dirty="0"/>
-          </a:p>
-        </p:txBody>
-      </p:sp>
-      <p:pic>
-        <p:nvPicPr>
-          <p:cNvPr id="4" name="Content Placeholder 3">
-            <a:extLst>
-              <a:ext uri="{FF2B5EF4-FFF2-40B4-BE49-F238E27FC236}">
-                <a16:creationId xmlns:a16="http://schemas.microsoft.com/office/drawing/2014/main" id="{5BF79180-432E-411A-84EE-2BF66FCA1769}"/>
-              </a:ext>
-            </a:extLst>
-          </p:cNvPr>
-          <p:cNvPicPr>
-            <a:picLocks noGrp="1" noChangeAspect="1"/>
-          </p:cNvPicPr>
-          <p:nvPr>
-            <p:ph idx="1"/>
-          </p:nvPr>
-        </p:nvPicPr>
-        <p:blipFill>
-          <a:blip r:embed="rId3"/>
-          <a:stretch>
-            <a:fillRect/>
-          </a:stretch>
-        </p:blipFill>
-        <p:spPr>
-          <a:xfrm>
-            <a:off x="3491265" y="664331"/>
-            <a:ext cx="5898391" cy="2240474"/>
-          </a:xfrm>
-          <a:prstGeom prst="rect">
-            <a:avLst/>
-          </a:prstGeom>
-        </p:spPr>
-      </p:pic>
-      <p:pic>
-        <p:nvPicPr>
-          <p:cNvPr id="6" name="Picture 5">
-            <a:extLst>
-              <a:ext uri="{FF2B5EF4-FFF2-40B4-BE49-F238E27FC236}">
-                <a16:creationId xmlns:a16="http://schemas.microsoft.com/office/drawing/2014/main" id="{E7679167-4854-448D-B4E9-C4F85EB31C03}"/>
-              </a:ext>
-            </a:extLst>
-          </p:cNvPr>
-          <p:cNvPicPr>
-            <a:picLocks noChangeAspect="1"/>
-          </p:cNvPicPr>
-          <p:nvPr/>
-        </p:nvPicPr>
-        <p:blipFill>
-          <a:blip r:embed="rId4"/>
-          <a:stretch>
-            <a:fillRect/>
-          </a:stretch>
-        </p:blipFill>
-        <p:spPr>
-          <a:xfrm>
-            <a:off x="5474070" y="3005682"/>
-            <a:ext cx="5588580" cy="3187987"/>
-          </a:xfrm>
-          <a:prstGeom prst="rect">
-            <a:avLst/>
-          </a:prstGeom>
-        </p:spPr>
-      </p:pic>
-      <p:pic>
-        <p:nvPicPr>
-          <p:cNvPr id="8" name="Picture 7">
-            <a:extLst>
-              <a:ext uri="{FF2B5EF4-FFF2-40B4-BE49-F238E27FC236}">
-                <a16:creationId xmlns:a16="http://schemas.microsoft.com/office/drawing/2014/main" id="{5BB70315-B64A-4D5C-8B44-9D6DABF68008}"/>
-              </a:ext>
-            </a:extLst>
-          </p:cNvPr>
-          <p:cNvPicPr>
-            <a:picLocks noChangeAspect="1"/>
-          </p:cNvPicPr>
-          <p:nvPr/>
-        </p:nvPicPr>
-        <p:blipFill rotWithShape="1">
-          <a:blip r:embed="rId5"/>
-          <a:srcRect l="61240" t="-352741" r="-2507" b="352741"/>
-          <a:stretch/>
-        </p:blipFill>
-        <p:spPr>
-          <a:xfrm>
-            <a:off x="8409421" y="1024047"/>
-            <a:ext cx="3314150" cy="1097561"/>
-          </a:xfrm>
-          <a:prstGeom prst="rect">
-            <a:avLst/>
-          </a:prstGeom>
-        </p:spPr>
-      </p:pic>
-    </p:spTree>
-    <p:extLst>
-      <p:ext uri="{BB962C8B-B14F-4D97-AF65-F5344CB8AC3E}">
-        <p14:creationId xmlns:p14="http://schemas.microsoft.com/office/powerpoint/2010/main" val="2162107554"/>
       </p:ext>
     </p:extLst>
   </p:cSld>
